--- a/Smart_Fan_PPT.pptx
+++ b/Smart_Fan_PPT.pptx
@@ -252,7 +252,7 @@
   </p:defaultTextStyle>
   <p:extLst>
     <p:ext uri="http://customooxmlschemas.google.com/">
-      <go:slidesCustomData xmlns:go="http://customooxmlschemas.google.com/" r:id="rId15" roundtripDataSignature="AMtx7miCxFGE7AMeZiU15IrOS/+m0dLcbg=="/>
+      <go:slidesCustomData xmlns:go="http://customooxmlschemas.google.com/" r:id="rId15" roundtripDataSignature="AMtx7mhIa5+iDS34Y958qeD4ju8+eBqPoA=="/>
     </p:ext>
   </p:extLst>
 </p:presentation>
@@ -788,7 +788,7 @@
   <p:cSld>
     <p:spTree>
       <p:nvGrpSpPr>
-        <p:cNvPr id="285" name="Shape 285"/>
+        <p:cNvPr id="287" name="Shape 287"/>
         <p:cNvGrpSpPr/>
         <p:nvPr/>
       </p:nvGrpSpPr>
@@ -802,7 +802,7 @@
       </p:grpSpPr>
       <p:sp>
         <p:nvSpPr>
-          <p:cNvPr id="286" name="Google Shape;286;g75b8a7b94d_0_28:notes"/>
+          <p:cNvPr id="288" name="Google Shape;288;g75b8a7b94d_0_28:notes"/>
           <p:cNvSpPr/>
           <p:nvPr>
             <p:ph idx="2" type="sldImg"/>
@@ -837,7 +837,7 @@
       </p:sp>
       <p:sp>
         <p:nvSpPr>
-          <p:cNvPr id="287" name="Google Shape;287;g75b8a7b94d_0_28:notes"/>
+          <p:cNvPr id="289" name="Google Shape;289;g75b8a7b94d_0_28:notes"/>
           <p:cNvSpPr txBox="1"/>
           <p:nvPr>
             <p:ph idx="1" type="body"/>
@@ -887,7 +887,7 @@
   <p:cSld>
     <p:spTree>
       <p:nvGrpSpPr>
-        <p:cNvPr id="106" name="Shape 106"/>
+        <p:cNvPr id="108" name="Shape 108"/>
         <p:cNvGrpSpPr/>
         <p:nvPr/>
       </p:nvGrpSpPr>
@@ -901,7 +901,7 @@
       </p:grpSpPr>
       <p:sp>
         <p:nvSpPr>
-          <p:cNvPr id="107" name="Google Shape;107;g75b8a7b94d_0_33:notes"/>
+          <p:cNvPr id="109" name="Google Shape;109;g75b8a7b94d_0_33:notes"/>
           <p:cNvSpPr/>
           <p:nvPr>
             <p:ph idx="2" type="sldImg"/>
@@ -936,7 +936,7 @@
       </p:sp>
       <p:sp>
         <p:nvSpPr>
-          <p:cNvPr id="108" name="Google Shape;108;g75b8a7b94d_0_33:notes"/>
+          <p:cNvPr id="110" name="Google Shape;110;g75b8a7b94d_0_33:notes"/>
           <p:cNvSpPr txBox="1"/>
           <p:nvPr>
             <p:ph idx="1" type="body"/>
@@ -986,7 +986,7 @@
   <p:cSld>
     <p:spTree>
       <p:nvGrpSpPr>
-        <p:cNvPr id="111" name="Shape 111"/>
+        <p:cNvPr id="113" name="Shape 113"/>
         <p:cNvGrpSpPr/>
         <p:nvPr/>
       </p:nvGrpSpPr>
@@ -1000,7 +1000,7 @@
       </p:grpSpPr>
       <p:sp>
         <p:nvSpPr>
-          <p:cNvPr id="112" name="Google Shape;112;p2:notes"/>
+          <p:cNvPr id="114" name="Google Shape;114;p2:notes"/>
           <p:cNvSpPr txBox="1"/>
           <p:nvPr>
             <p:ph idx="1" type="body"/>
@@ -1039,7 +1039,7 @@
       </p:sp>
       <p:sp>
         <p:nvSpPr>
-          <p:cNvPr id="113" name="Google Shape;113;p2:notes"/>
+          <p:cNvPr id="115" name="Google Shape;115;p2:notes"/>
           <p:cNvSpPr/>
           <p:nvPr>
             <p:ph idx="2" type="sldImg"/>
@@ -1085,7 +1085,7 @@
   <p:cSld>
     <p:spTree>
       <p:nvGrpSpPr>
-        <p:cNvPr id="128" name="Shape 128"/>
+        <p:cNvPr id="130" name="Shape 130"/>
         <p:cNvGrpSpPr/>
         <p:nvPr/>
       </p:nvGrpSpPr>
@@ -1099,7 +1099,7 @@
       </p:grpSpPr>
       <p:sp>
         <p:nvSpPr>
-          <p:cNvPr id="129" name="Google Shape;129;p4:notes"/>
+          <p:cNvPr id="131" name="Google Shape;131;p4:notes"/>
           <p:cNvSpPr txBox="1"/>
           <p:nvPr>
             <p:ph idx="1" type="body"/>
@@ -1138,7 +1138,7 @@
       </p:sp>
       <p:sp>
         <p:nvSpPr>
-          <p:cNvPr id="130" name="Google Shape;130;p4:notes"/>
+          <p:cNvPr id="132" name="Google Shape;132;p4:notes"/>
           <p:cNvSpPr/>
           <p:nvPr>
             <p:ph idx="2" type="sldImg"/>
@@ -1184,7 +1184,7 @@
   <p:cSld>
     <p:spTree>
       <p:nvGrpSpPr>
-        <p:cNvPr id="159" name="Shape 159"/>
+        <p:cNvPr id="161" name="Shape 161"/>
         <p:cNvGrpSpPr/>
         <p:nvPr/>
       </p:nvGrpSpPr>
@@ -1198,7 +1198,7 @@
       </p:grpSpPr>
       <p:sp>
         <p:nvSpPr>
-          <p:cNvPr id="160" name="Google Shape;160;p3:notes"/>
+          <p:cNvPr id="162" name="Google Shape;162;p3:notes"/>
           <p:cNvSpPr txBox="1"/>
           <p:nvPr>
             <p:ph idx="1" type="body"/>
@@ -1237,7 +1237,7 @@
       </p:sp>
       <p:sp>
         <p:nvSpPr>
-          <p:cNvPr id="161" name="Google Shape;161;p3:notes"/>
+          <p:cNvPr id="163" name="Google Shape;163;p3:notes"/>
           <p:cNvSpPr/>
           <p:nvPr>
             <p:ph idx="2" type="sldImg"/>
@@ -1283,7 +1283,7 @@
   <p:cSld>
     <p:spTree>
       <p:nvGrpSpPr>
-        <p:cNvPr id="195" name="Shape 195"/>
+        <p:cNvPr id="197" name="Shape 197"/>
         <p:cNvGrpSpPr/>
         <p:nvPr/>
       </p:nvGrpSpPr>
@@ -1297,7 +1297,7 @@
       </p:grpSpPr>
       <p:sp>
         <p:nvSpPr>
-          <p:cNvPr id="196" name="Google Shape;196;p5:notes"/>
+          <p:cNvPr id="198" name="Google Shape;198;p5:notes"/>
           <p:cNvSpPr txBox="1"/>
           <p:nvPr>
             <p:ph idx="1" type="body"/>
@@ -1336,7 +1336,7 @@
       </p:sp>
       <p:sp>
         <p:nvSpPr>
-          <p:cNvPr id="197" name="Google Shape;197;p5:notes"/>
+          <p:cNvPr id="199" name="Google Shape;199;p5:notes"/>
           <p:cNvSpPr/>
           <p:nvPr>
             <p:ph idx="2" type="sldImg"/>
@@ -1382,7 +1382,7 @@
   <p:cSld>
     <p:spTree>
       <p:nvGrpSpPr>
-        <p:cNvPr id="230" name="Shape 230"/>
+        <p:cNvPr id="232" name="Shape 232"/>
         <p:cNvGrpSpPr/>
         <p:nvPr/>
       </p:nvGrpSpPr>
@@ -1396,7 +1396,7 @@
       </p:grpSpPr>
       <p:sp>
         <p:nvSpPr>
-          <p:cNvPr id="231" name="Google Shape;231;g75b7ceff41_0_0:notes"/>
+          <p:cNvPr id="233" name="Google Shape;233;g75b7ceff41_0_0:notes"/>
           <p:cNvSpPr/>
           <p:nvPr>
             <p:ph idx="2" type="sldImg"/>
@@ -1431,7 +1431,7 @@
       </p:sp>
       <p:sp>
         <p:nvSpPr>
-          <p:cNvPr id="232" name="Google Shape;232;g75b7ceff41_0_0:notes"/>
+          <p:cNvPr id="234" name="Google Shape;234;g75b7ceff41_0_0:notes"/>
           <p:cNvSpPr txBox="1"/>
           <p:nvPr>
             <p:ph idx="1" type="body"/>
@@ -1481,7 +1481,7 @@
   <p:cSld>
     <p:spTree>
       <p:nvGrpSpPr>
-        <p:cNvPr id="266" name="Shape 266"/>
+        <p:cNvPr id="268" name="Shape 268"/>
         <p:cNvGrpSpPr/>
         <p:nvPr/>
       </p:nvGrpSpPr>
@@ -1495,7 +1495,7 @@
       </p:grpSpPr>
       <p:sp>
         <p:nvSpPr>
-          <p:cNvPr id="267" name="Google Shape;267;p6:notes"/>
+          <p:cNvPr id="269" name="Google Shape;269;p6:notes"/>
           <p:cNvSpPr txBox="1"/>
           <p:nvPr>
             <p:ph idx="1" type="body"/>
@@ -1534,7 +1534,7 @@
       </p:sp>
       <p:sp>
         <p:nvSpPr>
-          <p:cNvPr id="268" name="Google Shape;268;p6:notes"/>
+          <p:cNvPr id="270" name="Google Shape;270;p6:notes"/>
           <p:cNvSpPr/>
           <p:nvPr>
             <p:ph idx="2" type="sldImg"/>
@@ -1580,7 +1580,7 @@
   <p:cSld>
     <p:spTree>
       <p:nvGrpSpPr>
-        <p:cNvPr id="274" name="Shape 274"/>
+        <p:cNvPr id="276" name="Shape 276"/>
         <p:cNvGrpSpPr/>
         <p:nvPr/>
       </p:nvGrpSpPr>
@@ -1594,7 +1594,7 @@
       </p:grpSpPr>
       <p:sp>
         <p:nvSpPr>
-          <p:cNvPr id="275" name="Google Shape;275;g75b57b0b16_0_147:notes"/>
+          <p:cNvPr id="277" name="Google Shape;277;g75b57b0b16_0_147:notes"/>
           <p:cNvSpPr txBox="1"/>
           <p:nvPr>
             <p:ph idx="1" type="body"/>
@@ -1633,7 +1633,7 @@
       </p:sp>
       <p:sp>
         <p:nvSpPr>
-          <p:cNvPr id="276" name="Google Shape;276;g75b57b0b16_0_147:notes"/>
+          <p:cNvPr id="278" name="Google Shape;278;g75b57b0b16_0_147:notes"/>
           <p:cNvSpPr/>
           <p:nvPr>
             <p:ph idx="2" type="sldImg"/>
@@ -17132,6 +17132,94 @@
           </a:p>
         </p:txBody>
       </p:sp>
+      <p:sp>
+        <p:nvSpPr>
+          <p:cNvPr id="106" name="Google Shape;106;p1"/>
+          <p:cNvSpPr txBox="1"/>
+          <p:nvPr/>
+        </p:nvSpPr>
+        <p:spPr>
+          <a:xfrm>
+            <a:off x="-938050" y="6353250"/>
+            <a:ext cx="5912100" cy="399000"/>
+          </a:xfrm>
+          <a:prstGeom prst="rect">
+            <a:avLst/>
+          </a:prstGeom>
+          <a:noFill/>
+          <a:ln>
+            <a:noFill/>
+          </a:ln>
+        </p:spPr>
+        <p:txBody>
+          <a:bodyPr anchorCtr="0" anchor="t" bIns="91425" lIns="91425" spcFirstLastPara="1" rIns="91425" wrap="square" tIns="91425">
+            <a:noAutofit/>
+          </a:bodyPr>
+          <a:lstStyle/>
+          <a:p>
+            <a:pPr indent="0" lvl="0" marL="0" rtl="0" algn="ctr">
+              <a:spcBef>
+                <a:spcPts val="0"/>
+              </a:spcBef>
+              <a:spcAft>
+                <a:spcPts val="0"/>
+              </a:spcAft>
+              <a:buNone/>
+            </a:pPr>
+            <a:r>
+              <a:rPr lang="ko-KR" sz="1800" u="sng">
+                <a:hlinkClick r:id="rId3"/>
+              </a:rPr>
+              <a:t>https://github.com/agurimon/smart-fan</a:t>
+            </a:r>
+            <a:endParaRPr sz="1800"/>
+          </a:p>
+        </p:txBody>
+      </p:sp>
+      <p:sp>
+        <p:nvSpPr>
+          <p:cNvPr id="107" name="Google Shape;107;p1"/>
+          <p:cNvSpPr txBox="1"/>
+          <p:nvPr/>
+        </p:nvSpPr>
+        <p:spPr>
+          <a:xfrm>
+            <a:off x="7020575" y="6399900"/>
+            <a:ext cx="5232300" cy="458100"/>
+          </a:xfrm>
+          <a:prstGeom prst="rect">
+            <a:avLst/>
+          </a:prstGeom>
+          <a:noFill/>
+          <a:ln>
+            <a:noFill/>
+          </a:ln>
+        </p:spPr>
+        <p:txBody>
+          <a:bodyPr anchorCtr="0" anchor="t" bIns="91425" lIns="91425" spcFirstLastPara="1" rIns="91425" wrap="square" tIns="91425">
+            <a:noAutofit/>
+          </a:bodyPr>
+          <a:lstStyle/>
+          <a:p>
+            <a:pPr indent="0" lvl="0" marL="0" rtl="0" algn="l">
+              <a:spcBef>
+                <a:spcPts val="0"/>
+              </a:spcBef>
+              <a:spcAft>
+                <a:spcPts val="0"/>
+              </a:spcAft>
+              <a:buNone/>
+            </a:pPr>
+            <a:r>
+              <a:rPr lang="ko-KR" sz="1800" u="sng">
+                <a:hlinkClick r:id="rId4"/>
+              </a:rPr>
+              <a:t>https://www.youtube.com/watch?v=UPeT55CLgkI</a:t>
+            </a:r>
+            <a:endParaRPr sz="1800"/>
+          </a:p>
+        </p:txBody>
+      </p:sp>
     </p:spTree>
   </p:cSld>
   <p:clrMapOvr>
@@ -17251,7 +17339,7 @@
   <p:cSld>
     <p:spTree>
       <p:nvGrpSpPr>
-        <p:cNvPr id="288" name="Shape 288"/>
+        <p:cNvPr id="290" name="Shape 290"/>
         <p:cNvGrpSpPr/>
         <p:nvPr/>
       </p:nvGrpSpPr>
@@ -17265,7 +17353,7 @@
       </p:grpSpPr>
       <p:sp>
         <p:nvSpPr>
-          <p:cNvPr id="289" name="Google Shape;289;g75b8a7b94d_0_28"/>
+          <p:cNvPr id="291" name="Google Shape;291;g75b8a7b94d_0_28"/>
           <p:cNvSpPr txBox="1"/>
           <p:nvPr/>
         </p:nvSpPr>
@@ -17322,7 +17410,7 @@
   <p:cSld>
     <p:spTree>
       <p:nvGrpSpPr>
-        <p:cNvPr id="109" name="Shape 109"/>
+        <p:cNvPr id="111" name="Shape 111"/>
         <p:cNvGrpSpPr/>
         <p:nvPr/>
       </p:nvGrpSpPr>
@@ -17336,7 +17424,7 @@
       </p:grpSpPr>
       <p:pic>
         <p:nvPicPr>
-          <p:cNvPr id="110" name="Google Shape;110;g75b8a7b94d_0_33" title="fanfanfan.MOV">
+          <p:cNvPr id="112" name="Google Shape;112;g75b8a7b94d_0_33" title="fanfanfan.MOV">
             <a:hlinkClick r:id="rId3"/>
           </p:cNvPr>
           <p:cNvPicPr preferRelativeResize="0"/>
@@ -17377,7 +17465,7 @@
   <p:cSld>
     <p:spTree>
       <p:nvGrpSpPr>
-        <p:cNvPr id="114" name="Shape 114"/>
+        <p:cNvPr id="116" name="Shape 116"/>
         <p:cNvGrpSpPr/>
         <p:nvPr/>
       </p:nvGrpSpPr>
@@ -17391,7 +17479,7 @@
       </p:grpSpPr>
       <p:sp>
         <p:nvSpPr>
-          <p:cNvPr id="115" name="Google Shape;115;p2"/>
+          <p:cNvPr id="117" name="Google Shape;117;p2"/>
           <p:cNvSpPr/>
           <p:nvPr/>
         </p:nvSpPr>
@@ -17445,7 +17533,7 @@
       </p:sp>
       <p:sp>
         <p:nvSpPr>
-          <p:cNvPr id="116" name="Google Shape;116;p2"/>
+          <p:cNvPr id="118" name="Google Shape;118;p2"/>
           <p:cNvSpPr/>
           <p:nvPr/>
         </p:nvSpPr>
@@ -17495,7 +17583,7 @@
       </p:sp>
       <p:grpSp>
         <p:nvGrpSpPr>
-          <p:cNvPr id="117" name="Google Shape;117;p2"/>
+          <p:cNvPr id="119" name="Google Shape;119;p2"/>
           <p:cNvGrpSpPr/>
           <p:nvPr/>
         </p:nvGrpSpPr>
@@ -17509,7 +17597,7 @@
         </p:grpSpPr>
         <p:sp>
           <p:nvSpPr>
-            <p:cNvPr id="118" name="Google Shape;118;p2"/>
+            <p:cNvPr id="120" name="Google Shape;120;p2"/>
             <p:cNvSpPr/>
             <p:nvPr/>
           </p:nvSpPr>
@@ -17572,7 +17660,7 @@
         </p:sp>
         <p:sp>
           <p:nvSpPr>
-            <p:cNvPr id="119" name="Google Shape;119;p2"/>
+            <p:cNvPr id="121" name="Google Shape;121;p2"/>
             <p:cNvSpPr txBox="1"/>
             <p:nvPr/>
           </p:nvSpPr>
@@ -17638,7 +17726,7 @@
         </p:sp>
         <p:sp>
           <p:nvSpPr>
-            <p:cNvPr id="120" name="Google Shape;120;p2"/>
+            <p:cNvPr id="122" name="Google Shape;122;p2"/>
             <p:cNvSpPr/>
             <p:nvPr/>
           </p:nvSpPr>
@@ -17702,7 +17790,7 @@
         </p:sp>
         <p:sp>
           <p:nvSpPr>
-            <p:cNvPr id="121" name="Google Shape;121;p2"/>
+            <p:cNvPr id="123" name="Google Shape;123;p2"/>
             <p:cNvSpPr txBox="1"/>
             <p:nvPr/>
           </p:nvSpPr>
@@ -17759,7 +17847,7 @@
         </p:sp>
         <p:sp>
           <p:nvSpPr>
-            <p:cNvPr id="122" name="Google Shape;122;p2"/>
+            <p:cNvPr id="124" name="Google Shape;124;p2"/>
             <p:cNvSpPr/>
             <p:nvPr/>
           </p:nvSpPr>
@@ -17822,7 +17910,7 @@
         </p:sp>
         <p:sp>
           <p:nvSpPr>
-            <p:cNvPr id="123" name="Google Shape;123;p2"/>
+            <p:cNvPr id="125" name="Google Shape;125;p2"/>
             <p:cNvSpPr txBox="1"/>
             <p:nvPr/>
           </p:nvSpPr>
@@ -17920,7 +18008,7 @@
         </p:sp>
         <p:sp>
           <p:nvSpPr>
-            <p:cNvPr id="124" name="Google Shape;124;p2"/>
+            <p:cNvPr id="126" name="Google Shape;126;p2"/>
             <p:cNvSpPr/>
             <p:nvPr/>
           </p:nvSpPr>
@@ -17984,7 +18072,7 @@
         </p:sp>
         <p:sp>
           <p:nvSpPr>
-            <p:cNvPr id="125" name="Google Shape;125;p2"/>
+            <p:cNvPr id="127" name="Google Shape;127;p2"/>
             <p:cNvSpPr txBox="1"/>
             <p:nvPr/>
           </p:nvSpPr>
@@ -18041,7 +18129,7 @@
         </p:sp>
         <p:sp>
           <p:nvSpPr>
-            <p:cNvPr id="126" name="Google Shape;126;p2"/>
+            <p:cNvPr id="128" name="Google Shape;128;p2"/>
             <p:cNvSpPr/>
             <p:nvPr/>
           </p:nvSpPr>
@@ -18104,7 +18192,7 @@
         </p:sp>
         <p:sp>
           <p:nvSpPr>
-            <p:cNvPr id="127" name="Google Shape;127;p2"/>
+            <p:cNvPr id="129" name="Google Shape;129;p2"/>
             <p:cNvSpPr txBox="1"/>
             <p:nvPr/>
           </p:nvSpPr>
@@ -18185,7 +18273,7 @@
   <p:cSld>
     <p:spTree>
       <p:nvGrpSpPr>
-        <p:cNvPr id="131" name="Shape 131"/>
+        <p:cNvPr id="133" name="Shape 133"/>
         <p:cNvGrpSpPr/>
         <p:nvPr/>
       </p:nvGrpSpPr>
@@ -18199,7 +18287,7 @@
       </p:grpSpPr>
       <p:sp>
         <p:nvSpPr>
-          <p:cNvPr id="132" name="Google Shape;132;p4"/>
+          <p:cNvPr id="134" name="Google Shape;134;p4"/>
           <p:cNvSpPr/>
           <p:nvPr/>
         </p:nvSpPr>
@@ -18253,7 +18341,7 @@
       </p:sp>
       <p:sp>
         <p:nvSpPr>
-          <p:cNvPr id="133" name="Google Shape;133;p4"/>
+          <p:cNvPr id="135" name="Google Shape;135;p4"/>
           <p:cNvSpPr/>
           <p:nvPr/>
         </p:nvSpPr>
@@ -18303,7 +18391,7 @@
       </p:sp>
       <p:grpSp>
         <p:nvGrpSpPr>
-          <p:cNvPr id="134" name="Google Shape;134;p4"/>
+          <p:cNvPr id="136" name="Google Shape;136;p4"/>
           <p:cNvGrpSpPr/>
           <p:nvPr/>
         </p:nvGrpSpPr>
@@ -18317,7 +18405,7 @@
         </p:grpSpPr>
         <p:sp>
           <p:nvSpPr>
-            <p:cNvPr id="135" name="Google Shape;135;p4"/>
+            <p:cNvPr id="137" name="Google Shape;137;p4"/>
             <p:cNvSpPr/>
             <p:nvPr/>
           </p:nvSpPr>
@@ -18388,7 +18476,7 @@
         </p:sp>
         <p:sp>
           <p:nvSpPr>
-            <p:cNvPr id="136" name="Google Shape;136;p4"/>
+            <p:cNvPr id="138" name="Google Shape;138;p4"/>
             <p:cNvSpPr/>
             <p:nvPr/>
           </p:nvSpPr>
@@ -18567,7 +18655,7 @@
         </p:sp>
         <p:sp>
           <p:nvSpPr>
-            <p:cNvPr id="137" name="Google Shape;137;p4"/>
+            <p:cNvPr id="139" name="Google Shape;139;p4"/>
             <p:cNvSpPr/>
             <p:nvPr/>
           </p:nvSpPr>
@@ -18692,7 +18780,7 @@
         </p:sp>
         <p:sp>
           <p:nvSpPr>
-            <p:cNvPr id="138" name="Google Shape;138;p4"/>
+            <p:cNvPr id="140" name="Google Shape;140;p4"/>
             <p:cNvSpPr/>
             <p:nvPr/>
           </p:nvSpPr>
@@ -18793,7 +18881,7 @@
         </p:sp>
         <p:sp>
           <p:nvSpPr>
-            <p:cNvPr id="139" name="Google Shape;139;p4"/>
+            <p:cNvPr id="141" name="Google Shape;141;p4"/>
             <p:cNvSpPr/>
             <p:nvPr/>
           </p:nvSpPr>
@@ -18841,208 +18929,6 @@
                   </a:lnTo>
                   <a:lnTo>
                     <a:pt x="451" y="34"/>
-                  </a:lnTo>
-                  <a:lnTo>
-                    <a:pt x="429" y="12"/>
-                  </a:lnTo>
-                  <a:lnTo>
-                    <a:pt x="401" y="1"/>
-                  </a:lnTo>
-                  <a:lnTo>
-                    <a:pt x="385" y="0"/>
-                  </a:lnTo>
-                  <a:close/>
-                </a:path>
-              </a:pathLst>
-            </a:custGeom>
-            <a:solidFill>
-              <a:srgbClr val="69EBFC"/>
-            </a:solidFill>
-            <a:ln>
-              <a:noFill/>
-            </a:ln>
-          </p:spPr>
-          <p:txBody>
-            <a:bodyPr anchorCtr="0" anchor="t" bIns="45700" lIns="91425" spcFirstLastPara="1" rIns="91425" wrap="square" tIns="45700">
-              <a:noAutofit/>
-            </a:bodyPr>
-            <a:lstStyle/>
-            <a:p>
-              <a:pPr indent="0" lvl="0" marL="0" marR="0" rtl="0" algn="l">
-                <a:spcBef>
-                  <a:spcPts val="0"/>
-                </a:spcBef>
-                <a:spcAft>
-                  <a:spcPts val="0"/>
-                </a:spcAft>
-                <a:buNone/>
-              </a:pPr>
-              <a:r>
-                <a:t/>
-              </a:r>
-              <a:endParaRPr sz="1800">
-                <a:solidFill>
-                  <a:schemeClr val="dk1"/>
-                </a:solidFill>
-                <a:latin typeface="Arial"/>
-                <a:ea typeface="Arial"/>
-                <a:cs typeface="Arial"/>
-                <a:sym typeface="Arial"/>
-              </a:endParaRPr>
-            </a:p>
-          </p:txBody>
-        </p:sp>
-        <p:sp>
-          <p:nvSpPr>
-            <p:cNvPr id="140" name="Google Shape;140;p4"/>
-            <p:cNvSpPr/>
-            <p:nvPr/>
-          </p:nvSpPr>
-          <p:spPr>
-            <a:xfrm>
-              <a:off x="2751266" y="6486525"/>
-              <a:ext cx="147638" cy="117475"/>
-            </a:xfrm>
-            <a:custGeom>
-              <a:rect b="b" l="l" r="r" t="t"/>
-              <a:pathLst>
-                <a:path extrusionOk="0" h="367" w="464">
-                  <a:moveTo>
-                    <a:pt x="385" y="0"/>
-                  </a:moveTo>
-                  <a:lnTo>
-                    <a:pt x="79" y="0"/>
-                  </a:lnTo>
-                  <a:lnTo>
-                    <a:pt x="64" y="1"/>
-                  </a:lnTo>
-                  <a:lnTo>
-                    <a:pt x="35" y="12"/>
-                  </a:lnTo>
-                  <a:lnTo>
-                    <a:pt x="14" y="34"/>
-                  </a:lnTo>
-                  <a:lnTo>
-                    <a:pt x="1" y="63"/>
-                  </a:lnTo>
-                  <a:lnTo>
-                    <a:pt x="0" y="79"/>
-                  </a:lnTo>
-                  <a:lnTo>
-                    <a:pt x="0" y="367"/>
-                  </a:lnTo>
-                  <a:lnTo>
-                    <a:pt x="464" y="367"/>
-                  </a:lnTo>
-                  <a:lnTo>
-                    <a:pt x="464" y="79"/>
-                  </a:lnTo>
-                  <a:lnTo>
-                    <a:pt x="463" y="63"/>
-                  </a:lnTo>
-                  <a:lnTo>
-                    <a:pt x="451" y="34"/>
-                  </a:lnTo>
-                  <a:lnTo>
-                    <a:pt x="430" y="12"/>
-                  </a:lnTo>
-                  <a:lnTo>
-                    <a:pt x="401" y="1"/>
-                  </a:lnTo>
-                  <a:lnTo>
-                    <a:pt x="385" y="0"/>
-                  </a:lnTo>
-                  <a:close/>
-                </a:path>
-              </a:pathLst>
-            </a:custGeom>
-            <a:solidFill>
-              <a:srgbClr val="69EBFC"/>
-            </a:solidFill>
-            <a:ln>
-              <a:noFill/>
-            </a:ln>
-          </p:spPr>
-          <p:txBody>
-            <a:bodyPr anchorCtr="0" anchor="t" bIns="45700" lIns="91425" spcFirstLastPara="1" rIns="91425" wrap="square" tIns="45700">
-              <a:noAutofit/>
-            </a:bodyPr>
-            <a:lstStyle/>
-            <a:p>
-              <a:pPr indent="0" lvl="0" marL="0" marR="0" rtl="0" algn="l">
-                <a:spcBef>
-                  <a:spcPts val="0"/>
-                </a:spcBef>
-                <a:spcAft>
-                  <a:spcPts val="0"/>
-                </a:spcAft>
-                <a:buNone/>
-              </a:pPr>
-              <a:r>
-                <a:t/>
-              </a:r>
-              <a:endParaRPr sz="1800">
-                <a:solidFill>
-                  <a:schemeClr val="dk1"/>
-                </a:solidFill>
-                <a:latin typeface="Arial"/>
-                <a:ea typeface="Arial"/>
-                <a:cs typeface="Arial"/>
-                <a:sym typeface="Arial"/>
-              </a:endParaRPr>
-            </a:p>
-          </p:txBody>
-        </p:sp>
-        <p:sp>
-          <p:nvSpPr>
-            <p:cNvPr id="141" name="Google Shape;141;p4"/>
-            <p:cNvSpPr/>
-            <p:nvPr/>
-          </p:nvSpPr>
-          <p:spPr>
-            <a:xfrm>
-              <a:off x="2963991" y="6486525"/>
-              <a:ext cx="147638" cy="117475"/>
-            </a:xfrm>
-            <a:custGeom>
-              <a:rect b="b" l="l" r="r" t="t"/>
-              <a:pathLst>
-                <a:path extrusionOk="0" h="367" w="465">
-                  <a:moveTo>
-                    <a:pt x="385" y="0"/>
-                  </a:moveTo>
-                  <a:lnTo>
-                    <a:pt x="80" y="0"/>
-                  </a:lnTo>
-                  <a:lnTo>
-                    <a:pt x="63" y="1"/>
-                  </a:lnTo>
-                  <a:lnTo>
-                    <a:pt x="35" y="12"/>
-                  </a:lnTo>
-                  <a:lnTo>
-                    <a:pt x="13" y="34"/>
-                  </a:lnTo>
-                  <a:lnTo>
-                    <a:pt x="1" y="63"/>
-                  </a:lnTo>
-                  <a:lnTo>
-                    <a:pt x="0" y="79"/>
-                  </a:lnTo>
-                  <a:lnTo>
-                    <a:pt x="0" y="367"/>
-                  </a:lnTo>
-                  <a:lnTo>
-                    <a:pt x="465" y="367"/>
-                  </a:lnTo>
-                  <a:lnTo>
-                    <a:pt x="465" y="79"/>
-                  </a:lnTo>
-                  <a:lnTo>
-                    <a:pt x="464" y="63"/>
-                  </a:lnTo>
-                  <a:lnTo>
-                    <a:pt x="452" y="34"/>
                   </a:lnTo>
                   <a:lnTo>
                     <a:pt x="429" y="12"/>
@@ -19102,6 +18988,208 @@
           </p:nvSpPr>
           <p:spPr>
             <a:xfrm>
+              <a:off x="2751266" y="6486525"/>
+              <a:ext cx="147638" cy="117475"/>
+            </a:xfrm>
+            <a:custGeom>
+              <a:rect b="b" l="l" r="r" t="t"/>
+              <a:pathLst>
+                <a:path extrusionOk="0" h="367" w="464">
+                  <a:moveTo>
+                    <a:pt x="385" y="0"/>
+                  </a:moveTo>
+                  <a:lnTo>
+                    <a:pt x="79" y="0"/>
+                  </a:lnTo>
+                  <a:lnTo>
+                    <a:pt x="64" y="1"/>
+                  </a:lnTo>
+                  <a:lnTo>
+                    <a:pt x="35" y="12"/>
+                  </a:lnTo>
+                  <a:lnTo>
+                    <a:pt x="14" y="34"/>
+                  </a:lnTo>
+                  <a:lnTo>
+                    <a:pt x="1" y="63"/>
+                  </a:lnTo>
+                  <a:lnTo>
+                    <a:pt x="0" y="79"/>
+                  </a:lnTo>
+                  <a:lnTo>
+                    <a:pt x="0" y="367"/>
+                  </a:lnTo>
+                  <a:lnTo>
+                    <a:pt x="464" y="367"/>
+                  </a:lnTo>
+                  <a:lnTo>
+                    <a:pt x="464" y="79"/>
+                  </a:lnTo>
+                  <a:lnTo>
+                    <a:pt x="463" y="63"/>
+                  </a:lnTo>
+                  <a:lnTo>
+                    <a:pt x="451" y="34"/>
+                  </a:lnTo>
+                  <a:lnTo>
+                    <a:pt x="430" y="12"/>
+                  </a:lnTo>
+                  <a:lnTo>
+                    <a:pt x="401" y="1"/>
+                  </a:lnTo>
+                  <a:lnTo>
+                    <a:pt x="385" y="0"/>
+                  </a:lnTo>
+                  <a:close/>
+                </a:path>
+              </a:pathLst>
+            </a:custGeom>
+            <a:solidFill>
+              <a:srgbClr val="69EBFC"/>
+            </a:solidFill>
+            <a:ln>
+              <a:noFill/>
+            </a:ln>
+          </p:spPr>
+          <p:txBody>
+            <a:bodyPr anchorCtr="0" anchor="t" bIns="45700" lIns="91425" spcFirstLastPara="1" rIns="91425" wrap="square" tIns="45700">
+              <a:noAutofit/>
+            </a:bodyPr>
+            <a:lstStyle/>
+            <a:p>
+              <a:pPr indent="0" lvl="0" marL="0" marR="0" rtl="0" algn="l">
+                <a:spcBef>
+                  <a:spcPts val="0"/>
+                </a:spcBef>
+                <a:spcAft>
+                  <a:spcPts val="0"/>
+                </a:spcAft>
+                <a:buNone/>
+              </a:pPr>
+              <a:r>
+                <a:t/>
+              </a:r>
+              <a:endParaRPr sz="1800">
+                <a:solidFill>
+                  <a:schemeClr val="dk1"/>
+                </a:solidFill>
+                <a:latin typeface="Arial"/>
+                <a:ea typeface="Arial"/>
+                <a:cs typeface="Arial"/>
+                <a:sym typeface="Arial"/>
+              </a:endParaRPr>
+            </a:p>
+          </p:txBody>
+        </p:sp>
+        <p:sp>
+          <p:nvSpPr>
+            <p:cNvPr id="143" name="Google Shape;143;p4"/>
+            <p:cNvSpPr/>
+            <p:nvPr/>
+          </p:nvSpPr>
+          <p:spPr>
+            <a:xfrm>
+              <a:off x="2963991" y="6486525"/>
+              <a:ext cx="147638" cy="117475"/>
+            </a:xfrm>
+            <a:custGeom>
+              <a:rect b="b" l="l" r="r" t="t"/>
+              <a:pathLst>
+                <a:path extrusionOk="0" h="367" w="465">
+                  <a:moveTo>
+                    <a:pt x="385" y="0"/>
+                  </a:moveTo>
+                  <a:lnTo>
+                    <a:pt x="80" y="0"/>
+                  </a:lnTo>
+                  <a:lnTo>
+                    <a:pt x="63" y="1"/>
+                  </a:lnTo>
+                  <a:lnTo>
+                    <a:pt x="35" y="12"/>
+                  </a:lnTo>
+                  <a:lnTo>
+                    <a:pt x="13" y="34"/>
+                  </a:lnTo>
+                  <a:lnTo>
+                    <a:pt x="1" y="63"/>
+                  </a:lnTo>
+                  <a:lnTo>
+                    <a:pt x="0" y="79"/>
+                  </a:lnTo>
+                  <a:lnTo>
+                    <a:pt x="0" y="367"/>
+                  </a:lnTo>
+                  <a:lnTo>
+                    <a:pt x="465" y="367"/>
+                  </a:lnTo>
+                  <a:lnTo>
+                    <a:pt x="465" y="79"/>
+                  </a:lnTo>
+                  <a:lnTo>
+                    <a:pt x="464" y="63"/>
+                  </a:lnTo>
+                  <a:lnTo>
+                    <a:pt x="452" y="34"/>
+                  </a:lnTo>
+                  <a:lnTo>
+                    <a:pt x="429" y="12"/>
+                  </a:lnTo>
+                  <a:lnTo>
+                    <a:pt x="401" y="1"/>
+                  </a:lnTo>
+                  <a:lnTo>
+                    <a:pt x="385" y="0"/>
+                  </a:lnTo>
+                  <a:close/>
+                </a:path>
+              </a:pathLst>
+            </a:custGeom>
+            <a:solidFill>
+              <a:srgbClr val="69EBFC"/>
+            </a:solidFill>
+            <a:ln>
+              <a:noFill/>
+            </a:ln>
+          </p:spPr>
+          <p:txBody>
+            <a:bodyPr anchorCtr="0" anchor="t" bIns="45700" lIns="91425" spcFirstLastPara="1" rIns="91425" wrap="square" tIns="45700">
+              <a:noAutofit/>
+            </a:bodyPr>
+            <a:lstStyle/>
+            <a:p>
+              <a:pPr indent="0" lvl="0" marL="0" marR="0" rtl="0" algn="l">
+                <a:spcBef>
+                  <a:spcPts val="0"/>
+                </a:spcBef>
+                <a:spcAft>
+                  <a:spcPts val="0"/>
+                </a:spcAft>
+                <a:buNone/>
+              </a:pPr>
+              <a:r>
+                <a:t/>
+              </a:r>
+              <a:endParaRPr sz="1800">
+                <a:solidFill>
+                  <a:schemeClr val="dk1"/>
+                </a:solidFill>
+                <a:latin typeface="Arial"/>
+                <a:ea typeface="Arial"/>
+                <a:cs typeface="Arial"/>
+                <a:sym typeface="Arial"/>
+              </a:endParaRPr>
+            </a:p>
+          </p:txBody>
+        </p:sp>
+        <p:sp>
+          <p:nvSpPr>
+            <p:cNvPr id="144" name="Google Shape;144;p4"/>
+            <p:cNvSpPr/>
+            <p:nvPr/>
+          </p:nvSpPr>
+          <p:spPr>
+            <a:xfrm>
               <a:off x="1997204" y="6781800"/>
               <a:ext cx="176213" cy="57150"/>
             </a:xfrm>
@@ -19197,7 +19285,7 @@
         </p:sp>
         <p:sp>
           <p:nvSpPr>
-            <p:cNvPr id="143" name="Google Shape;143;p4"/>
+            <p:cNvPr id="145" name="Google Shape;145;p4"/>
             <p:cNvSpPr/>
             <p:nvPr/>
           </p:nvSpPr>
@@ -19299,7 +19387,7 @@
       </p:grpSp>
       <p:grpSp>
         <p:nvGrpSpPr>
-          <p:cNvPr id="144" name="Google Shape;144;p4"/>
+          <p:cNvPr id="146" name="Google Shape;146;p4"/>
           <p:cNvGrpSpPr/>
           <p:nvPr/>
         </p:nvGrpSpPr>
@@ -19313,7 +19401,7 @@
         </p:grpSpPr>
         <p:sp>
           <p:nvSpPr>
-            <p:cNvPr id="145" name="Google Shape;145;p4"/>
+            <p:cNvPr id="147" name="Google Shape;147;p4"/>
             <p:cNvSpPr/>
             <p:nvPr/>
           </p:nvSpPr>
@@ -19574,616 +19662,6 @@
                   </a:lnTo>
                   <a:lnTo>
                     <a:pt x="2677" y="2617"/>
-                  </a:lnTo>
-                  <a:close/>
-                </a:path>
-              </a:pathLst>
-            </a:custGeom>
-            <a:solidFill>
-              <a:srgbClr val="69EBFC"/>
-            </a:solidFill>
-            <a:ln>
-              <a:noFill/>
-            </a:ln>
-          </p:spPr>
-          <p:txBody>
-            <a:bodyPr anchorCtr="0" anchor="t" bIns="45700" lIns="91425" spcFirstLastPara="1" rIns="91425" wrap="square" tIns="45700">
-              <a:noAutofit/>
-            </a:bodyPr>
-            <a:lstStyle/>
-            <a:p>
-              <a:pPr indent="0" lvl="0" marL="0" marR="0" rtl="0" algn="l">
-                <a:spcBef>
-                  <a:spcPts val="0"/>
-                </a:spcBef>
-                <a:spcAft>
-                  <a:spcPts val="0"/>
-                </a:spcAft>
-                <a:buNone/>
-              </a:pPr>
-              <a:r>
-                <a:t/>
-              </a:r>
-              <a:endParaRPr sz="1800">
-                <a:solidFill>
-                  <a:schemeClr val="dk1"/>
-                </a:solidFill>
-                <a:latin typeface="Arial"/>
-                <a:ea typeface="Arial"/>
-                <a:cs typeface="Arial"/>
-                <a:sym typeface="Arial"/>
-              </a:endParaRPr>
-            </a:p>
-          </p:txBody>
-        </p:sp>
-        <p:sp>
-          <p:nvSpPr>
-            <p:cNvPr id="146" name="Google Shape;146;p4"/>
-            <p:cNvSpPr/>
-            <p:nvPr/>
-          </p:nvSpPr>
-          <p:spPr>
-            <a:xfrm>
-              <a:off x="962363" y="3039269"/>
-              <a:ext cx="1062037" cy="901698"/>
-            </a:xfrm>
-            <a:custGeom>
-              <a:rect b="b" l="l" r="r" t="t"/>
-              <a:pathLst>
-                <a:path extrusionOk="0" h="2837" w="3345">
-                  <a:moveTo>
-                    <a:pt x="2189" y="0"/>
-                  </a:moveTo>
-                  <a:lnTo>
-                    <a:pt x="2169" y="27"/>
-                  </a:lnTo>
-                  <a:lnTo>
-                    <a:pt x="2012" y="204"/>
-                  </a:lnTo>
-                  <a:lnTo>
-                    <a:pt x="1892" y="314"/>
-                  </a:lnTo>
-                  <a:lnTo>
-                    <a:pt x="1799" y="391"/>
-                  </a:lnTo>
-                  <a:lnTo>
-                    <a:pt x="1694" y="467"/>
-                  </a:lnTo>
-                  <a:lnTo>
-                    <a:pt x="1579" y="538"/>
-                  </a:lnTo>
-                  <a:lnTo>
-                    <a:pt x="1453" y="603"/>
-                  </a:lnTo>
-                  <a:lnTo>
-                    <a:pt x="1318" y="658"/>
-                  </a:lnTo>
-                  <a:lnTo>
-                    <a:pt x="1173" y="699"/>
-                  </a:lnTo>
-                  <a:lnTo>
-                    <a:pt x="1020" y="726"/>
-                  </a:lnTo>
-                  <a:lnTo>
-                    <a:pt x="899" y="732"/>
-                  </a:lnTo>
-                  <a:lnTo>
-                    <a:pt x="817" y="730"/>
-                  </a:lnTo>
-                  <a:lnTo>
-                    <a:pt x="733" y="723"/>
-                  </a:lnTo>
-                  <a:lnTo>
-                    <a:pt x="647" y="709"/>
-                  </a:lnTo>
-                  <a:lnTo>
-                    <a:pt x="602" y="699"/>
-                  </a:lnTo>
-                  <a:lnTo>
-                    <a:pt x="559" y="690"/>
-                  </a:lnTo>
-                  <a:lnTo>
-                    <a:pt x="477" y="680"/>
-                  </a:lnTo>
-                  <a:lnTo>
-                    <a:pt x="403" y="680"/>
-                  </a:lnTo>
-                  <a:lnTo>
-                    <a:pt x="333" y="689"/>
-                  </a:lnTo>
-                  <a:lnTo>
-                    <a:pt x="271" y="706"/>
-                  </a:lnTo>
-                  <a:lnTo>
-                    <a:pt x="214" y="732"/>
-                  </a:lnTo>
-                  <a:lnTo>
-                    <a:pt x="164" y="764"/>
-                  </a:lnTo>
-                  <a:lnTo>
-                    <a:pt x="121" y="804"/>
-                  </a:lnTo>
-                  <a:lnTo>
-                    <a:pt x="85" y="850"/>
-                  </a:lnTo>
-                  <a:lnTo>
-                    <a:pt x="53" y="902"/>
-                  </a:lnTo>
-                  <a:lnTo>
-                    <a:pt x="30" y="960"/>
-                  </a:lnTo>
-                  <a:lnTo>
-                    <a:pt x="13" y="1024"/>
-                  </a:lnTo>
-                  <a:lnTo>
-                    <a:pt x="3" y="1092"/>
-                  </a:lnTo>
-                  <a:lnTo>
-                    <a:pt x="0" y="1163"/>
-                  </a:lnTo>
-                  <a:lnTo>
-                    <a:pt x="4" y="1239"/>
-                  </a:lnTo>
-                  <a:lnTo>
-                    <a:pt x="14" y="1317"/>
-                  </a:lnTo>
-                  <a:lnTo>
-                    <a:pt x="32" y="1399"/>
-                  </a:lnTo>
-                  <a:lnTo>
-                    <a:pt x="57" y="1481"/>
-                  </a:lnTo>
-                  <a:lnTo>
-                    <a:pt x="88" y="1567"/>
-                  </a:lnTo>
-                  <a:lnTo>
-                    <a:pt x="127" y="1653"/>
-                  </a:lnTo>
-                  <a:lnTo>
-                    <a:pt x="173" y="1739"/>
-                  </a:lnTo>
-                  <a:lnTo>
-                    <a:pt x="225" y="1826"/>
-                  </a:lnTo>
-                  <a:lnTo>
-                    <a:pt x="287" y="1913"/>
-                  </a:lnTo>
-                  <a:lnTo>
-                    <a:pt x="354" y="1999"/>
-                  </a:lnTo>
-                  <a:lnTo>
-                    <a:pt x="428" y="2083"/>
-                  </a:lnTo>
-                  <a:lnTo>
-                    <a:pt x="511" y="2165"/>
-                  </a:lnTo>
-                  <a:lnTo>
-                    <a:pt x="601" y="2246"/>
-                  </a:lnTo>
-                  <a:lnTo>
-                    <a:pt x="698" y="2324"/>
-                  </a:lnTo>
-                  <a:lnTo>
-                    <a:pt x="803" y="2397"/>
-                  </a:lnTo>
-                  <a:lnTo>
-                    <a:pt x="916" y="2469"/>
-                  </a:lnTo>
-                  <a:lnTo>
-                    <a:pt x="1036" y="2535"/>
-                  </a:lnTo>
-                  <a:lnTo>
-                    <a:pt x="1165" y="2596"/>
-                  </a:lnTo>
-                  <a:lnTo>
-                    <a:pt x="1232" y="2624"/>
-                  </a:lnTo>
-                  <a:lnTo>
-                    <a:pt x="1304" y="2654"/>
-                  </a:lnTo>
-                  <a:lnTo>
-                    <a:pt x="1448" y="2705"/>
-                  </a:lnTo>
-                  <a:lnTo>
-                    <a:pt x="1591" y="2748"/>
-                  </a:lnTo>
-                  <a:lnTo>
-                    <a:pt x="1732" y="2782"/>
-                  </a:lnTo>
-                  <a:lnTo>
-                    <a:pt x="1870" y="2809"/>
-                  </a:lnTo>
-                  <a:lnTo>
-                    <a:pt x="2006" y="2827"/>
-                  </a:lnTo>
-                  <a:lnTo>
-                    <a:pt x="2138" y="2836"/>
-                  </a:lnTo>
-                  <a:lnTo>
-                    <a:pt x="2266" y="2837"/>
-                  </a:lnTo>
-                  <a:lnTo>
-                    <a:pt x="2390" y="2830"/>
-                  </a:lnTo>
-                  <a:lnTo>
-                    <a:pt x="2508" y="2814"/>
-                  </a:lnTo>
-                  <a:lnTo>
-                    <a:pt x="2622" y="2790"/>
-                  </a:lnTo>
-                  <a:lnTo>
-                    <a:pt x="2728" y="2758"/>
-                  </a:lnTo>
-                  <a:lnTo>
-                    <a:pt x="2828" y="2717"/>
-                  </a:lnTo>
-                  <a:lnTo>
-                    <a:pt x="2922" y="2667"/>
-                  </a:lnTo>
-                  <a:lnTo>
-                    <a:pt x="3007" y="2609"/>
-                  </a:lnTo>
-                  <a:lnTo>
-                    <a:pt x="3084" y="2544"/>
-                  </a:lnTo>
-                  <a:lnTo>
-                    <a:pt x="3152" y="2470"/>
-                  </a:lnTo>
-                  <a:lnTo>
-                    <a:pt x="3211" y="2386"/>
-                  </a:lnTo>
-                  <a:lnTo>
-                    <a:pt x="3259" y="2296"/>
-                  </a:lnTo>
-                  <a:lnTo>
-                    <a:pt x="3298" y="2197"/>
-                  </a:lnTo>
-                  <a:lnTo>
-                    <a:pt x="3325" y="2089"/>
-                  </a:lnTo>
-                  <a:lnTo>
-                    <a:pt x="3342" y="1973"/>
-                  </a:lnTo>
-                  <a:lnTo>
-                    <a:pt x="3345" y="1848"/>
-                  </a:lnTo>
-                  <a:lnTo>
-                    <a:pt x="3337" y="1716"/>
-                  </a:lnTo>
-                  <a:lnTo>
-                    <a:pt x="3315" y="1575"/>
-                  </a:lnTo>
-                  <a:lnTo>
-                    <a:pt x="3279" y="1427"/>
-                  </a:lnTo>
-                  <a:lnTo>
-                    <a:pt x="3230" y="1269"/>
-                  </a:lnTo>
-                  <a:lnTo>
-                    <a:pt x="3165" y="1103"/>
-                  </a:lnTo>
-                  <a:lnTo>
-                    <a:pt x="3086" y="929"/>
-                  </a:lnTo>
-                  <a:lnTo>
-                    <a:pt x="2990" y="747"/>
-                  </a:lnTo>
-                  <a:lnTo>
-                    <a:pt x="2879" y="556"/>
-                  </a:lnTo>
-                  <a:lnTo>
-                    <a:pt x="2750" y="358"/>
-                  </a:lnTo>
-                  <a:lnTo>
-                    <a:pt x="2679" y="255"/>
-                  </a:lnTo>
-                  <a:lnTo>
-                    <a:pt x="2189" y="0"/>
-                  </a:lnTo>
-                  <a:close/>
-                </a:path>
-              </a:pathLst>
-            </a:custGeom>
-            <a:solidFill>
-              <a:srgbClr val="69EBFC"/>
-            </a:solidFill>
-            <a:ln>
-              <a:noFill/>
-            </a:ln>
-          </p:spPr>
-          <p:txBody>
-            <a:bodyPr anchorCtr="0" anchor="t" bIns="45700" lIns="91425" spcFirstLastPara="1" rIns="91425" wrap="square" tIns="45700">
-              <a:noAutofit/>
-            </a:bodyPr>
-            <a:lstStyle/>
-            <a:p>
-              <a:pPr indent="0" lvl="0" marL="0" marR="0" rtl="0" algn="l">
-                <a:spcBef>
-                  <a:spcPts val="0"/>
-                </a:spcBef>
-                <a:spcAft>
-                  <a:spcPts val="0"/>
-                </a:spcAft>
-                <a:buNone/>
-              </a:pPr>
-              <a:r>
-                <a:t/>
-              </a:r>
-              <a:endParaRPr sz="1800">
-                <a:solidFill>
-                  <a:schemeClr val="dk1"/>
-                </a:solidFill>
-                <a:latin typeface="Arial"/>
-                <a:ea typeface="Arial"/>
-                <a:cs typeface="Arial"/>
-                <a:sym typeface="Arial"/>
-              </a:endParaRPr>
-            </a:p>
-          </p:txBody>
-        </p:sp>
-        <p:sp>
-          <p:nvSpPr>
-            <p:cNvPr id="147" name="Google Shape;147;p4"/>
-            <p:cNvSpPr/>
-            <p:nvPr/>
-          </p:nvSpPr>
-          <p:spPr>
-            <a:xfrm>
-              <a:off x="1795801" y="2399506"/>
-              <a:ext cx="888997" cy="1103317"/>
-            </a:xfrm>
-            <a:custGeom>
-              <a:rect b="b" l="l" r="r" t="t"/>
-              <a:pathLst>
-                <a:path extrusionOk="0" h="3476" w="2799">
-                  <a:moveTo>
-                    <a:pt x="23" y="2079"/>
-                  </a:moveTo>
-                  <a:lnTo>
-                    <a:pt x="58" y="2082"/>
-                  </a:lnTo>
-                  <a:lnTo>
-                    <a:pt x="289" y="2129"/>
-                  </a:lnTo>
-                  <a:lnTo>
-                    <a:pt x="445" y="2177"/>
-                  </a:lnTo>
-                  <a:lnTo>
-                    <a:pt x="558" y="2221"/>
-                  </a:lnTo>
-                  <a:lnTo>
-                    <a:pt x="676" y="2273"/>
-                  </a:lnTo>
-                  <a:lnTo>
-                    <a:pt x="796" y="2338"/>
-                  </a:lnTo>
-                  <a:lnTo>
-                    <a:pt x="915" y="2414"/>
-                  </a:lnTo>
-                  <a:lnTo>
-                    <a:pt x="1030" y="2504"/>
-                  </a:lnTo>
-                  <a:lnTo>
-                    <a:pt x="1138" y="2608"/>
-                  </a:lnTo>
-                  <a:lnTo>
-                    <a:pt x="1237" y="2727"/>
-                  </a:lnTo>
-                  <a:lnTo>
-                    <a:pt x="1303" y="2829"/>
-                  </a:lnTo>
-                  <a:lnTo>
-                    <a:pt x="1342" y="2901"/>
-                  </a:lnTo>
-                  <a:lnTo>
-                    <a:pt x="1378" y="2978"/>
-                  </a:lnTo>
-                  <a:lnTo>
-                    <a:pt x="1409" y="3058"/>
-                  </a:lnTo>
-                  <a:lnTo>
-                    <a:pt x="1424" y="3102"/>
-                  </a:lnTo>
-                  <a:lnTo>
-                    <a:pt x="1437" y="3143"/>
-                  </a:lnTo>
-                  <a:lnTo>
-                    <a:pt x="1470" y="3219"/>
-                  </a:lnTo>
-                  <a:lnTo>
-                    <a:pt x="1506" y="3285"/>
-                  </a:lnTo>
-                  <a:lnTo>
-                    <a:pt x="1549" y="3341"/>
-                  </a:lnTo>
-                  <a:lnTo>
-                    <a:pt x="1596" y="3387"/>
-                  </a:lnTo>
-                  <a:lnTo>
-                    <a:pt x="1645" y="3422"/>
-                  </a:lnTo>
-                  <a:lnTo>
-                    <a:pt x="1698" y="3449"/>
-                  </a:lnTo>
-                  <a:lnTo>
-                    <a:pt x="1754" y="3467"/>
-                  </a:lnTo>
-                  <a:lnTo>
-                    <a:pt x="1813" y="3476"/>
-                  </a:lnTo>
-                  <a:lnTo>
-                    <a:pt x="1874" y="3476"/>
-                  </a:lnTo>
-                  <a:lnTo>
-                    <a:pt x="1936" y="3467"/>
-                  </a:lnTo>
-                  <a:lnTo>
-                    <a:pt x="1998" y="3450"/>
-                  </a:lnTo>
-                  <a:lnTo>
-                    <a:pt x="2062" y="3424"/>
-                  </a:lnTo>
-                  <a:lnTo>
-                    <a:pt x="2127" y="3391"/>
-                  </a:lnTo>
-                  <a:lnTo>
-                    <a:pt x="2189" y="3351"/>
-                  </a:lnTo>
-                  <a:lnTo>
-                    <a:pt x="2253" y="3302"/>
-                  </a:lnTo>
-                  <a:lnTo>
-                    <a:pt x="2314" y="3246"/>
-                  </a:lnTo>
-                  <a:lnTo>
-                    <a:pt x="2375" y="3183"/>
-                  </a:lnTo>
-                  <a:lnTo>
-                    <a:pt x="2431" y="3114"/>
-                  </a:lnTo>
-                  <a:lnTo>
-                    <a:pt x="2487" y="3037"/>
-                  </a:lnTo>
-                  <a:lnTo>
-                    <a:pt x="2540" y="2954"/>
-                  </a:lnTo>
-                  <a:lnTo>
-                    <a:pt x="2588" y="2864"/>
-                  </a:lnTo>
-                  <a:lnTo>
-                    <a:pt x="2632" y="2769"/>
-                  </a:lnTo>
-                  <a:lnTo>
-                    <a:pt x="2674" y="2668"/>
-                  </a:lnTo>
-                  <a:lnTo>
-                    <a:pt x="2709" y="2561"/>
-                  </a:lnTo>
-                  <a:lnTo>
-                    <a:pt x="2739" y="2448"/>
-                  </a:lnTo>
-                  <a:lnTo>
-                    <a:pt x="2764" y="2330"/>
-                  </a:lnTo>
-                  <a:lnTo>
-                    <a:pt x="2782" y="2207"/>
-                  </a:lnTo>
-                  <a:lnTo>
-                    <a:pt x="2794" y="2079"/>
-                  </a:lnTo>
-                  <a:lnTo>
-                    <a:pt x="2799" y="1946"/>
-                  </a:lnTo>
-                  <a:lnTo>
-                    <a:pt x="2796" y="1809"/>
-                  </a:lnTo>
-                  <a:lnTo>
-                    <a:pt x="2785" y="1667"/>
-                  </a:lnTo>
-                  <a:lnTo>
-                    <a:pt x="2776" y="1595"/>
-                  </a:lnTo>
-                  <a:lnTo>
-                    <a:pt x="2765" y="1518"/>
-                  </a:lnTo>
-                  <a:lnTo>
-                    <a:pt x="2738" y="1367"/>
-                  </a:lnTo>
-                  <a:lnTo>
-                    <a:pt x="2704" y="1222"/>
-                  </a:lnTo>
-                  <a:lnTo>
-                    <a:pt x="2664" y="1082"/>
-                  </a:lnTo>
-                  <a:lnTo>
-                    <a:pt x="2617" y="950"/>
-                  </a:lnTo>
-                  <a:lnTo>
-                    <a:pt x="2564" y="822"/>
-                  </a:lnTo>
-                  <a:lnTo>
-                    <a:pt x="2506" y="704"/>
-                  </a:lnTo>
-                  <a:lnTo>
-                    <a:pt x="2443" y="593"/>
-                  </a:lnTo>
-                  <a:lnTo>
-                    <a:pt x="2375" y="489"/>
-                  </a:lnTo>
-                  <a:lnTo>
-                    <a:pt x="2302" y="394"/>
-                  </a:lnTo>
-                  <a:lnTo>
-                    <a:pt x="2224" y="308"/>
-                  </a:lnTo>
-                  <a:lnTo>
-                    <a:pt x="2142" y="232"/>
-                  </a:lnTo>
-                  <a:lnTo>
-                    <a:pt x="2058" y="165"/>
-                  </a:lnTo>
-                  <a:lnTo>
-                    <a:pt x="1968" y="109"/>
-                  </a:lnTo>
-                  <a:lnTo>
-                    <a:pt x="1876" y="65"/>
-                  </a:lnTo>
-                  <a:lnTo>
-                    <a:pt x="1780" y="31"/>
-                  </a:lnTo>
-                  <a:lnTo>
-                    <a:pt x="1682" y="9"/>
-                  </a:lnTo>
-                  <a:lnTo>
-                    <a:pt x="1581" y="0"/>
-                  </a:lnTo>
-                  <a:lnTo>
-                    <a:pt x="1477" y="2"/>
-                  </a:lnTo>
-                  <a:lnTo>
-                    <a:pt x="1372" y="19"/>
-                  </a:lnTo>
-                  <a:lnTo>
-                    <a:pt x="1265" y="49"/>
-                  </a:lnTo>
-                  <a:lnTo>
-                    <a:pt x="1157" y="93"/>
-                  </a:lnTo>
-                  <a:lnTo>
-                    <a:pt x="1048" y="152"/>
-                  </a:lnTo>
-                  <a:lnTo>
-                    <a:pt x="937" y="225"/>
-                  </a:lnTo>
-                  <a:lnTo>
-                    <a:pt x="826" y="315"/>
-                  </a:lnTo>
-                  <a:lnTo>
-                    <a:pt x="714" y="420"/>
-                  </a:lnTo>
-                  <a:lnTo>
-                    <a:pt x="603" y="542"/>
-                  </a:lnTo>
-                  <a:lnTo>
-                    <a:pt x="492" y="681"/>
-                  </a:lnTo>
-                  <a:lnTo>
-                    <a:pt x="381" y="836"/>
-                  </a:lnTo>
-                  <a:lnTo>
-                    <a:pt x="270" y="1010"/>
-                  </a:lnTo>
-                  <a:lnTo>
-                    <a:pt x="162" y="1202"/>
-                  </a:lnTo>
-                  <a:lnTo>
-                    <a:pt x="54" y="1413"/>
-                  </a:lnTo>
-                  <a:lnTo>
-                    <a:pt x="0" y="1525"/>
-                  </a:lnTo>
-                  <a:lnTo>
-                    <a:pt x="23" y="2079"/>
                   </a:lnTo>
                   <a:close/>
                 </a:path>
@@ -20234,6 +19712,616 @@
           </p:nvSpPr>
           <p:spPr>
             <a:xfrm>
+              <a:off x="962363" y="3039269"/>
+              <a:ext cx="1062037" cy="901698"/>
+            </a:xfrm>
+            <a:custGeom>
+              <a:rect b="b" l="l" r="r" t="t"/>
+              <a:pathLst>
+                <a:path extrusionOk="0" h="2837" w="3345">
+                  <a:moveTo>
+                    <a:pt x="2189" y="0"/>
+                  </a:moveTo>
+                  <a:lnTo>
+                    <a:pt x="2169" y="27"/>
+                  </a:lnTo>
+                  <a:lnTo>
+                    <a:pt x="2012" y="204"/>
+                  </a:lnTo>
+                  <a:lnTo>
+                    <a:pt x="1892" y="314"/>
+                  </a:lnTo>
+                  <a:lnTo>
+                    <a:pt x="1799" y="391"/>
+                  </a:lnTo>
+                  <a:lnTo>
+                    <a:pt x="1694" y="467"/>
+                  </a:lnTo>
+                  <a:lnTo>
+                    <a:pt x="1579" y="538"/>
+                  </a:lnTo>
+                  <a:lnTo>
+                    <a:pt x="1453" y="603"/>
+                  </a:lnTo>
+                  <a:lnTo>
+                    <a:pt x="1318" y="658"/>
+                  </a:lnTo>
+                  <a:lnTo>
+                    <a:pt x="1173" y="699"/>
+                  </a:lnTo>
+                  <a:lnTo>
+                    <a:pt x="1020" y="726"/>
+                  </a:lnTo>
+                  <a:lnTo>
+                    <a:pt x="899" y="732"/>
+                  </a:lnTo>
+                  <a:lnTo>
+                    <a:pt x="817" y="730"/>
+                  </a:lnTo>
+                  <a:lnTo>
+                    <a:pt x="733" y="723"/>
+                  </a:lnTo>
+                  <a:lnTo>
+                    <a:pt x="647" y="709"/>
+                  </a:lnTo>
+                  <a:lnTo>
+                    <a:pt x="602" y="699"/>
+                  </a:lnTo>
+                  <a:lnTo>
+                    <a:pt x="559" y="690"/>
+                  </a:lnTo>
+                  <a:lnTo>
+                    <a:pt x="477" y="680"/>
+                  </a:lnTo>
+                  <a:lnTo>
+                    <a:pt x="403" y="680"/>
+                  </a:lnTo>
+                  <a:lnTo>
+                    <a:pt x="333" y="689"/>
+                  </a:lnTo>
+                  <a:lnTo>
+                    <a:pt x="271" y="706"/>
+                  </a:lnTo>
+                  <a:lnTo>
+                    <a:pt x="214" y="732"/>
+                  </a:lnTo>
+                  <a:lnTo>
+                    <a:pt x="164" y="764"/>
+                  </a:lnTo>
+                  <a:lnTo>
+                    <a:pt x="121" y="804"/>
+                  </a:lnTo>
+                  <a:lnTo>
+                    <a:pt x="85" y="850"/>
+                  </a:lnTo>
+                  <a:lnTo>
+                    <a:pt x="53" y="902"/>
+                  </a:lnTo>
+                  <a:lnTo>
+                    <a:pt x="30" y="960"/>
+                  </a:lnTo>
+                  <a:lnTo>
+                    <a:pt x="13" y="1024"/>
+                  </a:lnTo>
+                  <a:lnTo>
+                    <a:pt x="3" y="1092"/>
+                  </a:lnTo>
+                  <a:lnTo>
+                    <a:pt x="0" y="1163"/>
+                  </a:lnTo>
+                  <a:lnTo>
+                    <a:pt x="4" y="1239"/>
+                  </a:lnTo>
+                  <a:lnTo>
+                    <a:pt x="14" y="1317"/>
+                  </a:lnTo>
+                  <a:lnTo>
+                    <a:pt x="32" y="1399"/>
+                  </a:lnTo>
+                  <a:lnTo>
+                    <a:pt x="57" y="1481"/>
+                  </a:lnTo>
+                  <a:lnTo>
+                    <a:pt x="88" y="1567"/>
+                  </a:lnTo>
+                  <a:lnTo>
+                    <a:pt x="127" y="1653"/>
+                  </a:lnTo>
+                  <a:lnTo>
+                    <a:pt x="173" y="1739"/>
+                  </a:lnTo>
+                  <a:lnTo>
+                    <a:pt x="225" y="1826"/>
+                  </a:lnTo>
+                  <a:lnTo>
+                    <a:pt x="287" y="1913"/>
+                  </a:lnTo>
+                  <a:lnTo>
+                    <a:pt x="354" y="1999"/>
+                  </a:lnTo>
+                  <a:lnTo>
+                    <a:pt x="428" y="2083"/>
+                  </a:lnTo>
+                  <a:lnTo>
+                    <a:pt x="511" y="2165"/>
+                  </a:lnTo>
+                  <a:lnTo>
+                    <a:pt x="601" y="2246"/>
+                  </a:lnTo>
+                  <a:lnTo>
+                    <a:pt x="698" y="2324"/>
+                  </a:lnTo>
+                  <a:lnTo>
+                    <a:pt x="803" y="2397"/>
+                  </a:lnTo>
+                  <a:lnTo>
+                    <a:pt x="916" y="2469"/>
+                  </a:lnTo>
+                  <a:lnTo>
+                    <a:pt x="1036" y="2535"/>
+                  </a:lnTo>
+                  <a:lnTo>
+                    <a:pt x="1165" y="2596"/>
+                  </a:lnTo>
+                  <a:lnTo>
+                    <a:pt x="1232" y="2624"/>
+                  </a:lnTo>
+                  <a:lnTo>
+                    <a:pt x="1304" y="2654"/>
+                  </a:lnTo>
+                  <a:lnTo>
+                    <a:pt x="1448" y="2705"/>
+                  </a:lnTo>
+                  <a:lnTo>
+                    <a:pt x="1591" y="2748"/>
+                  </a:lnTo>
+                  <a:lnTo>
+                    <a:pt x="1732" y="2782"/>
+                  </a:lnTo>
+                  <a:lnTo>
+                    <a:pt x="1870" y="2809"/>
+                  </a:lnTo>
+                  <a:lnTo>
+                    <a:pt x="2006" y="2827"/>
+                  </a:lnTo>
+                  <a:lnTo>
+                    <a:pt x="2138" y="2836"/>
+                  </a:lnTo>
+                  <a:lnTo>
+                    <a:pt x="2266" y="2837"/>
+                  </a:lnTo>
+                  <a:lnTo>
+                    <a:pt x="2390" y="2830"/>
+                  </a:lnTo>
+                  <a:lnTo>
+                    <a:pt x="2508" y="2814"/>
+                  </a:lnTo>
+                  <a:lnTo>
+                    <a:pt x="2622" y="2790"/>
+                  </a:lnTo>
+                  <a:lnTo>
+                    <a:pt x="2728" y="2758"/>
+                  </a:lnTo>
+                  <a:lnTo>
+                    <a:pt x="2828" y="2717"/>
+                  </a:lnTo>
+                  <a:lnTo>
+                    <a:pt x="2922" y="2667"/>
+                  </a:lnTo>
+                  <a:lnTo>
+                    <a:pt x="3007" y="2609"/>
+                  </a:lnTo>
+                  <a:lnTo>
+                    <a:pt x="3084" y="2544"/>
+                  </a:lnTo>
+                  <a:lnTo>
+                    <a:pt x="3152" y="2470"/>
+                  </a:lnTo>
+                  <a:lnTo>
+                    <a:pt x="3211" y="2386"/>
+                  </a:lnTo>
+                  <a:lnTo>
+                    <a:pt x="3259" y="2296"/>
+                  </a:lnTo>
+                  <a:lnTo>
+                    <a:pt x="3298" y="2197"/>
+                  </a:lnTo>
+                  <a:lnTo>
+                    <a:pt x="3325" y="2089"/>
+                  </a:lnTo>
+                  <a:lnTo>
+                    <a:pt x="3342" y="1973"/>
+                  </a:lnTo>
+                  <a:lnTo>
+                    <a:pt x="3345" y="1848"/>
+                  </a:lnTo>
+                  <a:lnTo>
+                    <a:pt x="3337" y="1716"/>
+                  </a:lnTo>
+                  <a:lnTo>
+                    <a:pt x="3315" y="1575"/>
+                  </a:lnTo>
+                  <a:lnTo>
+                    <a:pt x="3279" y="1427"/>
+                  </a:lnTo>
+                  <a:lnTo>
+                    <a:pt x="3230" y="1269"/>
+                  </a:lnTo>
+                  <a:lnTo>
+                    <a:pt x="3165" y="1103"/>
+                  </a:lnTo>
+                  <a:lnTo>
+                    <a:pt x="3086" y="929"/>
+                  </a:lnTo>
+                  <a:lnTo>
+                    <a:pt x="2990" y="747"/>
+                  </a:lnTo>
+                  <a:lnTo>
+                    <a:pt x="2879" y="556"/>
+                  </a:lnTo>
+                  <a:lnTo>
+                    <a:pt x="2750" y="358"/>
+                  </a:lnTo>
+                  <a:lnTo>
+                    <a:pt x="2679" y="255"/>
+                  </a:lnTo>
+                  <a:lnTo>
+                    <a:pt x="2189" y="0"/>
+                  </a:lnTo>
+                  <a:close/>
+                </a:path>
+              </a:pathLst>
+            </a:custGeom>
+            <a:solidFill>
+              <a:srgbClr val="69EBFC"/>
+            </a:solidFill>
+            <a:ln>
+              <a:noFill/>
+            </a:ln>
+          </p:spPr>
+          <p:txBody>
+            <a:bodyPr anchorCtr="0" anchor="t" bIns="45700" lIns="91425" spcFirstLastPara="1" rIns="91425" wrap="square" tIns="45700">
+              <a:noAutofit/>
+            </a:bodyPr>
+            <a:lstStyle/>
+            <a:p>
+              <a:pPr indent="0" lvl="0" marL="0" marR="0" rtl="0" algn="l">
+                <a:spcBef>
+                  <a:spcPts val="0"/>
+                </a:spcBef>
+                <a:spcAft>
+                  <a:spcPts val="0"/>
+                </a:spcAft>
+                <a:buNone/>
+              </a:pPr>
+              <a:r>
+                <a:t/>
+              </a:r>
+              <a:endParaRPr sz="1800">
+                <a:solidFill>
+                  <a:schemeClr val="dk1"/>
+                </a:solidFill>
+                <a:latin typeface="Arial"/>
+                <a:ea typeface="Arial"/>
+                <a:cs typeface="Arial"/>
+                <a:sym typeface="Arial"/>
+              </a:endParaRPr>
+            </a:p>
+          </p:txBody>
+        </p:sp>
+        <p:sp>
+          <p:nvSpPr>
+            <p:cNvPr id="149" name="Google Shape;149;p4"/>
+            <p:cNvSpPr/>
+            <p:nvPr/>
+          </p:nvSpPr>
+          <p:spPr>
+            <a:xfrm>
+              <a:off x="1795801" y="2399506"/>
+              <a:ext cx="888997" cy="1103317"/>
+            </a:xfrm>
+            <a:custGeom>
+              <a:rect b="b" l="l" r="r" t="t"/>
+              <a:pathLst>
+                <a:path extrusionOk="0" h="3476" w="2799">
+                  <a:moveTo>
+                    <a:pt x="23" y="2079"/>
+                  </a:moveTo>
+                  <a:lnTo>
+                    <a:pt x="58" y="2082"/>
+                  </a:lnTo>
+                  <a:lnTo>
+                    <a:pt x="289" y="2129"/>
+                  </a:lnTo>
+                  <a:lnTo>
+                    <a:pt x="445" y="2177"/>
+                  </a:lnTo>
+                  <a:lnTo>
+                    <a:pt x="558" y="2221"/>
+                  </a:lnTo>
+                  <a:lnTo>
+                    <a:pt x="676" y="2273"/>
+                  </a:lnTo>
+                  <a:lnTo>
+                    <a:pt x="796" y="2338"/>
+                  </a:lnTo>
+                  <a:lnTo>
+                    <a:pt x="915" y="2414"/>
+                  </a:lnTo>
+                  <a:lnTo>
+                    <a:pt x="1030" y="2504"/>
+                  </a:lnTo>
+                  <a:lnTo>
+                    <a:pt x="1138" y="2608"/>
+                  </a:lnTo>
+                  <a:lnTo>
+                    <a:pt x="1237" y="2727"/>
+                  </a:lnTo>
+                  <a:lnTo>
+                    <a:pt x="1303" y="2829"/>
+                  </a:lnTo>
+                  <a:lnTo>
+                    <a:pt x="1342" y="2901"/>
+                  </a:lnTo>
+                  <a:lnTo>
+                    <a:pt x="1378" y="2978"/>
+                  </a:lnTo>
+                  <a:lnTo>
+                    <a:pt x="1409" y="3058"/>
+                  </a:lnTo>
+                  <a:lnTo>
+                    <a:pt x="1424" y="3102"/>
+                  </a:lnTo>
+                  <a:lnTo>
+                    <a:pt x="1437" y="3143"/>
+                  </a:lnTo>
+                  <a:lnTo>
+                    <a:pt x="1470" y="3219"/>
+                  </a:lnTo>
+                  <a:lnTo>
+                    <a:pt x="1506" y="3285"/>
+                  </a:lnTo>
+                  <a:lnTo>
+                    <a:pt x="1549" y="3341"/>
+                  </a:lnTo>
+                  <a:lnTo>
+                    <a:pt x="1596" y="3387"/>
+                  </a:lnTo>
+                  <a:lnTo>
+                    <a:pt x="1645" y="3422"/>
+                  </a:lnTo>
+                  <a:lnTo>
+                    <a:pt x="1698" y="3449"/>
+                  </a:lnTo>
+                  <a:lnTo>
+                    <a:pt x="1754" y="3467"/>
+                  </a:lnTo>
+                  <a:lnTo>
+                    <a:pt x="1813" y="3476"/>
+                  </a:lnTo>
+                  <a:lnTo>
+                    <a:pt x="1874" y="3476"/>
+                  </a:lnTo>
+                  <a:lnTo>
+                    <a:pt x="1936" y="3467"/>
+                  </a:lnTo>
+                  <a:lnTo>
+                    <a:pt x="1998" y="3450"/>
+                  </a:lnTo>
+                  <a:lnTo>
+                    <a:pt x="2062" y="3424"/>
+                  </a:lnTo>
+                  <a:lnTo>
+                    <a:pt x="2127" y="3391"/>
+                  </a:lnTo>
+                  <a:lnTo>
+                    <a:pt x="2189" y="3351"/>
+                  </a:lnTo>
+                  <a:lnTo>
+                    <a:pt x="2253" y="3302"/>
+                  </a:lnTo>
+                  <a:lnTo>
+                    <a:pt x="2314" y="3246"/>
+                  </a:lnTo>
+                  <a:lnTo>
+                    <a:pt x="2375" y="3183"/>
+                  </a:lnTo>
+                  <a:lnTo>
+                    <a:pt x="2431" y="3114"/>
+                  </a:lnTo>
+                  <a:lnTo>
+                    <a:pt x="2487" y="3037"/>
+                  </a:lnTo>
+                  <a:lnTo>
+                    <a:pt x="2540" y="2954"/>
+                  </a:lnTo>
+                  <a:lnTo>
+                    <a:pt x="2588" y="2864"/>
+                  </a:lnTo>
+                  <a:lnTo>
+                    <a:pt x="2632" y="2769"/>
+                  </a:lnTo>
+                  <a:lnTo>
+                    <a:pt x="2674" y="2668"/>
+                  </a:lnTo>
+                  <a:lnTo>
+                    <a:pt x="2709" y="2561"/>
+                  </a:lnTo>
+                  <a:lnTo>
+                    <a:pt x="2739" y="2448"/>
+                  </a:lnTo>
+                  <a:lnTo>
+                    <a:pt x="2764" y="2330"/>
+                  </a:lnTo>
+                  <a:lnTo>
+                    <a:pt x="2782" y="2207"/>
+                  </a:lnTo>
+                  <a:lnTo>
+                    <a:pt x="2794" y="2079"/>
+                  </a:lnTo>
+                  <a:lnTo>
+                    <a:pt x="2799" y="1946"/>
+                  </a:lnTo>
+                  <a:lnTo>
+                    <a:pt x="2796" y="1809"/>
+                  </a:lnTo>
+                  <a:lnTo>
+                    <a:pt x="2785" y="1667"/>
+                  </a:lnTo>
+                  <a:lnTo>
+                    <a:pt x="2776" y="1595"/>
+                  </a:lnTo>
+                  <a:lnTo>
+                    <a:pt x="2765" y="1518"/>
+                  </a:lnTo>
+                  <a:lnTo>
+                    <a:pt x="2738" y="1367"/>
+                  </a:lnTo>
+                  <a:lnTo>
+                    <a:pt x="2704" y="1222"/>
+                  </a:lnTo>
+                  <a:lnTo>
+                    <a:pt x="2664" y="1082"/>
+                  </a:lnTo>
+                  <a:lnTo>
+                    <a:pt x="2617" y="950"/>
+                  </a:lnTo>
+                  <a:lnTo>
+                    <a:pt x="2564" y="822"/>
+                  </a:lnTo>
+                  <a:lnTo>
+                    <a:pt x="2506" y="704"/>
+                  </a:lnTo>
+                  <a:lnTo>
+                    <a:pt x="2443" y="593"/>
+                  </a:lnTo>
+                  <a:lnTo>
+                    <a:pt x="2375" y="489"/>
+                  </a:lnTo>
+                  <a:lnTo>
+                    <a:pt x="2302" y="394"/>
+                  </a:lnTo>
+                  <a:lnTo>
+                    <a:pt x="2224" y="308"/>
+                  </a:lnTo>
+                  <a:lnTo>
+                    <a:pt x="2142" y="232"/>
+                  </a:lnTo>
+                  <a:lnTo>
+                    <a:pt x="2058" y="165"/>
+                  </a:lnTo>
+                  <a:lnTo>
+                    <a:pt x="1968" y="109"/>
+                  </a:lnTo>
+                  <a:lnTo>
+                    <a:pt x="1876" y="65"/>
+                  </a:lnTo>
+                  <a:lnTo>
+                    <a:pt x="1780" y="31"/>
+                  </a:lnTo>
+                  <a:lnTo>
+                    <a:pt x="1682" y="9"/>
+                  </a:lnTo>
+                  <a:lnTo>
+                    <a:pt x="1581" y="0"/>
+                  </a:lnTo>
+                  <a:lnTo>
+                    <a:pt x="1477" y="2"/>
+                  </a:lnTo>
+                  <a:lnTo>
+                    <a:pt x="1372" y="19"/>
+                  </a:lnTo>
+                  <a:lnTo>
+                    <a:pt x="1265" y="49"/>
+                  </a:lnTo>
+                  <a:lnTo>
+                    <a:pt x="1157" y="93"/>
+                  </a:lnTo>
+                  <a:lnTo>
+                    <a:pt x="1048" y="152"/>
+                  </a:lnTo>
+                  <a:lnTo>
+                    <a:pt x="937" y="225"/>
+                  </a:lnTo>
+                  <a:lnTo>
+                    <a:pt x="826" y="315"/>
+                  </a:lnTo>
+                  <a:lnTo>
+                    <a:pt x="714" y="420"/>
+                  </a:lnTo>
+                  <a:lnTo>
+                    <a:pt x="603" y="542"/>
+                  </a:lnTo>
+                  <a:lnTo>
+                    <a:pt x="492" y="681"/>
+                  </a:lnTo>
+                  <a:lnTo>
+                    <a:pt x="381" y="836"/>
+                  </a:lnTo>
+                  <a:lnTo>
+                    <a:pt x="270" y="1010"/>
+                  </a:lnTo>
+                  <a:lnTo>
+                    <a:pt x="162" y="1202"/>
+                  </a:lnTo>
+                  <a:lnTo>
+                    <a:pt x="54" y="1413"/>
+                  </a:lnTo>
+                  <a:lnTo>
+                    <a:pt x="0" y="1525"/>
+                  </a:lnTo>
+                  <a:lnTo>
+                    <a:pt x="23" y="2079"/>
+                  </a:lnTo>
+                  <a:close/>
+                </a:path>
+              </a:pathLst>
+            </a:custGeom>
+            <a:solidFill>
+              <a:srgbClr val="69EBFC"/>
+            </a:solidFill>
+            <a:ln>
+              <a:noFill/>
+            </a:ln>
+          </p:spPr>
+          <p:txBody>
+            <a:bodyPr anchorCtr="0" anchor="t" bIns="45700" lIns="91425" spcFirstLastPara="1" rIns="91425" wrap="square" tIns="45700">
+              <a:noAutofit/>
+            </a:bodyPr>
+            <a:lstStyle/>
+            <a:p>
+              <a:pPr indent="0" lvl="0" marL="0" marR="0" rtl="0" algn="l">
+                <a:spcBef>
+                  <a:spcPts val="0"/>
+                </a:spcBef>
+                <a:spcAft>
+                  <a:spcPts val="0"/>
+                </a:spcAft>
+                <a:buNone/>
+              </a:pPr>
+              <a:r>
+                <a:t/>
+              </a:r>
+              <a:endParaRPr sz="1800">
+                <a:solidFill>
+                  <a:schemeClr val="dk1"/>
+                </a:solidFill>
+                <a:latin typeface="Arial"/>
+                <a:ea typeface="Arial"/>
+                <a:cs typeface="Arial"/>
+                <a:sym typeface="Arial"/>
+              </a:endParaRPr>
+            </a:p>
+          </p:txBody>
+        </p:sp>
+        <p:sp>
+          <p:nvSpPr>
+            <p:cNvPr id="150" name="Google Shape;150;p4"/>
+            <p:cNvSpPr/>
+            <p:nvPr/>
+          </p:nvSpPr>
+          <p:spPr>
+            <a:xfrm>
               <a:off x="1440201" y="2734469"/>
               <a:ext cx="566738" cy="566738"/>
             </a:xfrm>
@@ -20491,7 +20579,7 @@
         </p:sp>
         <p:sp>
           <p:nvSpPr>
-            <p:cNvPr id="149" name="Google Shape;149;p4"/>
+            <p:cNvPr id="151" name="Google Shape;151;p4"/>
             <p:cNvSpPr/>
             <p:nvPr/>
           </p:nvSpPr>
@@ -20962,7 +21050,7 @@
         </p:sp>
         <p:sp>
           <p:nvSpPr>
-            <p:cNvPr id="150" name="Google Shape;150;p4"/>
+            <p:cNvPr id="152" name="Google Shape;152;p4"/>
             <p:cNvSpPr/>
             <p:nvPr/>
           </p:nvSpPr>
@@ -21224,7 +21312,7 @@
       </p:grpSp>
       <p:grpSp>
         <p:nvGrpSpPr>
-          <p:cNvPr id="151" name="Google Shape;151;p4"/>
+          <p:cNvPr id="153" name="Google Shape;153;p4"/>
           <p:cNvGrpSpPr/>
           <p:nvPr/>
         </p:nvGrpSpPr>
@@ -21238,7 +21326,7 @@
         </p:grpSpPr>
         <p:sp>
           <p:nvSpPr>
-            <p:cNvPr id="152" name="Google Shape;152;p4"/>
+            <p:cNvPr id="154" name="Google Shape;154;p4"/>
             <p:cNvSpPr/>
             <p:nvPr/>
           </p:nvSpPr>
@@ -22093,7 +22181,7 @@
         </p:sp>
         <p:sp>
           <p:nvSpPr>
-            <p:cNvPr id="153" name="Google Shape;153;p4"/>
+            <p:cNvPr id="155" name="Google Shape;155;p4"/>
             <p:cNvSpPr/>
             <p:nvPr/>
           </p:nvSpPr>
@@ -23377,7 +23465,7 @@
       </p:grpSp>
       <p:sp>
         <p:nvSpPr>
-          <p:cNvPr id="154" name="Google Shape;154;p4"/>
+          <p:cNvPr id="156" name="Google Shape;156;p4"/>
           <p:cNvSpPr/>
           <p:nvPr/>
         </p:nvSpPr>
@@ -23523,7 +23611,7 @@
       </p:sp>
       <p:sp>
         <p:nvSpPr>
-          <p:cNvPr id="155" name="Google Shape;155;p4"/>
+          <p:cNvPr id="157" name="Google Shape;157;p4"/>
           <p:cNvSpPr/>
           <p:nvPr/>
         </p:nvSpPr>
@@ -23633,7 +23721,7 @@
       </p:sp>
       <p:sp>
         <p:nvSpPr>
-          <p:cNvPr id="156" name="Google Shape;156;p4"/>
+          <p:cNvPr id="158" name="Google Shape;158;p4"/>
           <p:cNvSpPr/>
           <p:nvPr/>
         </p:nvSpPr>
@@ -23685,7 +23773,7 @@
       </p:sp>
       <p:sp>
         <p:nvSpPr>
-          <p:cNvPr id="157" name="Google Shape;157;p4"/>
+          <p:cNvPr id="159" name="Google Shape;159;p4"/>
           <p:cNvSpPr/>
           <p:nvPr/>
         </p:nvSpPr>
@@ -23737,7 +23825,7 @@
       </p:sp>
       <p:sp>
         <p:nvSpPr>
-          <p:cNvPr id="158" name="Google Shape;158;p4"/>
+          <p:cNvPr id="160" name="Google Shape;160;p4"/>
           <p:cNvSpPr/>
           <p:nvPr/>
         </p:nvSpPr>
@@ -23803,7 +23891,7 @@
   <p:cSld>
     <p:spTree>
       <p:nvGrpSpPr>
-        <p:cNvPr id="162" name="Shape 162"/>
+        <p:cNvPr id="164" name="Shape 164"/>
         <p:cNvGrpSpPr/>
         <p:nvPr/>
       </p:nvGrpSpPr>
@@ -23817,7 +23905,7 @@
       </p:grpSpPr>
       <p:sp>
         <p:nvSpPr>
-          <p:cNvPr id="163" name="Google Shape;163;p3"/>
+          <p:cNvPr id="165" name="Google Shape;165;p3"/>
           <p:cNvSpPr/>
           <p:nvPr/>
         </p:nvSpPr>
@@ -23871,7 +23959,7 @@
       </p:sp>
       <p:sp>
         <p:nvSpPr>
-          <p:cNvPr id="164" name="Google Shape;164;p3"/>
+          <p:cNvPr id="166" name="Google Shape;166;p3"/>
           <p:cNvSpPr/>
           <p:nvPr/>
         </p:nvSpPr>
@@ -23921,7 +24009,7 @@
       </p:sp>
       <p:sp>
         <p:nvSpPr>
-          <p:cNvPr id="165" name="Google Shape;165;p3"/>
+          <p:cNvPr id="167" name="Google Shape;167;p3"/>
           <p:cNvSpPr txBox="1"/>
           <p:nvPr/>
         </p:nvSpPr>
@@ -23971,7 +24059,7 @@
       </p:sp>
       <p:sp>
         <p:nvSpPr>
-          <p:cNvPr id="166" name="Google Shape;166;p3"/>
+          <p:cNvPr id="168" name="Google Shape;168;p3"/>
           <p:cNvSpPr txBox="1"/>
           <p:nvPr/>
         </p:nvSpPr>
@@ -24021,7 +24109,7 @@
       </p:sp>
       <p:sp>
         <p:nvSpPr>
-          <p:cNvPr id="167" name="Google Shape;167;p3"/>
+          <p:cNvPr id="169" name="Google Shape;169;p3"/>
           <p:cNvSpPr txBox="1"/>
           <p:nvPr/>
         </p:nvSpPr>
@@ -24071,7 +24159,7 @@
       </p:sp>
       <p:grpSp>
         <p:nvGrpSpPr>
-          <p:cNvPr id="168" name="Google Shape;168;p3"/>
+          <p:cNvPr id="170" name="Google Shape;170;p3"/>
           <p:cNvGrpSpPr/>
           <p:nvPr/>
         </p:nvGrpSpPr>
@@ -24085,7 +24173,7 @@
         </p:grpSpPr>
         <p:sp>
           <p:nvSpPr>
-            <p:cNvPr id="169" name="Google Shape;169;p3"/>
+            <p:cNvPr id="171" name="Google Shape;171;p3"/>
             <p:cNvSpPr/>
             <p:nvPr/>
           </p:nvSpPr>
@@ -24156,7 +24244,7 @@
         </p:sp>
         <p:sp>
           <p:nvSpPr>
-            <p:cNvPr id="170" name="Google Shape;170;p3"/>
+            <p:cNvPr id="172" name="Google Shape;172;p3"/>
             <p:cNvSpPr/>
             <p:nvPr/>
           </p:nvSpPr>
@@ -24335,7 +24423,7 @@
         </p:sp>
         <p:sp>
           <p:nvSpPr>
-            <p:cNvPr id="171" name="Google Shape;171;p3"/>
+            <p:cNvPr id="173" name="Google Shape;173;p3"/>
             <p:cNvSpPr/>
             <p:nvPr/>
           </p:nvSpPr>
@@ -24460,7 +24548,7 @@
         </p:sp>
         <p:sp>
           <p:nvSpPr>
-            <p:cNvPr id="172" name="Google Shape;172;p3"/>
+            <p:cNvPr id="174" name="Google Shape;174;p3"/>
             <p:cNvSpPr/>
             <p:nvPr/>
           </p:nvSpPr>
@@ -24561,7 +24649,7 @@
         </p:sp>
         <p:sp>
           <p:nvSpPr>
-            <p:cNvPr id="173" name="Google Shape;173;p3"/>
+            <p:cNvPr id="175" name="Google Shape;175;p3"/>
             <p:cNvSpPr/>
             <p:nvPr/>
           </p:nvSpPr>
@@ -24609,208 +24697,6 @@
                   </a:lnTo>
                   <a:lnTo>
                     <a:pt x="451" y="34"/>
-                  </a:lnTo>
-                  <a:lnTo>
-                    <a:pt x="429" y="12"/>
-                  </a:lnTo>
-                  <a:lnTo>
-                    <a:pt x="401" y="1"/>
-                  </a:lnTo>
-                  <a:lnTo>
-                    <a:pt x="385" y="0"/>
-                  </a:lnTo>
-                  <a:close/>
-                </a:path>
-              </a:pathLst>
-            </a:custGeom>
-            <a:solidFill>
-              <a:srgbClr val="69EBFC"/>
-            </a:solidFill>
-            <a:ln>
-              <a:noFill/>
-            </a:ln>
-          </p:spPr>
-          <p:txBody>
-            <a:bodyPr anchorCtr="0" anchor="t" bIns="45700" lIns="91425" spcFirstLastPara="1" rIns="91425" wrap="square" tIns="45700">
-              <a:noAutofit/>
-            </a:bodyPr>
-            <a:lstStyle/>
-            <a:p>
-              <a:pPr indent="0" lvl="0" marL="0" marR="0" rtl="0" algn="l">
-                <a:spcBef>
-                  <a:spcPts val="0"/>
-                </a:spcBef>
-                <a:spcAft>
-                  <a:spcPts val="0"/>
-                </a:spcAft>
-                <a:buNone/>
-              </a:pPr>
-              <a:r>
-                <a:t/>
-              </a:r>
-              <a:endParaRPr sz="1800">
-                <a:solidFill>
-                  <a:schemeClr val="dk1"/>
-                </a:solidFill>
-                <a:latin typeface="Arial"/>
-                <a:ea typeface="Arial"/>
-                <a:cs typeface="Arial"/>
-                <a:sym typeface="Arial"/>
-              </a:endParaRPr>
-            </a:p>
-          </p:txBody>
-        </p:sp>
-        <p:sp>
-          <p:nvSpPr>
-            <p:cNvPr id="174" name="Google Shape;174;p3"/>
-            <p:cNvSpPr/>
-            <p:nvPr/>
-          </p:nvSpPr>
-          <p:spPr>
-            <a:xfrm>
-              <a:off x="2751266" y="6486525"/>
-              <a:ext cx="147638" cy="117475"/>
-            </a:xfrm>
-            <a:custGeom>
-              <a:rect b="b" l="l" r="r" t="t"/>
-              <a:pathLst>
-                <a:path extrusionOk="0" h="367" w="464">
-                  <a:moveTo>
-                    <a:pt x="385" y="0"/>
-                  </a:moveTo>
-                  <a:lnTo>
-                    <a:pt x="79" y="0"/>
-                  </a:lnTo>
-                  <a:lnTo>
-                    <a:pt x="64" y="1"/>
-                  </a:lnTo>
-                  <a:lnTo>
-                    <a:pt x="35" y="12"/>
-                  </a:lnTo>
-                  <a:lnTo>
-                    <a:pt x="14" y="34"/>
-                  </a:lnTo>
-                  <a:lnTo>
-                    <a:pt x="1" y="63"/>
-                  </a:lnTo>
-                  <a:lnTo>
-                    <a:pt x="0" y="79"/>
-                  </a:lnTo>
-                  <a:lnTo>
-                    <a:pt x="0" y="367"/>
-                  </a:lnTo>
-                  <a:lnTo>
-                    <a:pt x="464" y="367"/>
-                  </a:lnTo>
-                  <a:lnTo>
-                    <a:pt x="464" y="79"/>
-                  </a:lnTo>
-                  <a:lnTo>
-                    <a:pt x="463" y="63"/>
-                  </a:lnTo>
-                  <a:lnTo>
-                    <a:pt x="451" y="34"/>
-                  </a:lnTo>
-                  <a:lnTo>
-                    <a:pt x="430" y="12"/>
-                  </a:lnTo>
-                  <a:lnTo>
-                    <a:pt x="401" y="1"/>
-                  </a:lnTo>
-                  <a:lnTo>
-                    <a:pt x="385" y="0"/>
-                  </a:lnTo>
-                  <a:close/>
-                </a:path>
-              </a:pathLst>
-            </a:custGeom>
-            <a:solidFill>
-              <a:srgbClr val="69EBFC"/>
-            </a:solidFill>
-            <a:ln>
-              <a:noFill/>
-            </a:ln>
-          </p:spPr>
-          <p:txBody>
-            <a:bodyPr anchorCtr="0" anchor="t" bIns="45700" lIns="91425" spcFirstLastPara="1" rIns="91425" wrap="square" tIns="45700">
-              <a:noAutofit/>
-            </a:bodyPr>
-            <a:lstStyle/>
-            <a:p>
-              <a:pPr indent="0" lvl="0" marL="0" marR="0" rtl="0" algn="l">
-                <a:spcBef>
-                  <a:spcPts val="0"/>
-                </a:spcBef>
-                <a:spcAft>
-                  <a:spcPts val="0"/>
-                </a:spcAft>
-                <a:buNone/>
-              </a:pPr>
-              <a:r>
-                <a:t/>
-              </a:r>
-              <a:endParaRPr sz="1800">
-                <a:solidFill>
-                  <a:schemeClr val="dk1"/>
-                </a:solidFill>
-                <a:latin typeface="Arial"/>
-                <a:ea typeface="Arial"/>
-                <a:cs typeface="Arial"/>
-                <a:sym typeface="Arial"/>
-              </a:endParaRPr>
-            </a:p>
-          </p:txBody>
-        </p:sp>
-        <p:sp>
-          <p:nvSpPr>
-            <p:cNvPr id="175" name="Google Shape;175;p3"/>
-            <p:cNvSpPr/>
-            <p:nvPr/>
-          </p:nvSpPr>
-          <p:spPr>
-            <a:xfrm>
-              <a:off x="2963991" y="6486525"/>
-              <a:ext cx="147638" cy="117475"/>
-            </a:xfrm>
-            <a:custGeom>
-              <a:rect b="b" l="l" r="r" t="t"/>
-              <a:pathLst>
-                <a:path extrusionOk="0" h="367" w="465">
-                  <a:moveTo>
-                    <a:pt x="385" y="0"/>
-                  </a:moveTo>
-                  <a:lnTo>
-                    <a:pt x="80" y="0"/>
-                  </a:lnTo>
-                  <a:lnTo>
-                    <a:pt x="63" y="1"/>
-                  </a:lnTo>
-                  <a:lnTo>
-                    <a:pt x="35" y="12"/>
-                  </a:lnTo>
-                  <a:lnTo>
-                    <a:pt x="13" y="34"/>
-                  </a:lnTo>
-                  <a:lnTo>
-                    <a:pt x="1" y="63"/>
-                  </a:lnTo>
-                  <a:lnTo>
-                    <a:pt x="0" y="79"/>
-                  </a:lnTo>
-                  <a:lnTo>
-                    <a:pt x="0" y="367"/>
-                  </a:lnTo>
-                  <a:lnTo>
-                    <a:pt x="465" y="367"/>
-                  </a:lnTo>
-                  <a:lnTo>
-                    <a:pt x="465" y="79"/>
-                  </a:lnTo>
-                  <a:lnTo>
-                    <a:pt x="464" y="63"/>
-                  </a:lnTo>
-                  <a:lnTo>
-                    <a:pt x="452" y="34"/>
                   </a:lnTo>
                   <a:lnTo>
                     <a:pt x="429" y="12"/>
@@ -24870,6 +24756,208 @@
           </p:nvSpPr>
           <p:spPr>
             <a:xfrm>
+              <a:off x="2751266" y="6486525"/>
+              <a:ext cx="147638" cy="117475"/>
+            </a:xfrm>
+            <a:custGeom>
+              <a:rect b="b" l="l" r="r" t="t"/>
+              <a:pathLst>
+                <a:path extrusionOk="0" h="367" w="464">
+                  <a:moveTo>
+                    <a:pt x="385" y="0"/>
+                  </a:moveTo>
+                  <a:lnTo>
+                    <a:pt x="79" y="0"/>
+                  </a:lnTo>
+                  <a:lnTo>
+                    <a:pt x="64" y="1"/>
+                  </a:lnTo>
+                  <a:lnTo>
+                    <a:pt x="35" y="12"/>
+                  </a:lnTo>
+                  <a:lnTo>
+                    <a:pt x="14" y="34"/>
+                  </a:lnTo>
+                  <a:lnTo>
+                    <a:pt x="1" y="63"/>
+                  </a:lnTo>
+                  <a:lnTo>
+                    <a:pt x="0" y="79"/>
+                  </a:lnTo>
+                  <a:lnTo>
+                    <a:pt x="0" y="367"/>
+                  </a:lnTo>
+                  <a:lnTo>
+                    <a:pt x="464" y="367"/>
+                  </a:lnTo>
+                  <a:lnTo>
+                    <a:pt x="464" y="79"/>
+                  </a:lnTo>
+                  <a:lnTo>
+                    <a:pt x="463" y="63"/>
+                  </a:lnTo>
+                  <a:lnTo>
+                    <a:pt x="451" y="34"/>
+                  </a:lnTo>
+                  <a:lnTo>
+                    <a:pt x="430" y="12"/>
+                  </a:lnTo>
+                  <a:lnTo>
+                    <a:pt x="401" y="1"/>
+                  </a:lnTo>
+                  <a:lnTo>
+                    <a:pt x="385" y="0"/>
+                  </a:lnTo>
+                  <a:close/>
+                </a:path>
+              </a:pathLst>
+            </a:custGeom>
+            <a:solidFill>
+              <a:srgbClr val="69EBFC"/>
+            </a:solidFill>
+            <a:ln>
+              <a:noFill/>
+            </a:ln>
+          </p:spPr>
+          <p:txBody>
+            <a:bodyPr anchorCtr="0" anchor="t" bIns="45700" lIns="91425" spcFirstLastPara="1" rIns="91425" wrap="square" tIns="45700">
+              <a:noAutofit/>
+            </a:bodyPr>
+            <a:lstStyle/>
+            <a:p>
+              <a:pPr indent="0" lvl="0" marL="0" marR="0" rtl="0" algn="l">
+                <a:spcBef>
+                  <a:spcPts val="0"/>
+                </a:spcBef>
+                <a:spcAft>
+                  <a:spcPts val="0"/>
+                </a:spcAft>
+                <a:buNone/>
+              </a:pPr>
+              <a:r>
+                <a:t/>
+              </a:r>
+              <a:endParaRPr sz="1800">
+                <a:solidFill>
+                  <a:schemeClr val="dk1"/>
+                </a:solidFill>
+                <a:latin typeface="Arial"/>
+                <a:ea typeface="Arial"/>
+                <a:cs typeface="Arial"/>
+                <a:sym typeface="Arial"/>
+              </a:endParaRPr>
+            </a:p>
+          </p:txBody>
+        </p:sp>
+        <p:sp>
+          <p:nvSpPr>
+            <p:cNvPr id="177" name="Google Shape;177;p3"/>
+            <p:cNvSpPr/>
+            <p:nvPr/>
+          </p:nvSpPr>
+          <p:spPr>
+            <a:xfrm>
+              <a:off x="2963991" y="6486525"/>
+              <a:ext cx="147638" cy="117475"/>
+            </a:xfrm>
+            <a:custGeom>
+              <a:rect b="b" l="l" r="r" t="t"/>
+              <a:pathLst>
+                <a:path extrusionOk="0" h="367" w="465">
+                  <a:moveTo>
+                    <a:pt x="385" y="0"/>
+                  </a:moveTo>
+                  <a:lnTo>
+                    <a:pt x="80" y="0"/>
+                  </a:lnTo>
+                  <a:lnTo>
+                    <a:pt x="63" y="1"/>
+                  </a:lnTo>
+                  <a:lnTo>
+                    <a:pt x="35" y="12"/>
+                  </a:lnTo>
+                  <a:lnTo>
+                    <a:pt x="13" y="34"/>
+                  </a:lnTo>
+                  <a:lnTo>
+                    <a:pt x="1" y="63"/>
+                  </a:lnTo>
+                  <a:lnTo>
+                    <a:pt x="0" y="79"/>
+                  </a:lnTo>
+                  <a:lnTo>
+                    <a:pt x="0" y="367"/>
+                  </a:lnTo>
+                  <a:lnTo>
+                    <a:pt x="465" y="367"/>
+                  </a:lnTo>
+                  <a:lnTo>
+                    <a:pt x="465" y="79"/>
+                  </a:lnTo>
+                  <a:lnTo>
+                    <a:pt x="464" y="63"/>
+                  </a:lnTo>
+                  <a:lnTo>
+                    <a:pt x="452" y="34"/>
+                  </a:lnTo>
+                  <a:lnTo>
+                    <a:pt x="429" y="12"/>
+                  </a:lnTo>
+                  <a:lnTo>
+                    <a:pt x="401" y="1"/>
+                  </a:lnTo>
+                  <a:lnTo>
+                    <a:pt x="385" y="0"/>
+                  </a:lnTo>
+                  <a:close/>
+                </a:path>
+              </a:pathLst>
+            </a:custGeom>
+            <a:solidFill>
+              <a:srgbClr val="69EBFC"/>
+            </a:solidFill>
+            <a:ln>
+              <a:noFill/>
+            </a:ln>
+          </p:spPr>
+          <p:txBody>
+            <a:bodyPr anchorCtr="0" anchor="t" bIns="45700" lIns="91425" spcFirstLastPara="1" rIns="91425" wrap="square" tIns="45700">
+              <a:noAutofit/>
+            </a:bodyPr>
+            <a:lstStyle/>
+            <a:p>
+              <a:pPr indent="0" lvl="0" marL="0" marR="0" rtl="0" algn="l">
+                <a:spcBef>
+                  <a:spcPts val="0"/>
+                </a:spcBef>
+                <a:spcAft>
+                  <a:spcPts val="0"/>
+                </a:spcAft>
+                <a:buNone/>
+              </a:pPr>
+              <a:r>
+                <a:t/>
+              </a:r>
+              <a:endParaRPr sz="1800">
+                <a:solidFill>
+                  <a:schemeClr val="dk1"/>
+                </a:solidFill>
+                <a:latin typeface="Arial"/>
+                <a:ea typeface="Arial"/>
+                <a:cs typeface="Arial"/>
+                <a:sym typeface="Arial"/>
+              </a:endParaRPr>
+            </a:p>
+          </p:txBody>
+        </p:sp>
+        <p:sp>
+          <p:nvSpPr>
+            <p:cNvPr id="178" name="Google Shape;178;p3"/>
+            <p:cNvSpPr/>
+            <p:nvPr/>
+          </p:nvSpPr>
+          <p:spPr>
+            <a:xfrm>
               <a:off x="1997204" y="6781800"/>
               <a:ext cx="176213" cy="57150"/>
             </a:xfrm>
@@ -24965,7 +25053,7 @@
         </p:sp>
         <p:sp>
           <p:nvSpPr>
-            <p:cNvPr id="177" name="Google Shape;177;p3"/>
+            <p:cNvPr id="179" name="Google Shape;179;p3"/>
             <p:cNvSpPr/>
             <p:nvPr/>
           </p:nvSpPr>
@@ -25067,7 +25155,7 @@
       </p:grpSp>
       <p:grpSp>
         <p:nvGrpSpPr>
-          <p:cNvPr id="178" name="Google Shape;178;p3"/>
+          <p:cNvPr id="180" name="Google Shape;180;p3"/>
           <p:cNvGrpSpPr/>
           <p:nvPr/>
         </p:nvGrpSpPr>
@@ -25081,7 +25169,7 @@
         </p:grpSpPr>
         <p:sp>
           <p:nvSpPr>
-            <p:cNvPr id="179" name="Google Shape;179;p3"/>
+            <p:cNvPr id="181" name="Google Shape;181;p3"/>
             <p:cNvSpPr/>
             <p:nvPr/>
           </p:nvSpPr>
@@ -25342,616 +25430,6 @@
                   </a:lnTo>
                   <a:lnTo>
                     <a:pt x="2677" y="2617"/>
-                  </a:lnTo>
-                  <a:close/>
-                </a:path>
-              </a:pathLst>
-            </a:custGeom>
-            <a:solidFill>
-              <a:srgbClr val="69EBFC"/>
-            </a:solidFill>
-            <a:ln>
-              <a:noFill/>
-            </a:ln>
-          </p:spPr>
-          <p:txBody>
-            <a:bodyPr anchorCtr="0" anchor="t" bIns="45700" lIns="91425" spcFirstLastPara="1" rIns="91425" wrap="square" tIns="45700">
-              <a:noAutofit/>
-            </a:bodyPr>
-            <a:lstStyle/>
-            <a:p>
-              <a:pPr indent="0" lvl="0" marL="0" marR="0" rtl="0" algn="l">
-                <a:spcBef>
-                  <a:spcPts val="0"/>
-                </a:spcBef>
-                <a:spcAft>
-                  <a:spcPts val="0"/>
-                </a:spcAft>
-                <a:buNone/>
-              </a:pPr>
-              <a:r>
-                <a:t/>
-              </a:r>
-              <a:endParaRPr sz="1800">
-                <a:solidFill>
-                  <a:schemeClr val="dk1"/>
-                </a:solidFill>
-                <a:latin typeface="Arial"/>
-                <a:ea typeface="Arial"/>
-                <a:cs typeface="Arial"/>
-                <a:sym typeface="Arial"/>
-              </a:endParaRPr>
-            </a:p>
-          </p:txBody>
-        </p:sp>
-        <p:sp>
-          <p:nvSpPr>
-            <p:cNvPr id="180" name="Google Shape;180;p3"/>
-            <p:cNvSpPr/>
-            <p:nvPr/>
-          </p:nvSpPr>
-          <p:spPr>
-            <a:xfrm>
-              <a:off x="962363" y="3039269"/>
-              <a:ext cx="1062037" cy="901698"/>
-            </a:xfrm>
-            <a:custGeom>
-              <a:rect b="b" l="l" r="r" t="t"/>
-              <a:pathLst>
-                <a:path extrusionOk="0" h="2837" w="3345">
-                  <a:moveTo>
-                    <a:pt x="2189" y="0"/>
-                  </a:moveTo>
-                  <a:lnTo>
-                    <a:pt x="2169" y="27"/>
-                  </a:lnTo>
-                  <a:lnTo>
-                    <a:pt x="2012" y="204"/>
-                  </a:lnTo>
-                  <a:lnTo>
-                    <a:pt x="1892" y="314"/>
-                  </a:lnTo>
-                  <a:lnTo>
-                    <a:pt x="1799" y="391"/>
-                  </a:lnTo>
-                  <a:lnTo>
-                    <a:pt x="1694" y="467"/>
-                  </a:lnTo>
-                  <a:lnTo>
-                    <a:pt x="1579" y="538"/>
-                  </a:lnTo>
-                  <a:lnTo>
-                    <a:pt x="1453" y="603"/>
-                  </a:lnTo>
-                  <a:lnTo>
-                    <a:pt x="1318" y="658"/>
-                  </a:lnTo>
-                  <a:lnTo>
-                    <a:pt x="1173" y="699"/>
-                  </a:lnTo>
-                  <a:lnTo>
-                    <a:pt x="1020" y="726"/>
-                  </a:lnTo>
-                  <a:lnTo>
-                    <a:pt x="899" y="732"/>
-                  </a:lnTo>
-                  <a:lnTo>
-                    <a:pt x="817" y="730"/>
-                  </a:lnTo>
-                  <a:lnTo>
-                    <a:pt x="733" y="723"/>
-                  </a:lnTo>
-                  <a:lnTo>
-                    <a:pt x="647" y="709"/>
-                  </a:lnTo>
-                  <a:lnTo>
-                    <a:pt x="602" y="699"/>
-                  </a:lnTo>
-                  <a:lnTo>
-                    <a:pt x="559" y="690"/>
-                  </a:lnTo>
-                  <a:lnTo>
-                    <a:pt x="477" y="680"/>
-                  </a:lnTo>
-                  <a:lnTo>
-                    <a:pt x="403" y="680"/>
-                  </a:lnTo>
-                  <a:lnTo>
-                    <a:pt x="333" y="689"/>
-                  </a:lnTo>
-                  <a:lnTo>
-                    <a:pt x="271" y="706"/>
-                  </a:lnTo>
-                  <a:lnTo>
-                    <a:pt x="214" y="732"/>
-                  </a:lnTo>
-                  <a:lnTo>
-                    <a:pt x="164" y="764"/>
-                  </a:lnTo>
-                  <a:lnTo>
-                    <a:pt x="121" y="804"/>
-                  </a:lnTo>
-                  <a:lnTo>
-                    <a:pt x="85" y="850"/>
-                  </a:lnTo>
-                  <a:lnTo>
-                    <a:pt x="53" y="902"/>
-                  </a:lnTo>
-                  <a:lnTo>
-                    <a:pt x="30" y="960"/>
-                  </a:lnTo>
-                  <a:lnTo>
-                    <a:pt x="13" y="1024"/>
-                  </a:lnTo>
-                  <a:lnTo>
-                    <a:pt x="3" y="1092"/>
-                  </a:lnTo>
-                  <a:lnTo>
-                    <a:pt x="0" y="1163"/>
-                  </a:lnTo>
-                  <a:lnTo>
-                    <a:pt x="4" y="1239"/>
-                  </a:lnTo>
-                  <a:lnTo>
-                    <a:pt x="14" y="1317"/>
-                  </a:lnTo>
-                  <a:lnTo>
-                    <a:pt x="32" y="1399"/>
-                  </a:lnTo>
-                  <a:lnTo>
-                    <a:pt x="57" y="1481"/>
-                  </a:lnTo>
-                  <a:lnTo>
-                    <a:pt x="88" y="1567"/>
-                  </a:lnTo>
-                  <a:lnTo>
-                    <a:pt x="127" y="1653"/>
-                  </a:lnTo>
-                  <a:lnTo>
-                    <a:pt x="173" y="1739"/>
-                  </a:lnTo>
-                  <a:lnTo>
-                    <a:pt x="225" y="1826"/>
-                  </a:lnTo>
-                  <a:lnTo>
-                    <a:pt x="287" y="1913"/>
-                  </a:lnTo>
-                  <a:lnTo>
-                    <a:pt x="354" y="1999"/>
-                  </a:lnTo>
-                  <a:lnTo>
-                    <a:pt x="428" y="2083"/>
-                  </a:lnTo>
-                  <a:lnTo>
-                    <a:pt x="511" y="2165"/>
-                  </a:lnTo>
-                  <a:lnTo>
-                    <a:pt x="601" y="2246"/>
-                  </a:lnTo>
-                  <a:lnTo>
-                    <a:pt x="698" y="2324"/>
-                  </a:lnTo>
-                  <a:lnTo>
-                    <a:pt x="803" y="2397"/>
-                  </a:lnTo>
-                  <a:lnTo>
-                    <a:pt x="916" y="2469"/>
-                  </a:lnTo>
-                  <a:lnTo>
-                    <a:pt x="1036" y="2535"/>
-                  </a:lnTo>
-                  <a:lnTo>
-                    <a:pt x="1165" y="2596"/>
-                  </a:lnTo>
-                  <a:lnTo>
-                    <a:pt x="1232" y="2624"/>
-                  </a:lnTo>
-                  <a:lnTo>
-                    <a:pt x="1304" y="2654"/>
-                  </a:lnTo>
-                  <a:lnTo>
-                    <a:pt x="1448" y="2705"/>
-                  </a:lnTo>
-                  <a:lnTo>
-                    <a:pt x="1591" y="2748"/>
-                  </a:lnTo>
-                  <a:lnTo>
-                    <a:pt x="1732" y="2782"/>
-                  </a:lnTo>
-                  <a:lnTo>
-                    <a:pt x="1870" y="2809"/>
-                  </a:lnTo>
-                  <a:lnTo>
-                    <a:pt x="2006" y="2827"/>
-                  </a:lnTo>
-                  <a:lnTo>
-                    <a:pt x="2138" y="2836"/>
-                  </a:lnTo>
-                  <a:lnTo>
-                    <a:pt x="2266" y="2837"/>
-                  </a:lnTo>
-                  <a:lnTo>
-                    <a:pt x="2390" y="2830"/>
-                  </a:lnTo>
-                  <a:lnTo>
-                    <a:pt x="2508" y="2814"/>
-                  </a:lnTo>
-                  <a:lnTo>
-                    <a:pt x="2622" y="2790"/>
-                  </a:lnTo>
-                  <a:lnTo>
-                    <a:pt x="2728" y="2758"/>
-                  </a:lnTo>
-                  <a:lnTo>
-                    <a:pt x="2828" y="2717"/>
-                  </a:lnTo>
-                  <a:lnTo>
-                    <a:pt x="2922" y="2667"/>
-                  </a:lnTo>
-                  <a:lnTo>
-                    <a:pt x="3007" y="2609"/>
-                  </a:lnTo>
-                  <a:lnTo>
-                    <a:pt x="3084" y="2544"/>
-                  </a:lnTo>
-                  <a:lnTo>
-                    <a:pt x="3152" y="2470"/>
-                  </a:lnTo>
-                  <a:lnTo>
-                    <a:pt x="3211" y="2386"/>
-                  </a:lnTo>
-                  <a:lnTo>
-                    <a:pt x="3259" y="2296"/>
-                  </a:lnTo>
-                  <a:lnTo>
-                    <a:pt x="3298" y="2197"/>
-                  </a:lnTo>
-                  <a:lnTo>
-                    <a:pt x="3325" y="2089"/>
-                  </a:lnTo>
-                  <a:lnTo>
-                    <a:pt x="3342" y="1973"/>
-                  </a:lnTo>
-                  <a:lnTo>
-                    <a:pt x="3345" y="1848"/>
-                  </a:lnTo>
-                  <a:lnTo>
-                    <a:pt x="3337" y="1716"/>
-                  </a:lnTo>
-                  <a:lnTo>
-                    <a:pt x="3315" y="1575"/>
-                  </a:lnTo>
-                  <a:lnTo>
-                    <a:pt x="3279" y="1427"/>
-                  </a:lnTo>
-                  <a:lnTo>
-                    <a:pt x="3230" y="1269"/>
-                  </a:lnTo>
-                  <a:lnTo>
-                    <a:pt x="3165" y="1103"/>
-                  </a:lnTo>
-                  <a:lnTo>
-                    <a:pt x="3086" y="929"/>
-                  </a:lnTo>
-                  <a:lnTo>
-                    <a:pt x="2990" y="747"/>
-                  </a:lnTo>
-                  <a:lnTo>
-                    <a:pt x="2879" y="556"/>
-                  </a:lnTo>
-                  <a:lnTo>
-                    <a:pt x="2750" y="358"/>
-                  </a:lnTo>
-                  <a:lnTo>
-                    <a:pt x="2679" y="255"/>
-                  </a:lnTo>
-                  <a:lnTo>
-                    <a:pt x="2189" y="0"/>
-                  </a:lnTo>
-                  <a:close/>
-                </a:path>
-              </a:pathLst>
-            </a:custGeom>
-            <a:solidFill>
-              <a:srgbClr val="69EBFC"/>
-            </a:solidFill>
-            <a:ln>
-              <a:noFill/>
-            </a:ln>
-          </p:spPr>
-          <p:txBody>
-            <a:bodyPr anchorCtr="0" anchor="t" bIns="45700" lIns="91425" spcFirstLastPara="1" rIns="91425" wrap="square" tIns="45700">
-              <a:noAutofit/>
-            </a:bodyPr>
-            <a:lstStyle/>
-            <a:p>
-              <a:pPr indent="0" lvl="0" marL="0" marR="0" rtl="0" algn="l">
-                <a:spcBef>
-                  <a:spcPts val="0"/>
-                </a:spcBef>
-                <a:spcAft>
-                  <a:spcPts val="0"/>
-                </a:spcAft>
-                <a:buNone/>
-              </a:pPr>
-              <a:r>
-                <a:t/>
-              </a:r>
-              <a:endParaRPr sz="1800">
-                <a:solidFill>
-                  <a:schemeClr val="dk1"/>
-                </a:solidFill>
-                <a:latin typeface="Arial"/>
-                <a:ea typeface="Arial"/>
-                <a:cs typeface="Arial"/>
-                <a:sym typeface="Arial"/>
-              </a:endParaRPr>
-            </a:p>
-          </p:txBody>
-        </p:sp>
-        <p:sp>
-          <p:nvSpPr>
-            <p:cNvPr id="181" name="Google Shape;181;p3"/>
-            <p:cNvSpPr/>
-            <p:nvPr/>
-          </p:nvSpPr>
-          <p:spPr>
-            <a:xfrm>
-              <a:off x="1795801" y="2399506"/>
-              <a:ext cx="888997" cy="1103317"/>
-            </a:xfrm>
-            <a:custGeom>
-              <a:rect b="b" l="l" r="r" t="t"/>
-              <a:pathLst>
-                <a:path extrusionOk="0" h="3476" w="2799">
-                  <a:moveTo>
-                    <a:pt x="23" y="2079"/>
-                  </a:moveTo>
-                  <a:lnTo>
-                    <a:pt x="58" y="2082"/>
-                  </a:lnTo>
-                  <a:lnTo>
-                    <a:pt x="289" y="2129"/>
-                  </a:lnTo>
-                  <a:lnTo>
-                    <a:pt x="445" y="2177"/>
-                  </a:lnTo>
-                  <a:lnTo>
-                    <a:pt x="558" y="2221"/>
-                  </a:lnTo>
-                  <a:lnTo>
-                    <a:pt x="676" y="2273"/>
-                  </a:lnTo>
-                  <a:lnTo>
-                    <a:pt x="796" y="2338"/>
-                  </a:lnTo>
-                  <a:lnTo>
-                    <a:pt x="915" y="2414"/>
-                  </a:lnTo>
-                  <a:lnTo>
-                    <a:pt x="1030" y="2504"/>
-                  </a:lnTo>
-                  <a:lnTo>
-                    <a:pt x="1138" y="2608"/>
-                  </a:lnTo>
-                  <a:lnTo>
-                    <a:pt x="1237" y="2727"/>
-                  </a:lnTo>
-                  <a:lnTo>
-                    <a:pt x="1303" y="2829"/>
-                  </a:lnTo>
-                  <a:lnTo>
-                    <a:pt x="1342" y="2901"/>
-                  </a:lnTo>
-                  <a:lnTo>
-                    <a:pt x="1378" y="2978"/>
-                  </a:lnTo>
-                  <a:lnTo>
-                    <a:pt x="1409" y="3058"/>
-                  </a:lnTo>
-                  <a:lnTo>
-                    <a:pt x="1424" y="3102"/>
-                  </a:lnTo>
-                  <a:lnTo>
-                    <a:pt x="1437" y="3143"/>
-                  </a:lnTo>
-                  <a:lnTo>
-                    <a:pt x="1470" y="3219"/>
-                  </a:lnTo>
-                  <a:lnTo>
-                    <a:pt x="1506" y="3285"/>
-                  </a:lnTo>
-                  <a:lnTo>
-                    <a:pt x="1549" y="3341"/>
-                  </a:lnTo>
-                  <a:lnTo>
-                    <a:pt x="1596" y="3387"/>
-                  </a:lnTo>
-                  <a:lnTo>
-                    <a:pt x="1645" y="3422"/>
-                  </a:lnTo>
-                  <a:lnTo>
-                    <a:pt x="1698" y="3449"/>
-                  </a:lnTo>
-                  <a:lnTo>
-                    <a:pt x="1754" y="3467"/>
-                  </a:lnTo>
-                  <a:lnTo>
-                    <a:pt x="1813" y="3476"/>
-                  </a:lnTo>
-                  <a:lnTo>
-                    <a:pt x="1874" y="3476"/>
-                  </a:lnTo>
-                  <a:lnTo>
-                    <a:pt x="1936" y="3467"/>
-                  </a:lnTo>
-                  <a:lnTo>
-                    <a:pt x="1998" y="3450"/>
-                  </a:lnTo>
-                  <a:lnTo>
-                    <a:pt x="2062" y="3424"/>
-                  </a:lnTo>
-                  <a:lnTo>
-                    <a:pt x="2127" y="3391"/>
-                  </a:lnTo>
-                  <a:lnTo>
-                    <a:pt x="2189" y="3351"/>
-                  </a:lnTo>
-                  <a:lnTo>
-                    <a:pt x="2253" y="3302"/>
-                  </a:lnTo>
-                  <a:lnTo>
-                    <a:pt x="2314" y="3246"/>
-                  </a:lnTo>
-                  <a:lnTo>
-                    <a:pt x="2375" y="3183"/>
-                  </a:lnTo>
-                  <a:lnTo>
-                    <a:pt x="2431" y="3114"/>
-                  </a:lnTo>
-                  <a:lnTo>
-                    <a:pt x="2487" y="3037"/>
-                  </a:lnTo>
-                  <a:lnTo>
-                    <a:pt x="2540" y="2954"/>
-                  </a:lnTo>
-                  <a:lnTo>
-                    <a:pt x="2588" y="2864"/>
-                  </a:lnTo>
-                  <a:lnTo>
-                    <a:pt x="2632" y="2769"/>
-                  </a:lnTo>
-                  <a:lnTo>
-                    <a:pt x="2674" y="2668"/>
-                  </a:lnTo>
-                  <a:lnTo>
-                    <a:pt x="2709" y="2561"/>
-                  </a:lnTo>
-                  <a:lnTo>
-                    <a:pt x="2739" y="2448"/>
-                  </a:lnTo>
-                  <a:lnTo>
-                    <a:pt x="2764" y="2330"/>
-                  </a:lnTo>
-                  <a:lnTo>
-                    <a:pt x="2782" y="2207"/>
-                  </a:lnTo>
-                  <a:lnTo>
-                    <a:pt x="2794" y="2079"/>
-                  </a:lnTo>
-                  <a:lnTo>
-                    <a:pt x="2799" y="1946"/>
-                  </a:lnTo>
-                  <a:lnTo>
-                    <a:pt x="2796" y="1809"/>
-                  </a:lnTo>
-                  <a:lnTo>
-                    <a:pt x="2785" y="1667"/>
-                  </a:lnTo>
-                  <a:lnTo>
-                    <a:pt x="2776" y="1595"/>
-                  </a:lnTo>
-                  <a:lnTo>
-                    <a:pt x="2765" y="1518"/>
-                  </a:lnTo>
-                  <a:lnTo>
-                    <a:pt x="2738" y="1367"/>
-                  </a:lnTo>
-                  <a:lnTo>
-                    <a:pt x="2704" y="1222"/>
-                  </a:lnTo>
-                  <a:lnTo>
-                    <a:pt x="2664" y="1082"/>
-                  </a:lnTo>
-                  <a:lnTo>
-                    <a:pt x="2617" y="950"/>
-                  </a:lnTo>
-                  <a:lnTo>
-                    <a:pt x="2564" y="822"/>
-                  </a:lnTo>
-                  <a:lnTo>
-                    <a:pt x="2506" y="704"/>
-                  </a:lnTo>
-                  <a:lnTo>
-                    <a:pt x="2443" y="593"/>
-                  </a:lnTo>
-                  <a:lnTo>
-                    <a:pt x="2375" y="489"/>
-                  </a:lnTo>
-                  <a:lnTo>
-                    <a:pt x="2302" y="394"/>
-                  </a:lnTo>
-                  <a:lnTo>
-                    <a:pt x="2224" y="308"/>
-                  </a:lnTo>
-                  <a:lnTo>
-                    <a:pt x="2142" y="232"/>
-                  </a:lnTo>
-                  <a:lnTo>
-                    <a:pt x="2058" y="165"/>
-                  </a:lnTo>
-                  <a:lnTo>
-                    <a:pt x="1968" y="109"/>
-                  </a:lnTo>
-                  <a:lnTo>
-                    <a:pt x="1876" y="65"/>
-                  </a:lnTo>
-                  <a:lnTo>
-                    <a:pt x="1780" y="31"/>
-                  </a:lnTo>
-                  <a:lnTo>
-                    <a:pt x="1682" y="9"/>
-                  </a:lnTo>
-                  <a:lnTo>
-                    <a:pt x="1581" y="0"/>
-                  </a:lnTo>
-                  <a:lnTo>
-                    <a:pt x="1477" y="2"/>
-                  </a:lnTo>
-                  <a:lnTo>
-                    <a:pt x="1372" y="19"/>
-                  </a:lnTo>
-                  <a:lnTo>
-                    <a:pt x="1265" y="49"/>
-                  </a:lnTo>
-                  <a:lnTo>
-                    <a:pt x="1157" y="93"/>
-                  </a:lnTo>
-                  <a:lnTo>
-                    <a:pt x="1048" y="152"/>
-                  </a:lnTo>
-                  <a:lnTo>
-                    <a:pt x="937" y="225"/>
-                  </a:lnTo>
-                  <a:lnTo>
-                    <a:pt x="826" y="315"/>
-                  </a:lnTo>
-                  <a:lnTo>
-                    <a:pt x="714" y="420"/>
-                  </a:lnTo>
-                  <a:lnTo>
-                    <a:pt x="603" y="542"/>
-                  </a:lnTo>
-                  <a:lnTo>
-                    <a:pt x="492" y="681"/>
-                  </a:lnTo>
-                  <a:lnTo>
-                    <a:pt x="381" y="836"/>
-                  </a:lnTo>
-                  <a:lnTo>
-                    <a:pt x="270" y="1010"/>
-                  </a:lnTo>
-                  <a:lnTo>
-                    <a:pt x="162" y="1202"/>
-                  </a:lnTo>
-                  <a:lnTo>
-                    <a:pt x="54" y="1413"/>
-                  </a:lnTo>
-                  <a:lnTo>
-                    <a:pt x="0" y="1525"/>
-                  </a:lnTo>
-                  <a:lnTo>
-                    <a:pt x="23" y="2079"/>
                   </a:lnTo>
                   <a:close/>
                 </a:path>
@@ -26002,6 +25480,616 @@
           </p:nvSpPr>
           <p:spPr>
             <a:xfrm>
+              <a:off x="962363" y="3039269"/>
+              <a:ext cx="1062037" cy="901698"/>
+            </a:xfrm>
+            <a:custGeom>
+              <a:rect b="b" l="l" r="r" t="t"/>
+              <a:pathLst>
+                <a:path extrusionOk="0" h="2837" w="3345">
+                  <a:moveTo>
+                    <a:pt x="2189" y="0"/>
+                  </a:moveTo>
+                  <a:lnTo>
+                    <a:pt x="2169" y="27"/>
+                  </a:lnTo>
+                  <a:lnTo>
+                    <a:pt x="2012" y="204"/>
+                  </a:lnTo>
+                  <a:lnTo>
+                    <a:pt x="1892" y="314"/>
+                  </a:lnTo>
+                  <a:lnTo>
+                    <a:pt x="1799" y="391"/>
+                  </a:lnTo>
+                  <a:lnTo>
+                    <a:pt x="1694" y="467"/>
+                  </a:lnTo>
+                  <a:lnTo>
+                    <a:pt x="1579" y="538"/>
+                  </a:lnTo>
+                  <a:lnTo>
+                    <a:pt x="1453" y="603"/>
+                  </a:lnTo>
+                  <a:lnTo>
+                    <a:pt x="1318" y="658"/>
+                  </a:lnTo>
+                  <a:lnTo>
+                    <a:pt x="1173" y="699"/>
+                  </a:lnTo>
+                  <a:lnTo>
+                    <a:pt x="1020" y="726"/>
+                  </a:lnTo>
+                  <a:lnTo>
+                    <a:pt x="899" y="732"/>
+                  </a:lnTo>
+                  <a:lnTo>
+                    <a:pt x="817" y="730"/>
+                  </a:lnTo>
+                  <a:lnTo>
+                    <a:pt x="733" y="723"/>
+                  </a:lnTo>
+                  <a:lnTo>
+                    <a:pt x="647" y="709"/>
+                  </a:lnTo>
+                  <a:lnTo>
+                    <a:pt x="602" y="699"/>
+                  </a:lnTo>
+                  <a:lnTo>
+                    <a:pt x="559" y="690"/>
+                  </a:lnTo>
+                  <a:lnTo>
+                    <a:pt x="477" y="680"/>
+                  </a:lnTo>
+                  <a:lnTo>
+                    <a:pt x="403" y="680"/>
+                  </a:lnTo>
+                  <a:lnTo>
+                    <a:pt x="333" y="689"/>
+                  </a:lnTo>
+                  <a:lnTo>
+                    <a:pt x="271" y="706"/>
+                  </a:lnTo>
+                  <a:lnTo>
+                    <a:pt x="214" y="732"/>
+                  </a:lnTo>
+                  <a:lnTo>
+                    <a:pt x="164" y="764"/>
+                  </a:lnTo>
+                  <a:lnTo>
+                    <a:pt x="121" y="804"/>
+                  </a:lnTo>
+                  <a:lnTo>
+                    <a:pt x="85" y="850"/>
+                  </a:lnTo>
+                  <a:lnTo>
+                    <a:pt x="53" y="902"/>
+                  </a:lnTo>
+                  <a:lnTo>
+                    <a:pt x="30" y="960"/>
+                  </a:lnTo>
+                  <a:lnTo>
+                    <a:pt x="13" y="1024"/>
+                  </a:lnTo>
+                  <a:lnTo>
+                    <a:pt x="3" y="1092"/>
+                  </a:lnTo>
+                  <a:lnTo>
+                    <a:pt x="0" y="1163"/>
+                  </a:lnTo>
+                  <a:lnTo>
+                    <a:pt x="4" y="1239"/>
+                  </a:lnTo>
+                  <a:lnTo>
+                    <a:pt x="14" y="1317"/>
+                  </a:lnTo>
+                  <a:lnTo>
+                    <a:pt x="32" y="1399"/>
+                  </a:lnTo>
+                  <a:lnTo>
+                    <a:pt x="57" y="1481"/>
+                  </a:lnTo>
+                  <a:lnTo>
+                    <a:pt x="88" y="1567"/>
+                  </a:lnTo>
+                  <a:lnTo>
+                    <a:pt x="127" y="1653"/>
+                  </a:lnTo>
+                  <a:lnTo>
+                    <a:pt x="173" y="1739"/>
+                  </a:lnTo>
+                  <a:lnTo>
+                    <a:pt x="225" y="1826"/>
+                  </a:lnTo>
+                  <a:lnTo>
+                    <a:pt x="287" y="1913"/>
+                  </a:lnTo>
+                  <a:lnTo>
+                    <a:pt x="354" y="1999"/>
+                  </a:lnTo>
+                  <a:lnTo>
+                    <a:pt x="428" y="2083"/>
+                  </a:lnTo>
+                  <a:lnTo>
+                    <a:pt x="511" y="2165"/>
+                  </a:lnTo>
+                  <a:lnTo>
+                    <a:pt x="601" y="2246"/>
+                  </a:lnTo>
+                  <a:lnTo>
+                    <a:pt x="698" y="2324"/>
+                  </a:lnTo>
+                  <a:lnTo>
+                    <a:pt x="803" y="2397"/>
+                  </a:lnTo>
+                  <a:lnTo>
+                    <a:pt x="916" y="2469"/>
+                  </a:lnTo>
+                  <a:lnTo>
+                    <a:pt x="1036" y="2535"/>
+                  </a:lnTo>
+                  <a:lnTo>
+                    <a:pt x="1165" y="2596"/>
+                  </a:lnTo>
+                  <a:lnTo>
+                    <a:pt x="1232" y="2624"/>
+                  </a:lnTo>
+                  <a:lnTo>
+                    <a:pt x="1304" y="2654"/>
+                  </a:lnTo>
+                  <a:lnTo>
+                    <a:pt x="1448" y="2705"/>
+                  </a:lnTo>
+                  <a:lnTo>
+                    <a:pt x="1591" y="2748"/>
+                  </a:lnTo>
+                  <a:lnTo>
+                    <a:pt x="1732" y="2782"/>
+                  </a:lnTo>
+                  <a:lnTo>
+                    <a:pt x="1870" y="2809"/>
+                  </a:lnTo>
+                  <a:lnTo>
+                    <a:pt x="2006" y="2827"/>
+                  </a:lnTo>
+                  <a:lnTo>
+                    <a:pt x="2138" y="2836"/>
+                  </a:lnTo>
+                  <a:lnTo>
+                    <a:pt x="2266" y="2837"/>
+                  </a:lnTo>
+                  <a:lnTo>
+                    <a:pt x="2390" y="2830"/>
+                  </a:lnTo>
+                  <a:lnTo>
+                    <a:pt x="2508" y="2814"/>
+                  </a:lnTo>
+                  <a:lnTo>
+                    <a:pt x="2622" y="2790"/>
+                  </a:lnTo>
+                  <a:lnTo>
+                    <a:pt x="2728" y="2758"/>
+                  </a:lnTo>
+                  <a:lnTo>
+                    <a:pt x="2828" y="2717"/>
+                  </a:lnTo>
+                  <a:lnTo>
+                    <a:pt x="2922" y="2667"/>
+                  </a:lnTo>
+                  <a:lnTo>
+                    <a:pt x="3007" y="2609"/>
+                  </a:lnTo>
+                  <a:lnTo>
+                    <a:pt x="3084" y="2544"/>
+                  </a:lnTo>
+                  <a:lnTo>
+                    <a:pt x="3152" y="2470"/>
+                  </a:lnTo>
+                  <a:lnTo>
+                    <a:pt x="3211" y="2386"/>
+                  </a:lnTo>
+                  <a:lnTo>
+                    <a:pt x="3259" y="2296"/>
+                  </a:lnTo>
+                  <a:lnTo>
+                    <a:pt x="3298" y="2197"/>
+                  </a:lnTo>
+                  <a:lnTo>
+                    <a:pt x="3325" y="2089"/>
+                  </a:lnTo>
+                  <a:lnTo>
+                    <a:pt x="3342" y="1973"/>
+                  </a:lnTo>
+                  <a:lnTo>
+                    <a:pt x="3345" y="1848"/>
+                  </a:lnTo>
+                  <a:lnTo>
+                    <a:pt x="3337" y="1716"/>
+                  </a:lnTo>
+                  <a:lnTo>
+                    <a:pt x="3315" y="1575"/>
+                  </a:lnTo>
+                  <a:lnTo>
+                    <a:pt x="3279" y="1427"/>
+                  </a:lnTo>
+                  <a:lnTo>
+                    <a:pt x="3230" y="1269"/>
+                  </a:lnTo>
+                  <a:lnTo>
+                    <a:pt x="3165" y="1103"/>
+                  </a:lnTo>
+                  <a:lnTo>
+                    <a:pt x="3086" y="929"/>
+                  </a:lnTo>
+                  <a:lnTo>
+                    <a:pt x="2990" y="747"/>
+                  </a:lnTo>
+                  <a:lnTo>
+                    <a:pt x="2879" y="556"/>
+                  </a:lnTo>
+                  <a:lnTo>
+                    <a:pt x="2750" y="358"/>
+                  </a:lnTo>
+                  <a:lnTo>
+                    <a:pt x="2679" y="255"/>
+                  </a:lnTo>
+                  <a:lnTo>
+                    <a:pt x="2189" y="0"/>
+                  </a:lnTo>
+                  <a:close/>
+                </a:path>
+              </a:pathLst>
+            </a:custGeom>
+            <a:solidFill>
+              <a:srgbClr val="69EBFC"/>
+            </a:solidFill>
+            <a:ln>
+              <a:noFill/>
+            </a:ln>
+          </p:spPr>
+          <p:txBody>
+            <a:bodyPr anchorCtr="0" anchor="t" bIns="45700" lIns="91425" spcFirstLastPara="1" rIns="91425" wrap="square" tIns="45700">
+              <a:noAutofit/>
+            </a:bodyPr>
+            <a:lstStyle/>
+            <a:p>
+              <a:pPr indent="0" lvl="0" marL="0" marR="0" rtl="0" algn="l">
+                <a:spcBef>
+                  <a:spcPts val="0"/>
+                </a:spcBef>
+                <a:spcAft>
+                  <a:spcPts val="0"/>
+                </a:spcAft>
+                <a:buNone/>
+              </a:pPr>
+              <a:r>
+                <a:t/>
+              </a:r>
+              <a:endParaRPr sz="1800">
+                <a:solidFill>
+                  <a:schemeClr val="dk1"/>
+                </a:solidFill>
+                <a:latin typeface="Arial"/>
+                <a:ea typeface="Arial"/>
+                <a:cs typeface="Arial"/>
+                <a:sym typeface="Arial"/>
+              </a:endParaRPr>
+            </a:p>
+          </p:txBody>
+        </p:sp>
+        <p:sp>
+          <p:nvSpPr>
+            <p:cNvPr id="183" name="Google Shape;183;p3"/>
+            <p:cNvSpPr/>
+            <p:nvPr/>
+          </p:nvSpPr>
+          <p:spPr>
+            <a:xfrm>
+              <a:off x="1795801" y="2399506"/>
+              <a:ext cx="888997" cy="1103317"/>
+            </a:xfrm>
+            <a:custGeom>
+              <a:rect b="b" l="l" r="r" t="t"/>
+              <a:pathLst>
+                <a:path extrusionOk="0" h="3476" w="2799">
+                  <a:moveTo>
+                    <a:pt x="23" y="2079"/>
+                  </a:moveTo>
+                  <a:lnTo>
+                    <a:pt x="58" y="2082"/>
+                  </a:lnTo>
+                  <a:lnTo>
+                    <a:pt x="289" y="2129"/>
+                  </a:lnTo>
+                  <a:lnTo>
+                    <a:pt x="445" y="2177"/>
+                  </a:lnTo>
+                  <a:lnTo>
+                    <a:pt x="558" y="2221"/>
+                  </a:lnTo>
+                  <a:lnTo>
+                    <a:pt x="676" y="2273"/>
+                  </a:lnTo>
+                  <a:lnTo>
+                    <a:pt x="796" y="2338"/>
+                  </a:lnTo>
+                  <a:lnTo>
+                    <a:pt x="915" y="2414"/>
+                  </a:lnTo>
+                  <a:lnTo>
+                    <a:pt x="1030" y="2504"/>
+                  </a:lnTo>
+                  <a:lnTo>
+                    <a:pt x="1138" y="2608"/>
+                  </a:lnTo>
+                  <a:lnTo>
+                    <a:pt x="1237" y="2727"/>
+                  </a:lnTo>
+                  <a:lnTo>
+                    <a:pt x="1303" y="2829"/>
+                  </a:lnTo>
+                  <a:lnTo>
+                    <a:pt x="1342" y="2901"/>
+                  </a:lnTo>
+                  <a:lnTo>
+                    <a:pt x="1378" y="2978"/>
+                  </a:lnTo>
+                  <a:lnTo>
+                    <a:pt x="1409" y="3058"/>
+                  </a:lnTo>
+                  <a:lnTo>
+                    <a:pt x="1424" y="3102"/>
+                  </a:lnTo>
+                  <a:lnTo>
+                    <a:pt x="1437" y="3143"/>
+                  </a:lnTo>
+                  <a:lnTo>
+                    <a:pt x="1470" y="3219"/>
+                  </a:lnTo>
+                  <a:lnTo>
+                    <a:pt x="1506" y="3285"/>
+                  </a:lnTo>
+                  <a:lnTo>
+                    <a:pt x="1549" y="3341"/>
+                  </a:lnTo>
+                  <a:lnTo>
+                    <a:pt x="1596" y="3387"/>
+                  </a:lnTo>
+                  <a:lnTo>
+                    <a:pt x="1645" y="3422"/>
+                  </a:lnTo>
+                  <a:lnTo>
+                    <a:pt x="1698" y="3449"/>
+                  </a:lnTo>
+                  <a:lnTo>
+                    <a:pt x="1754" y="3467"/>
+                  </a:lnTo>
+                  <a:lnTo>
+                    <a:pt x="1813" y="3476"/>
+                  </a:lnTo>
+                  <a:lnTo>
+                    <a:pt x="1874" y="3476"/>
+                  </a:lnTo>
+                  <a:lnTo>
+                    <a:pt x="1936" y="3467"/>
+                  </a:lnTo>
+                  <a:lnTo>
+                    <a:pt x="1998" y="3450"/>
+                  </a:lnTo>
+                  <a:lnTo>
+                    <a:pt x="2062" y="3424"/>
+                  </a:lnTo>
+                  <a:lnTo>
+                    <a:pt x="2127" y="3391"/>
+                  </a:lnTo>
+                  <a:lnTo>
+                    <a:pt x="2189" y="3351"/>
+                  </a:lnTo>
+                  <a:lnTo>
+                    <a:pt x="2253" y="3302"/>
+                  </a:lnTo>
+                  <a:lnTo>
+                    <a:pt x="2314" y="3246"/>
+                  </a:lnTo>
+                  <a:lnTo>
+                    <a:pt x="2375" y="3183"/>
+                  </a:lnTo>
+                  <a:lnTo>
+                    <a:pt x="2431" y="3114"/>
+                  </a:lnTo>
+                  <a:lnTo>
+                    <a:pt x="2487" y="3037"/>
+                  </a:lnTo>
+                  <a:lnTo>
+                    <a:pt x="2540" y="2954"/>
+                  </a:lnTo>
+                  <a:lnTo>
+                    <a:pt x="2588" y="2864"/>
+                  </a:lnTo>
+                  <a:lnTo>
+                    <a:pt x="2632" y="2769"/>
+                  </a:lnTo>
+                  <a:lnTo>
+                    <a:pt x="2674" y="2668"/>
+                  </a:lnTo>
+                  <a:lnTo>
+                    <a:pt x="2709" y="2561"/>
+                  </a:lnTo>
+                  <a:lnTo>
+                    <a:pt x="2739" y="2448"/>
+                  </a:lnTo>
+                  <a:lnTo>
+                    <a:pt x="2764" y="2330"/>
+                  </a:lnTo>
+                  <a:lnTo>
+                    <a:pt x="2782" y="2207"/>
+                  </a:lnTo>
+                  <a:lnTo>
+                    <a:pt x="2794" y="2079"/>
+                  </a:lnTo>
+                  <a:lnTo>
+                    <a:pt x="2799" y="1946"/>
+                  </a:lnTo>
+                  <a:lnTo>
+                    <a:pt x="2796" y="1809"/>
+                  </a:lnTo>
+                  <a:lnTo>
+                    <a:pt x="2785" y="1667"/>
+                  </a:lnTo>
+                  <a:lnTo>
+                    <a:pt x="2776" y="1595"/>
+                  </a:lnTo>
+                  <a:lnTo>
+                    <a:pt x="2765" y="1518"/>
+                  </a:lnTo>
+                  <a:lnTo>
+                    <a:pt x="2738" y="1367"/>
+                  </a:lnTo>
+                  <a:lnTo>
+                    <a:pt x="2704" y="1222"/>
+                  </a:lnTo>
+                  <a:lnTo>
+                    <a:pt x="2664" y="1082"/>
+                  </a:lnTo>
+                  <a:lnTo>
+                    <a:pt x="2617" y="950"/>
+                  </a:lnTo>
+                  <a:lnTo>
+                    <a:pt x="2564" y="822"/>
+                  </a:lnTo>
+                  <a:lnTo>
+                    <a:pt x="2506" y="704"/>
+                  </a:lnTo>
+                  <a:lnTo>
+                    <a:pt x="2443" y="593"/>
+                  </a:lnTo>
+                  <a:lnTo>
+                    <a:pt x="2375" y="489"/>
+                  </a:lnTo>
+                  <a:lnTo>
+                    <a:pt x="2302" y="394"/>
+                  </a:lnTo>
+                  <a:lnTo>
+                    <a:pt x="2224" y="308"/>
+                  </a:lnTo>
+                  <a:lnTo>
+                    <a:pt x="2142" y="232"/>
+                  </a:lnTo>
+                  <a:lnTo>
+                    <a:pt x="2058" y="165"/>
+                  </a:lnTo>
+                  <a:lnTo>
+                    <a:pt x="1968" y="109"/>
+                  </a:lnTo>
+                  <a:lnTo>
+                    <a:pt x="1876" y="65"/>
+                  </a:lnTo>
+                  <a:lnTo>
+                    <a:pt x="1780" y="31"/>
+                  </a:lnTo>
+                  <a:lnTo>
+                    <a:pt x="1682" y="9"/>
+                  </a:lnTo>
+                  <a:lnTo>
+                    <a:pt x="1581" y="0"/>
+                  </a:lnTo>
+                  <a:lnTo>
+                    <a:pt x="1477" y="2"/>
+                  </a:lnTo>
+                  <a:lnTo>
+                    <a:pt x="1372" y="19"/>
+                  </a:lnTo>
+                  <a:lnTo>
+                    <a:pt x="1265" y="49"/>
+                  </a:lnTo>
+                  <a:lnTo>
+                    <a:pt x="1157" y="93"/>
+                  </a:lnTo>
+                  <a:lnTo>
+                    <a:pt x="1048" y="152"/>
+                  </a:lnTo>
+                  <a:lnTo>
+                    <a:pt x="937" y="225"/>
+                  </a:lnTo>
+                  <a:lnTo>
+                    <a:pt x="826" y="315"/>
+                  </a:lnTo>
+                  <a:lnTo>
+                    <a:pt x="714" y="420"/>
+                  </a:lnTo>
+                  <a:lnTo>
+                    <a:pt x="603" y="542"/>
+                  </a:lnTo>
+                  <a:lnTo>
+                    <a:pt x="492" y="681"/>
+                  </a:lnTo>
+                  <a:lnTo>
+                    <a:pt x="381" y="836"/>
+                  </a:lnTo>
+                  <a:lnTo>
+                    <a:pt x="270" y="1010"/>
+                  </a:lnTo>
+                  <a:lnTo>
+                    <a:pt x="162" y="1202"/>
+                  </a:lnTo>
+                  <a:lnTo>
+                    <a:pt x="54" y="1413"/>
+                  </a:lnTo>
+                  <a:lnTo>
+                    <a:pt x="0" y="1525"/>
+                  </a:lnTo>
+                  <a:lnTo>
+                    <a:pt x="23" y="2079"/>
+                  </a:lnTo>
+                  <a:close/>
+                </a:path>
+              </a:pathLst>
+            </a:custGeom>
+            <a:solidFill>
+              <a:srgbClr val="69EBFC"/>
+            </a:solidFill>
+            <a:ln>
+              <a:noFill/>
+            </a:ln>
+          </p:spPr>
+          <p:txBody>
+            <a:bodyPr anchorCtr="0" anchor="t" bIns="45700" lIns="91425" spcFirstLastPara="1" rIns="91425" wrap="square" tIns="45700">
+              <a:noAutofit/>
+            </a:bodyPr>
+            <a:lstStyle/>
+            <a:p>
+              <a:pPr indent="0" lvl="0" marL="0" marR="0" rtl="0" algn="l">
+                <a:spcBef>
+                  <a:spcPts val="0"/>
+                </a:spcBef>
+                <a:spcAft>
+                  <a:spcPts val="0"/>
+                </a:spcAft>
+                <a:buNone/>
+              </a:pPr>
+              <a:r>
+                <a:t/>
+              </a:r>
+              <a:endParaRPr sz="1800">
+                <a:solidFill>
+                  <a:schemeClr val="dk1"/>
+                </a:solidFill>
+                <a:latin typeface="Arial"/>
+                <a:ea typeface="Arial"/>
+                <a:cs typeface="Arial"/>
+                <a:sym typeface="Arial"/>
+              </a:endParaRPr>
+            </a:p>
+          </p:txBody>
+        </p:sp>
+        <p:sp>
+          <p:nvSpPr>
+            <p:cNvPr id="184" name="Google Shape;184;p3"/>
+            <p:cNvSpPr/>
+            <p:nvPr/>
+          </p:nvSpPr>
+          <p:spPr>
+            <a:xfrm>
               <a:off x="1440201" y="2734469"/>
               <a:ext cx="566738" cy="566738"/>
             </a:xfrm>
@@ -26259,7 +26347,7 @@
         </p:sp>
         <p:sp>
           <p:nvSpPr>
-            <p:cNvPr id="183" name="Google Shape;183;p3"/>
+            <p:cNvPr id="185" name="Google Shape;185;p3"/>
             <p:cNvSpPr/>
             <p:nvPr/>
           </p:nvSpPr>
@@ -26730,7 +26818,7 @@
         </p:sp>
         <p:sp>
           <p:nvSpPr>
-            <p:cNvPr id="184" name="Google Shape;184;p3"/>
+            <p:cNvPr id="186" name="Google Shape;186;p3"/>
             <p:cNvSpPr/>
             <p:nvPr/>
           </p:nvSpPr>
@@ -26992,7 +27080,7 @@
       </p:grpSp>
       <p:grpSp>
         <p:nvGrpSpPr>
-          <p:cNvPr id="185" name="Google Shape;185;p3"/>
+          <p:cNvPr id="187" name="Google Shape;187;p3"/>
           <p:cNvGrpSpPr/>
           <p:nvPr/>
         </p:nvGrpSpPr>
@@ -27006,7 +27094,7 @@
         </p:grpSpPr>
         <p:sp>
           <p:nvSpPr>
-            <p:cNvPr id="186" name="Google Shape;186;p3"/>
+            <p:cNvPr id="188" name="Google Shape;188;p3"/>
             <p:cNvSpPr/>
             <p:nvPr/>
           </p:nvSpPr>
@@ -27861,7 +27949,7 @@
         </p:sp>
         <p:sp>
           <p:nvSpPr>
-            <p:cNvPr id="187" name="Google Shape;187;p3"/>
+            <p:cNvPr id="189" name="Google Shape;189;p3"/>
             <p:cNvSpPr/>
             <p:nvPr/>
           </p:nvSpPr>
@@ -29145,7 +29233,7 @@
       </p:grpSp>
       <p:cxnSp>
         <p:nvCxnSpPr>
-          <p:cNvPr id="188" name="Google Shape;188;p3"/>
+          <p:cNvPr id="190" name="Google Shape;190;p3"/>
           <p:cNvCxnSpPr/>
           <p:nvPr/>
         </p:nvCxnSpPr>
@@ -29171,7 +29259,7 @@
       </p:cxnSp>
       <p:sp>
         <p:nvSpPr>
-          <p:cNvPr id="189" name="Google Shape;189;p3"/>
+          <p:cNvPr id="191" name="Google Shape;191;p3"/>
           <p:cNvSpPr/>
           <p:nvPr/>
         </p:nvSpPr>
@@ -29218,7 +29306,7 @@
       </p:sp>
       <p:sp>
         <p:nvSpPr>
-          <p:cNvPr id="190" name="Google Shape;190;p3"/>
+          <p:cNvPr id="192" name="Google Shape;192;p3"/>
           <p:cNvSpPr/>
           <p:nvPr/>
         </p:nvSpPr>
@@ -29265,7 +29353,7 @@
       </p:sp>
       <p:cxnSp>
         <p:nvCxnSpPr>
-          <p:cNvPr id="191" name="Google Shape;191;p3"/>
+          <p:cNvPr id="193" name="Google Shape;193;p3"/>
           <p:cNvCxnSpPr/>
           <p:nvPr/>
         </p:nvCxnSpPr>
@@ -29293,7 +29381,7 @@
       </p:cxnSp>
       <p:cxnSp>
         <p:nvCxnSpPr>
-          <p:cNvPr id="192" name="Google Shape;192;p3"/>
+          <p:cNvPr id="194" name="Google Shape;194;p3"/>
           <p:cNvCxnSpPr/>
           <p:nvPr/>
         </p:nvCxnSpPr>
@@ -29319,7 +29407,7 @@
       </p:cxnSp>
       <p:cxnSp>
         <p:nvCxnSpPr>
-          <p:cNvPr id="193" name="Google Shape;193;p3"/>
+          <p:cNvPr id="195" name="Google Shape;195;p3"/>
           <p:cNvCxnSpPr/>
           <p:nvPr/>
         </p:nvCxnSpPr>
@@ -29345,7 +29433,7 @@
       </p:cxnSp>
       <p:sp>
         <p:nvSpPr>
-          <p:cNvPr id="194" name="Google Shape;194;p3"/>
+          <p:cNvPr id="196" name="Google Shape;196;p3"/>
           <p:cNvSpPr/>
           <p:nvPr/>
         </p:nvSpPr>
@@ -29406,7 +29494,7 @@
   <p:cSld>
     <p:spTree>
       <p:nvGrpSpPr>
-        <p:cNvPr id="198" name="Shape 198"/>
+        <p:cNvPr id="200" name="Shape 200"/>
         <p:cNvGrpSpPr/>
         <p:nvPr/>
       </p:nvGrpSpPr>
@@ -29420,7 +29508,7 @@
       </p:grpSpPr>
       <p:grpSp>
         <p:nvGrpSpPr>
-          <p:cNvPr id="199" name="Google Shape;199;p5"/>
+          <p:cNvPr id="201" name="Google Shape;201;p5"/>
           <p:cNvGrpSpPr/>
           <p:nvPr/>
         </p:nvGrpSpPr>
@@ -29434,7 +29522,7 @@
         </p:grpSpPr>
         <p:sp>
           <p:nvSpPr>
-            <p:cNvPr id="200" name="Google Shape;200;p5"/>
+            <p:cNvPr id="202" name="Google Shape;202;p5"/>
             <p:cNvSpPr/>
             <p:nvPr/>
           </p:nvSpPr>
@@ -29613,7 +29701,7 @@
         </p:sp>
         <p:sp>
           <p:nvSpPr>
-            <p:cNvPr id="201" name="Google Shape;201;p5"/>
+            <p:cNvPr id="203" name="Google Shape;203;p5"/>
             <p:cNvSpPr/>
             <p:nvPr/>
           </p:nvSpPr>
@@ -29738,7 +29826,7 @@
         </p:sp>
         <p:sp>
           <p:nvSpPr>
-            <p:cNvPr id="202" name="Google Shape;202;p5"/>
+            <p:cNvPr id="204" name="Google Shape;204;p5"/>
             <p:cNvSpPr/>
             <p:nvPr/>
           </p:nvSpPr>
@@ -29839,7 +29927,7 @@
         </p:sp>
         <p:sp>
           <p:nvSpPr>
-            <p:cNvPr id="203" name="Google Shape;203;p5"/>
+            <p:cNvPr id="205" name="Google Shape;205;p5"/>
             <p:cNvSpPr/>
             <p:nvPr/>
           </p:nvSpPr>
@@ -29887,208 +29975,6 @@
                   </a:lnTo>
                   <a:lnTo>
                     <a:pt x="451" y="34"/>
-                  </a:lnTo>
-                  <a:lnTo>
-                    <a:pt x="429" y="12"/>
-                  </a:lnTo>
-                  <a:lnTo>
-                    <a:pt x="401" y="1"/>
-                  </a:lnTo>
-                  <a:lnTo>
-                    <a:pt x="385" y="0"/>
-                  </a:lnTo>
-                  <a:close/>
-                </a:path>
-              </a:pathLst>
-            </a:custGeom>
-            <a:solidFill>
-              <a:srgbClr val="69EBFC"/>
-            </a:solidFill>
-            <a:ln>
-              <a:noFill/>
-            </a:ln>
-          </p:spPr>
-          <p:txBody>
-            <a:bodyPr anchorCtr="0" anchor="t" bIns="45700" lIns="91425" spcFirstLastPara="1" rIns="91425" wrap="square" tIns="45700">
-              <a:noAutofit/>
-            </a:bodyPr>
-            <a:lstStyle/>
-            <a:p>
-              <a:pPr indent="0" lvl="0" marL="0" marR="0" rtl="0" algn="l">
-                <a:spcBef>
-                  <a:spcPts val="0"/>
-                </a:spcBef>
-                <a:spcAft>
-                  <a:spcPts val="0"/>
-                </a:spcAft>
-                <a:buNone/>
-              </a:pPr>
-              <a:r>
-                <a:t/>
-              </a:r>
-              <a:endParaRPr sz="1800">
-                <a:solidFill>
-                  <a:schemeClr val="dk1"/>
-                </a:solidFill>
-                <a:latin typeface="Arial"/>
-                <a:ea typeface="Arial"/>
-                <a:cs typeface="Arial"/>
-                <a:sym typeface="Arial"/>
-              </a:endParaRPr>
-            </a:p>
-          </p:txBody>
-        </p:sp>
-        <p:sp>
-          <p:nvSpPr>
-            <p:cNvPr id="204" name="Google Shape;204;p5"/>
-            <p:cNvSpPr/>
-            <p:nvPr/>
-          </p:nvSpPr>
-          <p:spPr>
-            <a:xfrm>
-              <a:off x="2751266" y="6486525"/>
-              <a:ext cx="147638" cy="117475"/>
-            </a:xfrm>
-            <a:custGeom>
-              <a:rect b="b" l="l" r="r" t="t"/>
-              <a:pathLst>
-                <a:path extrusionOk="0" h="367" w="464">
-                  <a:moveTo>
-                    <a:pt x="385" y="0"/>
-                  </a:moveTo>
-                  <a:lnTo>
-                    <a:pt x="79" y="0"/>
-                  </a:lnTo>
-                  <a:lnTo>
-                    <a:pt x="64" y="1"/>
-                  </a:lnTo>
-                  <a:lnTo>
-                    <a:pt x="35" y="12"/>
-                  </a:lnTo>
-                  <a:lnTo>
-                    <a:pt x="14" y="34"/>
-                  </a:lnTo>
-                  <a:lnTo>
-                    <a:pt x="1" y="63"/>
-                  </a:lnTo>
-                  <a:lnTo>
-                    <a:pt x="0" y="79"/>
-                  </a:lnTo>
-                  <a:lnTo>
-                    <a:pt x="0" y="367"/>
-                  </a:lnTo>
-                  <a:lnTo>
-                    <a:pt x="464" y="367"/>
-                  </a:lnTo>
-                  <a:lnTo>
-                    <a:pt x="464" y="79"/>
-                  </a:lnTo>
-                  <a:lnTo>
-                    <a:pt x="463" y="63"/>
-                  </a:lnTo>
-                  <a:lnTo>
-                    <a:pt x="451" y="34"/>
-                  </a:lnTo>
-                  <a:lnTo>
-                    <a:pt x="430" y="12"/>
-                  </a:lnTo>
-                  <a:lnTo>
-                    <a:pt x="401" y="1"/>
-                  </a:lnTo>
-                  <a:lnTo>
-                    <a:pt x="385" y="0"/>
-                  </a:lnTo>
-                  <a:close/>
-                </a:path>
-              </a:pathLst>
-            </a:custGeom>
-            <a:solidFill>
-              <a:srgbClr val="69EBFC"/>
-            </a:solidFill>
-            <a:ln>
-              <a:noFill/>
-            </a:ln>
-          </p:spPr>
-          <p:txBody>
-            <a:bodyPr anchorCtr="0" anchor="t" bIns="45700" lIns="91425" spcFirstLastPara="1" rIns="91425" wrap="square" tIns="45700">
-              <a:noAutofit/>
-            </a:bodyPr>
-            <a:lstStyle/>
-            <a:p>
-              <a:pPr indent="0" lvl="0" marL="0" marR="0" rtl="0" algn="l">
-                <a:spcBef>
-                  <a:spcPts val="0"/>
-                </a:spcBef>
-                <a:spcAft>
-                  <a:spcPts val="0"/>
-                </a:spcAft>
-                <a:buNone/>
-              </a:pPr>
-              <a:r>
-                <a:t/>
-              </a:r>
-              <a:endParaRPr sz="1800">
-                <a:solidFill>
-                  <a:schemeClr val="dk1"/>
-                </a:solidFill>
-                <a:latin typeface="Arial"/>
-                <a:ea typeface="Arial"/>
-                <a:cs typeface="Arial"/>
-                <a:sym typeface="Arial"/>
-              </a:endParaRPr>
-            </a:p>
-          </p:txBody>
-        </p:sp>
-        <p:sp>
-          <p:nvSpPr>
-            <p:cNvPr id="205" name="Google Shape;205;p5"/>
-            <p:cNvSpPr/>
-            <p:nvPr/>
-          </p:nvSpPr>
-          <p:spPr>
-            <a:xfrm>
-              <a:off x="2963991" y="6486525"/>
-              <a:ext cx="147638" cy="117475"/>
-            </a:xfrm>
-            <a:custGeom>
-              <a:rect b="b" l="l" r="r" t="t"/>
-              <a:pathLst>
-                <a:path extrusionOk="0" h="367" w="465">
-                  <a:moveTo>
-                    <a:pt x="385" y="0"/>
-                  </a:moveTo>
-                  <a:lnTo>
-                    <a:pt x="80" y="0"/>
-                  </a:lnTo>
-                  <a:lnTo>
-                    <a:pt x="63" y="1"/>
-                  </a:lnTo>
-                  <a:lnTo>
-                    <a:pt x="35" y="12"/>
-                  </a:lnTo>
-                  <a:lnTo>
-                    <a:pt x="13" y="34"/>
-                  </a:lnTo>
-                  <a:lnTo>
-                    <a:pt x="1" y="63"/>
-                  </a:lnTo>
-                  <a:lnTo>
-                    <a:pt x="0" y="79"/>
-                  </a:lnTo>
-                  <a:lnTo>
-                    <a:pt x="0" y="367"/>
-                  </a:lnTo>
-                  <a:lnTo>
-                    <a:pt x="465" y="367"/>
-                  </a:lnTo>
-                  <a:lnTo>
-                    <a:pt x="465" y="79"/>
-                  </a:lnTo>
-                  <a:lnTo>
-                    <a:pt x="464" y="63"/>
-                  </a:lnTo>
-                  <a:lnTo>
-                    <a:pt x="452" y="34"/>
                   </a:lnTo>
                   <a:lnTo>
                     <a:pt x="429" y="12"/>
@@ -30148,6 +30034,208 @@
           </p:nvSpPr>
           <p:spPr>
             <a:xfrm>
+              <a:off x="2751266" y="6486525"/>
+              <a:ext cx="147638" cy="117475"/>
+            </a:xfrm>
+            <a:custGeom>
+              <a:rect b="b" l="l" r="r" t="t"/>
+              <a:pathLst>
+                <a:path extrusionOk="0" h="367" w="464">
+                  <a:moveTo>
+                    <a:pt x="385" y="0"/>
+                  </a:moveTo>
+                  <a:lnTo>
+                    <a:pt x="79" y="0"/>
+                  </a:lnTo>
+                  <a:lnTo>
+                    <a:pt x="64" y="1"/>
+                  </a:lnTo>
+                  <a:lnTo>
+                    <a:pt x="35" y="12"/>
+                  </a:lnTo>
+                  <a:lnTo>
+                    <a:pt x="14" y="34"/>
+                  </a:lnTo>
+                  <a:lnTo>
+                    <a:pt x="1" y="63"/>
+                  </a:lnTo>
+                  <a:lnTo>
+                    <a:pt x="0" y="79"/>
+                  </a:lnTo>
+                  <a:lnTo>
+                    <a:pt x="0" y="367"/>
+                  </a:lnTo>
+                  <a:lnTo>
+                    <a:pt x="464" y="367"/>
+                  </a:lnTo>
+                  <a:lnTo>
+                    <a:pt x="464" y="79"/>
+                  </a:lnTo>
+                  <a:lnTo>
+                    <a:pt x="463" y="63"/>
+                  </a:lnTo>
+                  <a:lnTo>
+                    <a:pt x="451" y="34"/>
+                  </a:lnTo>
+                  <a:lnTo>
+                    <a:pt x="430" y="12"/>
+                  </a:lnTo>
+                  <a:lnTo>
+                    <a:pt x="401" y="1"/>
+                  </a:lnTo>
+                  <a:lnTo>
+                    <a:pt x="385" y="0"/>
+                  </a:lnTo>
+                  <a:close/>
+                </a:path>
+              </a:pathLst>
+            </a:custGeom>
+            <a:solidFill>
+              <a:srgbClr val="69EBFC"/>
+            </a:solidFill>
+            <a:ln>
+              <a:noFill/>
+            </a:ln>
+          </p:spPr>
+          <p:txBody>
+            <a:bodyPr anchorCtr="0" anchor="t" bIns="45700" lIns="91425" spcFirstLastPara="1" rIns="91425" wrap="square" tIns="45700">
+              <a:noAutofit/>
+            </a:bodyPr>
+            <a:lstStyle/>
+            <a:p>
+              <a:pPr indent="0" lvl="0" marL="0" marR="0" rtl="0" algn="l">
+                <a:spcBef>
+                  <a:spcPts val="0"/>
+                </a:spcBef>
+                <a:spcAft>
+                  <a:spcPts val="0"/>
+                </a:spcAft>
+                <a:buNone/>
+              </a:pPr>
+              <a:r>
+                <a:t/>
+              </a:r>
+              <a:endParaRPr sz="1800">
+                <a:solidFill>
+                  <a:schemeClr val="dk1"/>
+                </a:solidFill>
+                <a:latin typeface="Arial"/>
+                <a:ea typeface="Arial"/>
+                <a:cs typeface="Arial"/>
+                <a:sym typeface="Arial"/>
+              </a:endParaRPr>
+            </a:p>
+          </p:txBody>
+        </p:sp>
+        <p:sp>
+          <p:nvSpPr>
+            <p:cNvPr id="207" name="Google Shape;207;p5"/>
+            <p:cNvSpPr/>
+            <p:nvPr/>
+          </p:nvSpPr>
+          <p:spPr>
+            <a:xfrm>
+              <a:off x="2963991" y="6486525"/>
+              <a:ext cx="147638" cy="117475"/>
+            </a:xfrm>
+            <a:custGeom>
+              <a:rect b="b" l="l" r="r" t="t"/>
+              <a:pathLst>
+                <a:path extrusionOk="0" h="367" w="465">
+                  <a:moveTo>
+                    <a:pt x="385" y="0"/>
+                  </a:moveTo>
+                  <a:lnTo>
+                    <a:pt x="80" y="0"/>
+                  </a:lnTo>
+                  <a:lnTo>
+                    <a:pt x="63" y="1"/>
+                  </a:lnTo>
+                  <a:lnTo>
+                    <a:pt x="35" y="12"/>
+                  </a:lnTo>
+                  <a:lnTo>
+                    <a:pt x="13" y="34"/>
+                  </a:lnTo>
+                  <a:lnTo>
+                    <a:pt x="1" y="63"/>
+                  </a:lnTo>
+                  <a:lnTo>
+                    <a:pt x="0" y="79"/>
+                  </a:lnTo>
+                  <a:lnTo>
+                    <a:pt x="0" y="367"/>
+                  </a:lnTo>
+                  <a:lnTo>
+                    <a:pt x="465" y="367"/>
+                  </a:lnTo>
+                  <a:lnTo>
+                    <a:pt x="465" y="79"/>
+                  </a:lnTo>
+                  <a:lnTo>
+                    <a:pt x="464" y="63"/>
+                  </a:lnTo>
+                  <a:lnTo>
+                    <a:pt x="452" y="34"/>
+                  </a:lnTo>
+                  <a:lnTo>
+                    <a:pt x="429" y="12"/>
+                  </a:lnTo>
+                  <a:lnTo>
+                    <a:pt x="401" y="1"/>
+                  </a:lnTo>
+                  <a:lnTo>
+                    <a:pt x="385" y="0"/>
+                  </a:lnTo>
+                  <a:close/>
+                </a:path>
+              </a:pathLst>
+            </a:custGeom>
+            <a:solidFill>
+              <a:srgbClr val="69EBFC"/>
+            </a:solidFill>
+            <a:ln>
+              <a:noFill/>
+            </a:ln>
+          </p:spPr>
+          <p:txBody>
+            <a:bodyPr anchorCtr="0" anchor="t" bIns="45700" lIns="91425" spcFirstLastPara="1" rIns="91425" wrap="square" tIns="45700">
+              <a:noAutofit/>
+            </a:bodyPr>
+            <a:lstStyle/>
+            <a:p>
+              <a:pPr indent="0" lvl="0" marL="0" marR="0" rtl="0" algn="l">
+                <a:spcBef>
+                  <a:spcPts val="0"/>
+                </a:spcBef>
+                <a:spcAft>
+                  <a:spcPts val="0"/>
+                </a:spcAft>
+                <a:buNone/>
+              </a:pPr>
+              <a:r>
+                <a:t/>
+              </a:r>
+              <a:endParaRPr sz="1800">
+                <a:solidFill>
+                  <a:schemeClr val="dk1"/>
+                </a:solidFill>
+                <a:latin typeface="Arial"/>
+                <a:ea typeface="Arial"/>
+                <a:cs typeface="Arial"/>
+                <a:sym typeface="Arial"/>
+              </a:endParaRPr>
+            </a:p>
+          </p:txBody>
+        </p:sp>
+        <p:sp>
+          <p:nvSpPr>
+            <p:cNvPr id="208" name="Google Shape;208;p5"/>
+            <p:cNvSpPr/>
+            <p:nvPr/>
+          </p:nvSpPr>
+          <p:spPr>
+            <a:xfrm>
               <a:off x="1997204" y="6781800"/>
               <a:ext cx="176213" cy="57150"/>
             </a:xfrm>
@@ -30243,7 +30331,7 @@
         </p:sp>
         <p:sp>
           <p:nvSpPr>
-            <p:cNvPr id="207" name="Google Shape;207;p5"/>
+            <p:cNvPr id="209" name="Google Shape;209;p5"/>
             <p:cNvSpPr/>
             <p:nvPr/>
           </p:nvSpPr>
@@ -30345,7 +30433,7 @@
       </p:grpSp>
       <p:sp>
         <p:nvSpPr>
-          <p:cNvPr id="208" name="Google Shape;208;p5"/>
+          <p:cNvPr id="210" name="Google Shape;210;p5"/>
           <p:cNvSpPr/>
           <p:nvPr/>
         </p:nvSpPr>
@@ -30399,7 +30487,7 @@
       </p:sp>
       <p:sp>
         <p:nvSpPr>
-          <p:cNvPr id="209" name="Google Shape;209;p5"/>
+          <p:cNvPr id="211" name="Google Shape;211;p5"/>
           <p:cNvSpPr/>
           <p:nvPr/>
         </p:nvSpPr>
@@ -30449,7 +30537,7 @@
       </p:sp>
       <p:sp>
         <p:nvSpPr>
-          <p:cNvPr id="210" name="Google Shape;210;p5"/>
+          <p:cNvPr id="212" name="Google Shape;212;p5"/>
           <p:cNvSpPr txBox="1"/>
           <p:nvPr/>
         </p:nvSpPr>
@@ -30638,7 +30726,7 @@
       </p:sp>
       <p:grpSp>
         <p:nvGrpSpPr>
-          <p:cNvPr id="211" name="Google Shape;211;p5"/>
+          <p:cNvPr id="213" name="Google Shape;213;p5"/>
           <p:cNvGrpSpPr/>
           <p:nvPr/>
         </p:nvGrpSpPr>
@@ -30652,7 +30740,7 @@
         </p:grpSpPr>
         <p:sp>
           <p:nvSpPr>
-            <p:cNvPr id="212" name="Google Shape;212;p5"/>
+            <p:cNvPr id="214" name="Google Shape;214;p5"/>
             <p:cNvSpPr/>
             <p:nvPr/>
           </p:nvSpPr>
@@ -30913,616 +31001,6 @@
                   </a:lnTo>
                   <a:lnTo>
                     <a:pt x="2677" y="2617"/>
-                  </a:lnTo>
-                  <a:close/>
-                </a:path>
-              </a:pathLst>
-            </a:custGeom>
-            <a:solidFill>
-              <a:srgbClr val="69EBFC"/>
-            </a:solidFill>
-            <a:ln>
-              <a:noFill/>
-            </a:ln>
-          </p:spPr>
-          <p:txBody>
-            <a:bodyPr anchorCtr="0" anchor="t" bIns="45700" lIns="91425" spcFirstLastPara="1" rIns="91425" wrap="square" tIns="45700">
-              <a:noAutofit/>
-            </a:bodyPr>
-            <a:lstStyle/>
-            <a:p>
-              <a:pPr indent="0" lvl="0" marL="0" marR="0" rtl="0" algn="l">
-                <a:spcBef>
-                  <a:spcPts val="0"/>
-                </a:spcBef>
-                <a:spcAft>
-                  <a:spcPts val="0"/>
-                </a:spcAft>
-                <a:buNone/>
-              </a:pPr>
-              <a:r>
-                <a:t/>
-              </a:r>
-              <a:endParaRPr sz="1800">
-                <a:solidFill>
-                  <a:schemeClr val="dk1"/>
-                </a:solidFill>
-                <a:latin typeface="Arial"/>
-                <a:ea typeface="Arial"/>
-                <a:cs typeface="Arial"/>
-                <a:sym typeface="Arial"/>
-              </a:endParaRPr>
-            </a:p>
-          </p:txBody>
-        </p:sp>
-        <p:sp>
-          <p:nvSpPr>
-            <p:cNvPr id="213" name="Google Shape;213;p5"/>
-            <p:cNvSpPr/>
-            <p:nvPr/>
-          </p:nvSpPr>
-          <p:spPr>
-            <a:xfrm>
-              <a:off x="962363" y="3039269"/>
-              <a:ext cx="1062037" cy="901698"/>
-            </a:xfrm>
-            <a:custGeom>
-              <a:rect b="b" l="l" r="r" t="t"/>
-              <a:pathLst>
-                <a:path extrusionOk="0" h="2837" w="3345">
-                  <a:moveTo>
-                    <a:pt x="2189" y="0"/>
-                  </a:moveTo>
-                  <a:lnTo>
-                    <a:pt x="2169" y="27"/>
-                  </a:lnTo>
-                  <a:lnTo>
-                    <a:pt x="2012" y="204"/>
-                  </a:lnTo>
-                  <a:lnTo>
-                    <a:pt x="1892" y="314"/>
-                  </a:lnTo>
-                  <a:lnTo>
-                    <a:pt x="1799" y="391"/>
-                  </a:lnTo>
-                  <a:lnTo>
-                    <a:pt x="1694" y="467"/>
-                  </a:lnTo>
-                  <a:lnTo>
-                    <a:pt x="1579" y="538"/>
-                  </a:lnTo>
-                  <a:lnTo>
-                    <a:pt x="1453" y="603"/>
-                  </a:lnTo>
-                  <a:lnTo>
-                    <a:pt x="1318" y="658"/>
-                  </a:lnTo>
-                  <a:lnTo>
-                    <a:pt x="1173" y="699"/>
-                  </a:lnTo>
-                  <a:lnTo>
-                    <a:pt x="1020" y="726"/>
-                  </a:lnTo>
-                  <a:lnTo>
-                    <a:pt x="899" y="732"/>
-                  </a:lnTo>
-                  <a:lnTo>
-                    <a:pt x="817" y="730"/>
-                  </a:lnTo>
-                  <a:lnTo>
-                    <a:pt x="733" y="723"/>
-                  </a:lnTo>
-                  <a:lnTo>
-                    <a:pt x="647" y="709"/>
-                  </a:lnTo>
-                  <a:lnTo>
-                    <a:pt x="602" y="699"/>
-                  </a:lnTo>
-                  <a:lnTo>
-                    <a:pt x="559" y="690"/>
-                  </a:lnTo>
-                  <a:lnTo>
-                    <a:pt x="477" y="680"/>
-                  </a:lnTo>
-                  <a:lnTo>
-                    <a:pt x="403" y="680"/>
-                  </a:lnTo>
-                  <a:lnTo>
-                    <a:pt x="333" y="689"/>
-                  </a:lnTo>
-                  <a:lnTo>
-                    <a:pt x="271" y="706"/>
-                  </a:lnTo>
-                  <a:lnTo>
-                    <a:pt x="214" y="732"/>
-                  </a:lnTo>
-                  <a:lnTo>
-                    <a:pt x="164" y="764"/>
-                  </a:lnTo>
-                  <a:lnTo>
-                    <a:pt x="121" y="804"/>
-                  </a:lnTo>
-                  <a:lnTo>
-                    <a:pt x="85" y="850"/>
-                  </a:lnTo>
-                  <a:lnTo>
-                    <a:pt x="53" y="902"/>
-                  </a:lnTo>
-                  <a:lnTo>
-                    <a:pt x="30" y="960"/>
-                  </a:lnTo>
-                  <a:lnTo>
-                    <a:pt x="13" y="1024"/>
-                  </a:lnTo>
-                  <a:lnTo>
-                    <a:pt x="3" y="1092"/>
-                  </a:lnTo>
-                  <a:lnTo>
-                    <a:pt x="0" y="1163"/>
-                  </a:lnTo>
-                  <a:lnTo>
-                    <a:pt x="4" y="1239"/>
-                  </a:lnTo>
-                  <a:lnTo>
-                    <a:pt x="14" y="1317"/>
-                  </a:lnTo>
-                  <a:lnTo>
-                    <a:pt x="32" y="1399"/>
-                  </a:lnTo>
-                  <a:lnTo>
-                    <a:pt x="57" y="1481"/>
-                  </a:lnTo>
-                  <a:lnTo>
-                    <a:pt x="88" y="1567"/>
-                  </a:lnTo>
-                  <a:lnTo>
-                    <a:pt x="127" y="1653"/>
-                  </a:lnTo>
-                  <a:lnTo>
-                    <a:pt x="173" y="1739"/>
-                  </a:lnTo>
-                  <a:lnTo>
-                    <a:pt x="225" y="1826"/>
-                  </a:lnTo>
-                  <a:lnTo>
-                    <a:pt x="287" y="1913"/>
-                  </a:lnTo>
-                  <a:lnTo>
-                    <a:pt x="354" y="1999"/>
-                  </a:lnTo>
-                  <a:lnTo>
-                    <a:pt x="428" y="2083"/>
-                  </a:lnTo>
-                  <a:lnTo>
-                    <a:pt x="511" y="2165"/>
-                  </a:lnTo>
-                  <a:lnTo>
-                    <a:pt x="601" y="2246"/>
-                  </a:lnTo>
-                  <a:lnTo>
-                    <a:pt x="698" y="2324"/>
-                  </a:lnTo>
-                  <a:lnTo>
-                    <a:pt x="803" y="2397"/>
-                  </a:lnTo>
-                  <a:lnTo>
-                    <a:pt x="916" y="2469"/>
-                  </a:lnTo>
-                  <a:lnTo>
-                    <a:pt x="1036" y="2535"/>
-                  </a:lnTo>
-                  <a:lnTo>
-                    <a:pt x="1165" y="2596"/>
-                  </a:lnTo>
-                  <a:lnTo>
-                    <a:pt x="1232" y="2624"/>
-                  </a:lnTo>
-                  <a:lnTo>
-                    <a:pt x="1304" y="2654"/>
-                  </a:lnTo>
-                  <a:lnTo>
-                    <a:pt x="1448" y="2705"/>
-                  </a:lnTo>
-                  <a:lnTo>
-                    <a:pt x="1591" y="2748"/>
-                  </a:lnTo>
-                  <a:lnTo>
-                    <a:pt x="1732" y="2782"/>
-                  </a:lnTo>
-                  <a:lnTo>
-                    <a:pt x="1870" y="2809"/>
-                  </a:lnTo>
-                  <a:lnTo>
-                    <a:pt x="2006" y="2827"/>
-                  </a:lnTo>
-                  <a:lnTo>
-                    <a:pt x="2138" y="2836"/>
-                  </a:lnTo>
-                  <a:lnTo>
-                    <a:pt x="2266" y="2837"/>
-                  </a:lnTo>
-                  <a:lnTo>
-                    <a:pt x="2390" y="2830"/>
-                  </a:lnTo>
-                  <a:lnTo>
-                    <a:pt x="2508" y="2814"/>
-                  </a:lnTo>
-                  <a:lnTo>
-                    <a:pt x="2622" y="2790"/>
-                  </a:lnTo>
-                  <a:lnTo>
-                    <a:pt x="2728" y="2758"/>
-                  </a:lnTo>
-                  <a:lnTo>
-                    <a:pt x="2828" y="2717"/>
-                  </a:lnTo>
-                  <a:lnTo>
-                    <a:pt x="2922" y="2667"/>
-                  </a:lnTo>
-                  <a:lnTo>
-                    <a:pt x="3007" y="2609"/>
-                  </a:lnTo>
-                  <a:lnTo>
-                    <a:pt x="3084" y="2544"/>
-                  </a:lnTo>
-                  <a:lnTo>
-                    <a:pt x="3152" y="2470"/>
-                  </a:lnTo>
-                  <a:lnTo>
-                    <a:pt x="3211" y="2386"/>
-                  </a:lnTo>
-                  <a:lnTo>
-                    <a:pt x="3259" y="2296"/>
-                  </a:lnTo>
-                  <a:lnTo>
-                    <a:pt x="3298" y="2197"/>
-                  </a:lnTo>
-                  <a:lnTo>
-                    <a:pt x="3325" y="2089"/>
-                  </a:lnTo>
-                  <a:lnTo>
-                    <a:pt x="3342" y="1973"/>
-                  </a:lnTo>
-                  <a:lnTo>
-                    <a:pt x="3345" y="1848"/>
-                  </a:lnTo>
-                  <a:lnTo>
-                    <a:pt x="3337" y="1716"/>
-                  </a:lnTo>
-                  <a:lnTo>
-                    <a:pt x="3315" y="1575"/>
-                  </a:lnTo>
-                  <a:lnTo>
-                    <a:pt x="3279" y="1427"/>
-                  </a:lnTo>
-                  <a:lnTo>
-                    <a:pt x="3230" y="1269"/>
-                  </a:lnTo>
-                  <a:lnTo>
-                    <a:pt x="3165" y="1103"/>
-                  </a:lnTo>
-                  <a:lnTo>
-                    <a:pt x="3086" y="929"/>
-                  </a:lnTo>
-                  <a:lnTo>
-                    <a:pt x="2990" y="747"/>
-                  </a:lnTo>
-                  <a:lnTo>
-                    <a:pt x="2879" y="556"/>
-                  </a:lnTo>
-                  <a:lnTo>
-                    <a:pt x="2750" y="358"/>
-                  </a:lnTo>
-                  <a:lnTo>
-                    <a:pt x="2679" y="255"/>
-                  </a:lnTo>
-                  <a:lnTo>
-                    <a:pt x="2189" y="0"/>
-                  </a:lnTo>
-                  <a:close/>
-                </a:path>
-              </a:pathLst>
-            </a:custGeom>
-            <a:solidFill>
-              <a:srgbClr val="69EBFC"/>
-            </a:solidFill>
-            <a:ln>
-              <a:noFill/>
-            </a:ln>
-          </p:spPr>
-          <p:txBody>
-            <a:bodyPr anchorCtr="0" anchor="t" bIns="45700" lIns="91425" spcFirstLastPara="1" rIns="91425" wrap="square" tIns="45700">
-              <a:noAutofit/>
-            </a:bodyPr>
-            <a:lstStyle/>
-            <a:p>
-              <a:pPr indent="0" lvl="0" marL="0" marR="0" rtl="0" algn="l">
-                <a:spcBef>
-                  <a:spcPts val="0"/>
-                </a:spcBef>
-                <a:spcAft>
-                  <a:spcPts val="0"/>
-                </a:spcAft>
-                <a:buNone/>
-              </a:pPr>
-              <a:r>
-                <a:t/>
-              </a:r>
-              <a:endParaRPr sz="1800">
-                <a:solidFill>
-                  <a:schemeClr val="dk1"/>
-                </a:solidFill>
-                <a:latin typeface="Arial"/>
-                <a:ea typeface="Arial"/>
-                <a:cs typeface="Arial"/>
-                <a:sym typeface="Arial"/>
-              </a:endParaRPr>
-            </a:p>
-          </p:txBody>
-        </p:sp>
-        <p:sp>
-          <p:nvSpPr>
-            <p:cNvPr id="214" name="Google Shape;214;p5"/>
-            <p:cNvSpPr/>
-            <p:nvPr/>
-          </p:nvSpPr>
-          <p:spPr>
-            <a:xfrm>
-              <a:off x="1795801" y="2399506"/>
-              <a:ext cx="888997" cy="1103317"/>
-            </a:xfrm>
-            <a:custGeom>
-              <a:rect b="b" l="l" r="r" t="t"/>
-              <a:pathLst>
-                <a:path extrusionOk="0" h="3476" w="2799">
-                  <a:moveTo>
-                    <a:pt x="23" y="2079"/>
-                  </a:moveTo>
-                  <a:lnTo>
-                    <a:pt x="58" y="2082"/>
-                  </a:lnTo>
-                  <a:lnTo>
-                    <a:pt x="289" y="2129"/>
-                  </a:lnTo>
-                  <a:lnTo>
-                    <a:pt x="445" y="2177"/>
-                  </a:lnTo>
-                  <a:lnTo>
-                    <a:pt x="558" y="2221"/>
-                  </a:lnTo>
-                  <a:lnTo>
-                    <a:pt x="676" y="2273"/>
-                  </a:lnTo>
-                  <a:lnTo>
-                    <a:pt x="796" y="2338"/>
-                  </a:lnTo>
-                  <a:lnTo>
-                    <a:pt x="915" y="2414"/>
-                  </a:lnTo>
-                  <a:lnTo>
-                    <a:pt x="1030" y="2504"/>
-                  </a:lnTo>
-                  <a:lnTo>
-                    <a:pt x="1138" y="2608"/>
-                  </a:lnTo>
-                  <a:lnTo>
-                    <a:pt x="1237" y="2727"/>
-                  </a:lnTo>
-                  <a:lnTo>
-                    <a:pt x="1303" y="2829"/>
-                  </a:lnTo>
-                  <a:lnTo>
-                    <a:pt x="1342" y="2901"/>
-                  </a:lnTo>
-                  <a:lnTo>
-                    <a:pt x="1378" y="2978"/>
-                  </a:lnTo>
-                  <a:lnTo>
-                    <a:pt x="1409" y="3058"/>
-                  </a:lnTo>
-                  <a:lnTo>
-                    <a:pt x="1424" y="3102"/>
-                  </a:lnTo>
-                  <a:lnTo>
-                    <a:pt x="1437" y="3143"/>
-                  </a:lnTo>
-                  <a:lnTo>
-                    <a:pt x="1470" y="3219"/>
-                  </a:lnTo>
-                  <a:lnTo>
-                    <a:pt x="1506" y="3285"/>
-                  </a:lnTo>
-                  <a:lnTo>
-                    <a:pt x="1549" y="3341"/>
-                  </a:lnTo>
-                  <a:lnTo>
-                    <a:pt x="1596" y="3387"/>
-                  </a:lnTo>
-                  <a:lnTo>
-                    <a:pt x="1645" y="3422"/>
-                  </a:lnTo>
-                  <a:lnTo>
-                    <a:pt x="1698" y="3449"/>
-                  </a:lnTo>
-                  <a:lnTo>
-                    <a:pt x="1754" y="3467"/>
-                  </a:lnTo>
-                  <a:lnTo>
-                    <a:pt x="1813" y="3476"/>
-                  </a:lnTo>
-                  <a:lnTo>
-                    <a:pt x="1874" y="3476"/>
-                  </a:lnTo>
-                  <a:lnTo>
-                    <a:pt x="1936" y="3467"/>
-                  </a:lnTo>
-                  <a:lnTo>
-                    <a:pt x="1998" y="3450"/>
-                  </a:lnTo>
-                  <a:lnTo>
-                    <a:pt x="2062" y="3424"/>
-                  </a:lnTo>
-                  <a:lnTo>
-                    <a:pt x="2127" y="3391"/>
-                  </a:lnTo>
-                  <a:lnTo>
-                    <a:pt x="2189" y="3351"/>
-                  </a:lnTo>
-                  <a:lnTo>
-                    <a:pt x="2253" y="3302"/>
-                  </a:lnTo>
-                  <a:lnTo>
-                    <a:pt x="2314" y="3246"/>
-                  </a:lnTo>
-                  <a:lnTo>
-                    <a:pt x="2375" y="3183"/>
-                  </a:lnTo>
-                  <a:lnTo>
-                    <a:pt x="2431" y="3114"/>
-                  </a:lnTo>
-                  <a:lnTo>
-                    <a:pt x="2487" y="3037"/>
-                  </a:lnTo>
-                  <a:lnTo>
-                    <a:pt x="2540" y="2954"/>
-                  </a:lnTo>
-                  <a:lnTo>
-                    <a:pt x="2588" y="2864"/>
-                  </a:lnTo>
-                  <a:lnTo>
-                    <a:pt x="2632" y="2769"/>
-                  </a:lnTo>
-                  <a:lnTo>
-                    <a:pt x="2674" y="2668"/>
-                  </a:lnTo>
-                  <a:lnTo>
-                    <a:pt x="2709" y="2561"/>
-                  </a:lnTo>
-                  <a:lnTo>
-                    <a:pt x="2739" y="2448"/>
-                  </a:lnTo>
-                  <a:lnTo>
-                    <a:pt x="2764" y="2330"/>
-                  </a:lnTo>
-                  <a:lnTo>
-                    <a:pt x="2782" y="2207"/>
-                  </a:lnTo>
-                  <a:lnTo>
-                    <a:pt x="2794" y="2079"/>
-                  </a:lnTo>
-                  <a:lnTo>
-                    <a:pt x="2799" y="1946"/>
-                  </a:lnTo>
-                  <a:lnTo>
-                    <a:pt x="2796" y="1809"/>
-                  </a:lnTo>
-                  <a:lnTo>
-                    <a:pt x="2785" y="1667"/>
-                  </a:lnTo>
-                  <a:lnTo>
-                    <a:pt x="2776" y="1595"/>
-                  </a:lnTo>
-                  <a:lnTo>
-                    <a:pt x="2765" y="1518"/>
-                  </a:lnTo>
-                  <a:lnTo>
-                    <a:pt x="2738" y="1367"/>
-                  </a:lnTo>
-                  <a:lnTo>
-                    <a:pt x="2704" y="1222"/>
-                  </a:lnTo>
-                  <a:lnTo>
-                    <a:pt x="2664" y="1082"/>
-                  </a:lnTo>
-                  <a:lnTo>
-                    <a:pt x="2617" y="950"/>
-                  </a:lnTo>
-                  <a:lnTo>
-                    <a:pt x="2564" y="822"/>
-                  </a:lnTo>
-                  <a:lnTo>
-                    <a:pt x="2506" y="704"/>
-                  </a:lnTo>
-                  <a:lnTo>
-                    <a:pt x="2443" y="593"/>
-                  </a:lnTo>
-                  <a:lnTo>
-                    <a:pt x="2375" y="489"/>
-                  </a:lnTo>
-                  <a:lnTo>
-                    <a:pt x="2302" y="394"/>
-                  </a:lnTo>
-                  <a:lnTo>
-                    <a:pt x="2224" y="308"/>
-                  </a:lnTo>
-                  <a:lnTo>
-                    <a:pt x="2142" y="232"/>
-                  </a:lnTo>
-                  <a:lnTo>
-                    <a:pt x="2058" y="165"/>
-                  </a:lnTo>
-                  <a:lnTo>
-                    <a:pt x="1968" y="109"/>
-                  </a:lnTo>
-                  <a:lnTo>
-                    <a:pt x="1876" y="65"/>
-                  </a:lnTo>
-                  <a:lnTo>
-                    <a:pt x="1780" y="31"/>
-                  </a:lnTo>
-                  <a:lnTo>
-                    <a:pt x="1682" y="9"/>
-                  </a:lnTo>
-                  <a:lnTo>
-                    <a:pt x="1581" y="0"/>
-                  </a:lnTo>
-                  <a:lnTo>
-                    <a:pt x="1477" y="2"/>
-                  </a:lnTo>
-                  <a:lnTo>
-                    <a:pt x="1372" y="19"/>
-                  </a:lnTo>
-                  <a:lnTo>
-                    <a:pt x="1265" y="49"/>
-                  </a:lnTo>
-                  <a:lnTo>
-                    <a:pt x="1157" y="93"/>
-                  </a:lnTo>
-                  <a:lnTo>
-                    <a:pt x="1048" y="152"/>
-                  </a:lnTo>
-                  <a:lnTo>
-                    <a:pt x="937" y="225"/>
-                  </a:lnTo>
-                  <a:lnTo>
-                    <a:pt x="826" y="315"/>
-                  </a:lnTo>
-                  <a:lnTo>
-                    <a:pt x="714" y="420"/>
-                  </a:lnTo>
-                  <a:lnTo>
-                    <a:pt x="603" y="542"/>
-                  </a:lnTo>
-                  <a:lnTo>
-                    <a:pt x="492" y="681"/>
-                  </a:lnTo>
-                  <a:lnTo>
-                    <a:pt x="381" y="836"/>
-                  </a:lnTo>
-                  <a:lnTo>
-                    <a:pt x="270" y="1010"/>
-                  </a:lnTo>
-                  <a:lnTo>
-                    <a:pt x="162" y="1202"/>
-                  </a:lnTo>
-                  <a:lnTo>
-                    <a:pt x="54" y="1413"/>
-                  </a:lnTo>
-                  <a:lnTo>
-                    <a:pt x="0" y="1525"/>
-                  </a:lnTo>
-                  <a:lnTo>
-                    <a:pt x="23" y="2079"/>
                   </a:lnTo>
                   <a:close/>
                 </a:path>
@@ -31573,6 +31051,616 @@
           </p:nvSpPr>
           <p:spPr>
             <a:xfrm>
+              <a:off x="962363" y="3039269"/>
+              <a:ext cx="1062037" cy="901698"/>
+            </a:xfrm>
+            <a:custGeom>
+              <a:rect b="b" l="l" r="r" t="t"/>
+              <a:pathLst>
+                <a:path extrusionOk="0" h="2837" w="3345">
+                  <a:moveTo>
+                    <a:pt x="2189" y="0"/>
+                  </a:moveTo>
+                  <a:lnTo>
+                    <a:pt x="2169" y="27"/>
+                  </a:lnTo>
+                  <a:lnTo>
+                    <a:pt x="2012" y="204"/>
+                  </a:lnTo>
+                  <a:lnTo>
+                    <a:pt x="1892" y="314"/>
+                  </a:lnTo>
+                  <a:lnTo>
+                    <a:pt x="1799" y="391"/>
+                  </a:lnTo>
+                  <a:lnTo>
+                    <a:pt x="1694" y="467"/>
+                  </a:lnTo>
+                  <a:lnTo>
+                    <a:pt x="1579" y="538"/>
+                  </a:lnTo>
+                  <a:lnTo>
+                    <a:pt x="1453" y="603"/>
+                  </a:lnTo>
+                  <a:lnTo>
+                    <a:pt x="1318" y="658"/>
+                  </a:lnTo>
+                  <a:lnTo>
+                    <a:pt x="1173" y="699"/>
+                  </a:lnTo>
+                  <a:lnTo>
+                    <a:pt x="1020" y="726"/>
+                  </a:lnTo>
+                  <a:lnTo>
+                    <a:pt x="899" y="732"/>
+                  </a:lnTo>
+                  <a:lnTo>
+                    <a:pt x="817" y="730"/>
+                  </a:lnTo>
+                  <a:lnTo>
+                    <a:pt x="733" y="723"/>
+                  </a:lnTo>
+                  <a:lnTo>
+                    <a:pt x="647" y="709"/>
+                  </a:lnTo>
+                  <a:lnTo>
+                    <a:pt x="602" y="699"/>
+                  </a:lnTo>
+                  <a:lnTo>
+                    <a:pt x="559" y="690"/>
+                  </a:lnTo>
+                  <a:lnTo>
+                    <a:pt x="477" y="680"/>
+                  </a:lnTo>
+                  <a:lnTo>
+                    <a:pt x="403" y="680"/>
+                  </a:lnTo>
+                  <a:lnTo>
+                    <a:pt x="333" y="689"/>
+                  </a:lnTo>
+                  <a:lnTo>
+                    <a:pt x="271" y="706"/>
+                  </a:lnTo>
+                  <a:lnTo>
+                    <a:pt x="214" y="732"/>
+                  </a:lnTo>
+                  <a:lnTo>
+                    <a:pt x="164" y="764"/>
+                  </a:lnTo>
+                  <a:lnTo>
+                    <a:pt x="121" y="804"/>
+                  </a:lnTo>
+                  <a:lnTo>
+                    <a:pt x="85" y="850"/>
+                  </a:lnTo>
+                  <a:lnTo>
+                    <a:pt x="53" y="902"/>
+                  </a:lnTo>
+                  <a:lnTo>
+                    <a:pt x="30" y="960"/>
+                  </a:lnTo>
+                  <a:lnTo>
+                    <a:pt x="13" y="1024"/>
+                  </a:lnTo>
+                  <a:lnTo>
+                    <a:pt x="3" y="1092"/>
+                  </a:lnTo>
+                  <a:lnTo>
+                    <a:pt x="0" y="1163"/>
+                  </a:lnTo>
+                  <a:lnTo>
+                    <a:pt x="4" y="1239"/>
+                  </a:lnTo>
+                  <a:lnTo>
+                    <a:pt x="14" y="1317"/>
+                  </a:lnTo>
+                  <a:lnTo>
+                    <a:pt x="32" y="1399"/>
+                  </a:lnTo>
+                  <a:lnTo>
+                    <a:pt x="57" y="1481"/>
+                  </a:lnTo>
+                  <a:lnTo>
+                    <a:pt x="88" y="1567"/>
+                  </a:lnTo>
+                  <a:lnTo>
+                    <a:pt x="127" y="1653"/>
+                  </a:lnTo>
+                  <a:lnTo>
+                    <a:pt x="173" y="1739"/>
+                  </a:lnTo>
+                  <a:lnTo>
+                    <a:pt x="225" y="1826"/>
+                  </a:lnTo>
+                  <a:lnTo>
+                    <a:pt x="287" y="1913"/>
+                  </a:lnTo>
+                  <a:lnTo>
+                    <a:pt x="354" y="1999"/>
+                  </a:lnTo>
+                  <a:lnTo>
+                    <a:pt x="428" y="2083"/>
+                  </a:lnTo>
+                  <a:lnTo>
+                    <a:pt x="511" y="2165"/>
+                  </a:lnTo>
+                  <a:lnTo>
+                    <a:pt x="601" y="2246"/>
+                  </a:lnTo>
+                  <a:lnTo>
+                    <a:pt x="698" y="2324"/>
+                  </a:lnTo>
+                  <a:lnTo>
+                    <a:pt x="803" y="2397"/>
+                  </a:lnTo>
+                  <a:lnTo>
+                    <a:pt x="916" y="2469"/>
+                  </a:lnTo>
+                  <a:lnTo>
+                    <a:pt x="1036" y="2535"/>
+                  </a:lnTo>
+                  <a:lnTo>
+                    <a:pt x="1165" y="2596"/>
+                  </a:lnTo>
+                  <a:lnTo>
+                    <a:pt x="1232" y="2624"/>
+                  </a:lnTo>
+                  <a:lnTo>
+                    <a:pt x="1304" y="2654"/>
+                  </a:lnTo>
+                  <a:lnTo>
+                    <a:pt x="1448" y="2705"/>
+                  </a:lnTo>
+                  <a:lnTo>
+                    <a:pt x="1591" y="2748"/>
+                  </a:lnTo>
+                  <a:lnTo>
+                    <a:pt x="1732" y="2782"/>
+                  </a:lnTo>
+                  <a:lnTo>
+                    <a:pt x="1870" y="2809"/>
+                  </a:lnTo>
+                  <a:lnTo>
+                    <a:pt x="2006" y="2827"/>
+                  </a:lnTo>
+                  <a:lnTo>
+                    <a:pt x="2138" y="2836"/>
+                  </a:lnTo>
+                  <a:lnTo>
+                    <a:pt x="2266" y="2837"/>
+                  </a:lnTo>
+                  <a:lnTo>
+                    <a:pt x="2390" y="2830"/>
+                  </a:lnTo>
+                  <a:lnTo>
+                    <a:pt x="2508" y="2814"/>
+                  </a:lnTo>
+                  <a:lnTo>
+                    <a:pt x="2622" y="2790"/>
+                  </a:lnTo>
+                  <a:lnTo>
+                    <a:pt x="2728" y="2758"/>
+                  </a:lnTo>
+                  <a:lnTo>
+                    <a:pt x="2828" y="2717"/>
+                  </a:lnTo>
+                  <a:lnTo>
+                    <a:pt x="2922" y="2667"/>
+                  </a:lnTo>
+                  <a:lnTo>
+                    <a:pt x="3007" y="2609"/>
+                  </a:lnTo>
+                  <a:lnTo>
+                    <a:pt x="3084" y="2544"/>
+                  </a:lnTo>
+                  <a:lnTo>
+                    <a:pt x="3152" y="2470"/>
+                  </a:lnTo>
+                  <a:lnTo>
+                    <a:pt x="3211" y="2386"/>
+                  </a:lnTo>
+                  <a:lnTo>
+                    <a:pt x="3259" y="2296"/>
+                  </a:lnTo>
+                  <a:lnTo>
+                    <a:pt x="3298" y="2197"/>
+                  </a:lnTo>
+                  <a:lnTo>
+                    <a:pt x="3325" y="2089"/>
+                  </a:lnTo>
+                  <a:lnTo>
+                    <a:pt x="3342" y="1973"/>
+                  </a:lnTo>
+                  <a:lnTo>
+                    <a:pt x="3345" y="1848"/>
+                  </a:lnTo>
+                  <a:lnTo>
+                    <a:pt x="3337" y="1716"/>
+                  </a:lnTo>
+                  <a:lnTo>
+                    <a:pt x="3315" y="1575"/>
+                  </a:lnTo>
+                  <a:lnTo>
+                    <a:pt x="3279" y="1427"/>
+                  </a:lnTo>
+                  <a:lnTo>
+                    <a:pt x="3230" y="1269"/>
+                  </a:lnTo>
+                  <a:lnTo>
+                    <a:pt x="3165" y="1103"/>
+                  </a:lnTo>
+                  <a:lnTo>
+                    <a:pt x="3086" y="929"/>
+                  </a:lnTo>
+                  <a:lnTo>
+                    <a:pt x="2990" y="747"/>
+                  </a:lnTo>
+                  <a:lnTo>
+                    <a:pt x="2879" y="556"/>
+                  </a:lnTo>
+                  <a:lnTo>
+                    <a:pt x="2750" y="358"/>
+                  </a:lnTo>
+                  <a:lnTo>
+                    <a:pt x="2679" y="255"/>
+                  </a:lnTo>
+                  <a:lnTo>
+                    <a:pt x="2189" y="0"/>
+                  </a:lnTo>
+                  <a:close/>
+                </a:path>
+              </a:pathLst>
+            </a:custGeom>
+            <a:solidFill>
+              <a:srgbClr val="69EBFC"/>
+            </a:solidFill>
+            <a:ln>
+              <a:noFill/>
+            </a:ln>
+          </p:spPr>
+          <p:txBody>
+            <a:bodyPr anchorCtr="0" anchor="t" bIns="45700" lIns="91425" spcFirstLastPara="1" rIns="91425" wrap="square" tIns="45700">
+              <a:noAutofit/>
+            </a:bodyPr>
+            <a:lstStyle/>
+            <a:p>
+              <a:pPr indent="0" lvl="0" marL="0" marR="0" rtl="0" algn="l">
+                <a:spcBef>
+                  <a:spcPts val="0"/>
+                </a:spcBef>
+                <a:spcAft>
+                  <a:spcPts val="0"/>
+                </a:spcAft>
+                <a:buNone/>
+              </a:pPr>
+              <a:r>
+                <a:t/>
+              </a:r>
+              <a:endParaRPr sz="1800">
+                <a:solidFill>
+                  <a:schemeClr val="dk1"/>
+                </a:solidFill>
+                <a:latin typeface="Arial"/>
+                <a:ea typeface="Arial"/>
+                <a:cs typeface="Arial"/>
+                <a:sym typeface="Arial"/>
+              </a:endParaRPr>
+            </a:p>
+          </p:txBody>
+        </p:sp>
+        <p:sp>
+          <p:nvSpPr>
+            <p:cNvPr id="216" name="Google Shape;216;p5"/>
+            <p:cNvSpPr/>
+            <p:nvPr/>
+          </p:nvSpPr>
+          <p:spPr>
+            <a:xfrm>
+              <a:off x="1795801" y="2399506"/>
+              <a:ext cx="888997" cy="1103317"/>
+            </a:xfrm>
+            <a:custGeom>
+              <a:rect b="b" l="l" r="r" t="t"/>
+              <a:pathLst>
+                <a:path extrusionOk="0" h="3476" w="2799">
+                  <a:moveTo>
+                    <a:pt x="23" y="2079"/>
+                  </a:moveTo>
+                  <a:lnTo>
+                    <a:pt x="58" y="2082"/>
+                  </a:lnTo>
+                  <a:lnTo>
+                    <a:pt x="289" y="2129"/>
+                  </a:lnTo>
+                  <a:lnTo>
+                    <a:pt x="445" y="2177"/>
+                  </a:lnTo>
+                  <a:lnTo>
+                    <a:pt x="558" y="2221"/>
+                  </a:lnTo>
+                  <a:lnTo>
+                    <a:pt x="676" y="2273"/>
+                  </a:lnTo>
+                  <a:lnTo>
+                    <a:pt x="796" y="2338"/>
+                  </a:lnTo>
+                  <a:lnTo>
+                    <a:pt x="915" y="2414"/>
+                  </a:lnTo>
+                  <a:lnTo>
+                    <a:pt x="1030" y="2504"/>
+                  </a:lnTo>
+                  <a:lnTo>
+                    <a:pt x="1138" y="2608"/>
+                  </a:lnTo>
+                  <a:lnTo>
+                    <a:pt x="1237" y="2727"/>
+                  </a:lnTo>
+                  <a:lnTo>
+                    <a:pt x="1303" y="2829"/>
+                  </a:lnTo>
+                  <a:lnTo>
+                    <a:pt x="1342" y="2901"/>
+                  </a:lnTo>
+                  <a:lnTo>
+                    <a:pt x="1378" y="2978"/>
+                  </a:lnTo>
+                  <a:lnTo>
+                    <a:pt x="1409" y="3058"/>
+                  </a:lnTo>
+                  <a:lnTo>
+                    <a:pt x="1424" y="3102"/>
+                  </a:lnTo>
+                  <a:lnTo>
+                    <a:pt x="1437" y="3143"/>
+                  </a:lnTo>
+                  <a:lnTo>
+                    <a:pt x="1470" y="3219"/>
+                  </a:lnTo>
+                  <a:lnTo>
+                    <a:pt x="1506" y="3285"/>
+                  </a:lnTo>
+                  <a:lnTo>
+                    <a:pt x="1549" y="3341"/>
+                  </a:lnTo>
+                  <a:lnTo>
+                    <a:pt x="1596" y="3387"/>
+                  </a:lnTo>
+                  <a:lnTo>
+                    <a:pt x="1645" y="3422"/>
+                  </a:lnTo>
+                  <a:lnTo>
+                    <a:pt x="1698" y="3449"/>
+                  </a:lnTo>
+                  <a:lnTo>
+                    <a:pt x="1754" y="3467"/>
+                  </a:lnTo>
+                  <a:lnTo>
+                    <a:pt x="1813" y="3476"/>
+                  </a:lnTo>
+                  <a:lnTo>
+                    <a:pt x="1874" y="3476"/>
+                  </a:lnTo>
+                  <a:lnTo>
+                    <a:pt x="1936" y="3467"/>
+                  </a:lnTo>
+                  <a:lnTo>
+                    <a:pt x="1998" y="3450"/>
+                  </a:lnTo>
+                  <a:lnTo>
+                    <a:pt x="2062" y="3424"/>
+                  </a:lnTo>
+                  <a:lnTo>
+                    <a:pt x="2127" y="3391"/>
+                  </a:lnTo>
+                  <a:lnTo>
+                    <a:pt x="2189" y="3351"/>
+                  </a:lnTo>
+                  <a:lnTo>
+                    <a:pt x="2253" y="3302"/>
+                  </a:lnTo>
+                  <a:lnTo>
+                    <a:pt x="2314" y="3246"/>
+                  </a:lnTo>
+                  <a:lnTo>
+                    <a:pt x="2375" y="3183"/>
+                  </a:lnTo>
+                  <a:lnTo>
+                    <a:pt x="2431" y="3114"/>
+                  </a:lnTo>
+                  <a:lnTo>
+                    <a:pt x="2487" y="3037"/>
+                  </a:lnTo>
+                  <a:lnTo>
+                    <a:pt x="2540" y="2954"/>
+                  </a:lnTo>
+                  <a:lnTo>
+                    <a:pt x="2588" y="2864"/>
+                  </a:lnTo>
+                  <a:lnTo>
+                    <a:pt x="2632" y="2769"/>
+                  </a:lnTo>
+                  <a:lnTo>
+                    <a:pt x="2674" y="2668"/>
+                  </a:lnTo>
+                  <a:lnTo>
+                    <a:pt x="2709" y="2561"/>
+                  </a:lnTo>
+                  <a:lnTo>
+                    <a:pt x="2739" y="2448"/>
+                  </a:lnTo>
+                  <a:lnTo>
+                    <a:pt x="2764" y="2330"/>
+                  </a:lnTo>
+                  <a:lnTo>
+                    <a:pt x="2782" y="2207"/>
+                  </a:lnTo>
+                  <a:lnTo>
+                    <a:pt x="2794" y="2079"/>
+                  </a:lnTo>
+                  <a:lnTo>
+                    <a:pt x="2799" y="1946"/>
+                  </a:lnTo>
+                  <a:lnTo>
+                    <a:pt x="2796" y="1809"/>
+                  </a:lnTo>
+                  <a:lnTo>
+                    <a:pt x="2785" y="1667"/>
+                  </a:lnTo>
+                  <a:lnTo>
+                    <a:pt x="2776" y="1595"/>
+                  </a:lnTo>
+                  <a:lnTo>
+                    <a:pt x="2765" y="1518"/>
+                  </a:lnTo>
+                  <a:lnTo>
+                    <a:pt x="2738" y="1367"/>
+                  </a:lnTo>
+                  <a:lnTo>
+                    <a:pt x="2704" y="1222"/>
+                  </a:lnTo>
+                  <a:lnTo>
+                    <a:pt x="2664" y="1082"/>
+                  </a:lnTo>
+                  <a:lnTo>
+                    <a:pt x="2617" y="950"/>
+                  </a:lnTo>
+                  <a:lnTo>
+                    <a:pt x="2564" y="822"/>
+                  </a:lnTo>
+                  <a:lnTo>
+                    <a:pt x="2506" y="704"/>
+                  </a:lnTo>
+                  <a:lnTo>
+                    <a:pt x="2443" y="593"/>
+                  </a:lnTo>
+                  <a:lnTo>
+                    <a:pt x="2375" y="489"/>
+                  </a:lnTo>
+                  <a:lnTo>
+                    <a:pt x="2302" y="394"/>
+                  </a:lnTo>
+                  <a:lnTo>
+                    <a:pt x="2224" y="308"/>
+                  </a:lnTo>
+                  <a:lnTo>
+                    <a:pt x="2142" y="232"/>
+                  </a:lnTo>
+                  <a:lnTo>
+                    <a:pt x="2058" y="165"/>
+                  </a:lnTo>
+                  <a:lnTo>
+                    <a:pt x="1968" y="109"/>
+                  </a:lnTo>
+                  <a:lnTo>
+                    <a:pt x="1876" y="65"/>
+                  </a:lnTo>
+                  <a:lnTo>
+                    <a:pt x="1780" y="31"/>
+                  </a:lnTo>
+                  <a:lnTo>
+                    <a:pt x="1682" y="9"/>
+                  </a:lnTo>
+                  <a:lnTo>
+                    <a:pt x="1581" y="0"/>
+                  </a:lnTo>
+                  <a:lnTo>
+                    <a:pt x="1477" y="2"/>
+                  </a:lnTo>
+                  <a:lnTo>
+                    <a:pt x="1372" y="19"/>
+                  </a:lnTo>
+                  <a:lnTo>
+                    <a:pt x="1265" y="49"/>
+                  </a:lnTo>
+                  <a:lnTo>
+                    <a:pt x="1157" y="93"/>
+                  </a:lnTo>
+                  <a:lnTo>
+                    <a:pt x="1048" y="152"/>
+                  </a:lnTo>
+                  <a:lnTo>
+                    <a:pt x="937" y="225"/>
+                  </a:lnTo>
+                  <a:lnTo>
+                    <a:pt x="826" y="315"/>
+                  </a:lnTo>
+                  <a:lnTo>
+                    <a:pt x="714" y="420"/>
+                  </a:lnTo>
+                  <a:lnTo>
+                    <a:pt x="603" y="542"/>
+                  </a:lnTo>
+                  <a:lnTo>
+                    <a:pt x="492" y="681"/>
+                  </a:lnTo>
+                  <a:lnTo>
+                    <a:pt x="381" y="836"/>
+                  </a:lnTo>
+                  <a:lnTo>
+                    <a:pt x="270" y="1010"/>
+                  </a:lnTo>
+                  <a:lnTo>
+                    <a:pt x="162" y="1202"/>
+                  </a:lnTo>
+                  <a:lnTo>
+                    <a:pt x="54" y="1413"/>
+                  </a:lnTo>
+                  <a:lnTo>
+                    <a:pt x="0" y="1525"/>
+                  </a:lnTo>
+                  <a:lnTo>
+                    <a:pt x="23" y="2079"/>
+                  </a:lnTo>
+                  <a:close/>
+                </a:path>
+              </a:pathLst>
+            </a:custGeom>
+            <a:solidFill>
+              <a:srgbClr val="69EBFC"/>
+            </a:solidFill>
+            <a:ln>
+              <a:noFill/>
+            </a:ln>
+          </p:spPr>
+          <p:txBody>
+            <a:bodyPr anchorCtr="0" anchor="t" bIns="45700" lIns="91425" spcFirstLastPara="1" rIns="91425" wrap="square" tIns="45700">
+              <a:noAutofit/>
+            </a:bodyPr>
+            <a:lstStyle/>
+            <a:p>
+              <a:pPr indent="0" lvl="0" marL="0" marR="0" rtl="0" algn="l">
+                <a:spcBef>
+                  <a:spcPts val="0"/>
+                </a:spcBef>
+                <a:spcAft>
+                  <a:spcPts val="0"/>
+                </a:spcAft>
+                <a:buNone/>
+              </a:pPr>
+              <a:r>
+                <a:t/>
+              </a:r>
+              <a:endParaRPr sz="1800">
+                <a:solidFill>
+                  <a:schemeClr val="dk1"/>
+                </a:solidFill>
+                <a:latin typeface="Arial"/>
+                <a:ea typeface="Arial"/>
+                <a:cs typeface="Arial"/>
+                <a:sym typeface="Arial"/>
+              </a:endParaRPr>
+            </a:p>
+          </p:txBody>
+        </p:sp>
+        <p:sp>
+          <p:nvSpPr>
+            <p:cNvPr id="217" name="Google Shape;217;p5"/>
+            <p:cNvSpPr/>
+            <p:nvPr/>
+          </p:nvSpPr>
+          <p:spPr>
+            <a:xfrm>
               <a:off x="1440201" y="2734469"/>
               <a:ext cx="566738" cy="566738"/>
             </a:xfrm>
@@ -31830,7 +31918,7 @@
         </p:sp>
         <p:sp>
           <p:nvSpPr>
-            <p:cNvPr id="216" name="Google Shape;216;p5"/>
+            <p:cNvPr id="218" name="Google Shape;218;p5"/>
             <p:cNvSpPr/>
             <p:nvPr/>
           </p:nvSpPr>
@@ -32301,7 +32389,7 @@
         </p:sp>
         <p:sp>
           <p:nvSpPr>
-            <p:cNvPr id="217" name="Google Shape;217;p5"/>
+            <p:cNvPr id="219" name="Google Shape;219;p5"/>
             <p:cNvSpPr/>
             <p:nvPr/>
           </p:nvSpPr>
@@ -32563,7 +32651,7 @@
       </p:grpSp>
       <p:grpSp>
         <p:nvGrpSpPr>
-          <p:cNvPr id="218" name="Google Shape;218;p5"/>
+          <p:cNvPr id="220" name="Google Shape;220;p5"/>
           <p:cNvGrpSpPr/>
           <p:nvPr/>
         </p:nvGrpSpPr>
@@ -32577,7 +32665,7 @@
         </p:grpSpPr>
         <p:sp>
           <p:nvSpPr>
-            <p:cNvPr id="219" name="Google Shape;219;p5"/>
+            <p:cNvPr id="221" name="Google Shape;221;p5"/>
             <p:cNvSpPr/>
             <p:nvPr/>
           </p:nvSpPr>
@@ -33432,7 +33520,7 @@
         </p:sp>
         <p:sp>
           <p:nvSpPr>
-            <p:cNvPr id="220" name="Google Shape;220;p5"/>
+            <p:cNvPr id="222" name="Google Shape;222;p5"/>
             <p:cNvSpPr/>
             <p:nvPr/>
           </p:nvSpPr>
@@ -34716,7 +34804,7 @@
       </p:grpSp>
       <p:pic>
         <p:nvPicPr>
-          <p:cNvPr id="221" name="Google Shape;221;p5"/>
+          <p:cNvPr id="223" name="Google Shape;223;p5"/>
           <p:cNvPicPr preferRelativeResize="0"/>
           <p:nvPr/>
         </p:nvPicPr>
@@ -34743,7 +34831,7 @@
       </p:pic>
       <p:pic>
         <p:nvPicPr>
-          <p:cNvPr id="222" name="Google Shape;222;p5"/>
+          <p:cNvPr id="224" name="Google Shape;224;p5"/>
           <p:cNvPicPr preferRelativeResize="0"/>
           <p:nvPr/>
         </p:nvPicPr>
@@ -34770,7 +34858,7 @@
       </p:pic>
       <p:pic>
         <p:nvPicPr>
-          <p:cNvPr id="223" name="Google Shape;223;p5"/>
+          <p:cNvPr id="225" name="Google Shape;225;p5"/>
           <p:cNvPicPr preferRelativeResize="0"/>
           <p:nvPr/>
         </p:nvPicPr>
@@ -34797,7 +34885,7 @@
       </p:pic>
       <p:pic>
         <p:nvPicPr>
-          <p:cNvPr id="224" name="Google Shape;224;p5"/>
+          <p:cNvPr id="226" name="Google Shape;226;p5"/>
           <p:cNvPicPr preferRelativeResize="0"/>
           <p:nvPr/>
         </p:nvPicPr>
@@ -34824,7 +34912,7 @@
       </p:pic>
       <p:pic>
         <p:nvPicPr>
-          <p:cNvPr id="225" name="Google Shape;225;p5"/>
+          <p:cNvPr id="227" name="Google Shape;227;p5"/>
           <p:cNvPicPr preferRelativeResize="0"/>
           <p:nvPr/>
         </p:nvPicPr>
@@ -34851,7 +34939,7 @@
       </p:pic>
       <p:pic>
         <p:nvPicPr>
-          <p:cNvPr id="226" name="Google Shape;226;p5"/>
+          <p:cNvPr id="228" name="Google Shape;228;p5"/>
           <p:cNvPicPr preferRelativeResize="0"/>
           <p:nvPr/>
         </p:nvPicPr>
@@ -34878,7 +34966,7 @@
       </p:pic>
       <p:pic>
         <p:nvPicPr>
-          <p:cNvPr id="227" name="Google Shape;227;p5"/>
+          <p:cNvPr id="229" name="Google Shape;229;p5"/>
           <p:cNvPicPr preferRelativeResize="0"/>
           <p:nvPr/>
         </p:nvPicPr>
@@ -34905,7 +34993,7 @@
       </p:pic>
       <p:pic>
         <p:nvPicPr>
-          <p:cNvPr id="228" name="Google Shape;228;p5"/>
+          <p:cNvPr id="230" name="Google Shape;230;p5"/>
           <p:cNvPicPr preferRelativeResize="0"/>
           <p:nvPr/>
         </p:nvPicPr>
@@ -34932,7 +35020,7 @@
       </p:pic>
       <p:pic>
         <p:nvPicPr>
-          <p:cNvPr id="229" name="Google Shape;229;p5"/>
+          <p:cNvPr id="231" name="Google Shape;231;p5"/>
           <p:cNvPicPr preferRelativeResize="0"/>
           <p:nvPr/>
         </p:nvPicPr>
@@ -34973,7 +35061,7 @@
   <p:cSld>
     <p:spTree>
       <p:nvGrpSpPr>
-        <p:cNvPr id="233" name="Shape 233"/>
+        <p:cNvPr id="235" name="Shape 235"/>
         <p:cNvGrpSpPr/>
         <p:nvPr/>
       </p:nvGrpSpPr>
@@ -34987,7 +35075,7 @@
       </p:grpSpPr>
       <p:grpSp>
         <p:nvGrpSpPr>
-          <p:cNvPr id="234" name="Google Shape;234;g75b7ceff41_0_0"/>
+          <p:cNvPr id="236" name="Google Shape;236;g75b7ceff41_0_0"/>
           <p:cNvGrpSpPr/>
           <p:nvPr/>
         </p:nvGrpSpPr>
@@ -35001,7 +35089,7 @@
         </p:grpSpPr>
         <p:sp>
           <p:nvSpPr>
-            <p:cNvPr id="235" name="Google Shape;235;g75b7ceff41_0_0"/>
+            <p:cNvPr id="237" name="Google Shape;237;g75b7ceff41_0_0"/>
             <p:cNvSpPr/>
             <p:nvPr/>
           </p:nvSpPr>
@@ -35180,7 +35268,7 @@
         </p:sp>
         <p:sp>
           <p:nvSpPr>
-            <p:cNvPr id="236" name="Google Shape;236;g75b7ceff41_0_0"/>
+            <p:cNvPr id="238" name="Google Shape;238;g75b7ceff41_0_0"/>
             <p:cNvSpPr/>
             <p:nvPr/>
           </p:nvSpPr>
@@ -35305,7 +35393,7 @@
         </p:sp>
         <p:sp>
           <p:nvSpPr>
-            <p:cNvPr id="237" name="Google Shape;237;g75b7ceff41_0_0"/>
+            <p:cNvPr id="239" name="Google Shape;239;g75b7ceff41_0_0"/>
             <p:cNvSpPr/>
             <p:nvPr/>
           </p:nvSpPr>
@@ -35406,7 +35494,7 @@
         </p:sp>
         <p:sp>
           <p:nvSpPr>
-            <p:cNvPr id="238" name="Google Shape;238;g75b7ceff41_0_0"/>
+            <p:cNvPr id="240" name="Google Shape;240;g75b7ceff41_0_0"/>
             <p:cNvSpPr/>
             <p:nvPr/>
           </p:nvSpPr>
@@ -35454,208 +35542,6 @@
                   </a:lnTo>
                   <a:lnTo>
                     <a:pt x="451" y="34"/>
-                  </a:lnTo>
-                  <a:lnTo>
-                    <a:pt x="429" y="12"/>
-                  </a:lnTo>
-                  <a:lnTo>
-                    <a:pt x="401" y="1"/>
-                  </a:lnTo>
-                  <a:lnTo>
-                    <a:pt x="385" y="0"/>
-                  </a:lnTo>
-                  <a:close/>
-                </a:path>
-              </a:pathLst>
-            </a:custGeom>
-            <a:solidFill>
-              <a:srgbClr val="69EBFC"/>
-            </a:solidFill>
-            <a:ln>
-              <a:noFill/>
-            </a:ln>
-          </p:spPr>
-          <p:txBody>
-            <a:bodyPr anchorCtr="0" anchor="t" bIns="45700" lIns="91425" spcFirstLastPara="1" rIns="91425" wrap="square" tIns="45700">
-              <a:noAutofit/>
-            </a:bodyPr>
-            <a:lstStyle/>
-            <a:p>
-              <a:pPr indent="0" lvl="0" marL="0" marR="0" rtl="0" algn="l">
-                <a:spcBef>
-                  <a:spcPts val="0"/>
-                </a:spcBef>
-                <a:spcAft>
-                  <a:spcPts val="0"/>
-                </a:spcAft>
-                <a:buNone/>
-              </a:pPr>
-              <a:r>
-                <a:t/>
-              </a:r>
-              <a:endParaRPr sz="1800">
-                <a:solidFill>
-                  <a:schemeClr val="dk1"/>
-                </a:solidFill>
-                <a:latin typeface="Arial"/>
-                <a:ea typeface="Arial"/>
-                <a:cs typeface="Arial"/>
-                <a:sym typeface="Arial"/>
-              </a:endParaRPr>
-            </a:p>
-          </p:txBody>
-        </p:sp>
-        <p:sp>
-          <p:nvSpPr>
-            <p:cNvPr id="239" name="Google Shape;239;g75b7ceff41_0_0"/>
-            <p:cNvSpPr/>
-            <p:nvPr/>
-          </p:nvSpPr>
-          <p:spPr>
-            <a:xfrm>
-              <a:off x="2751266" y="6486525"/>
-              <a:ext cx="147638" cy="117475"/>
-            </a:xfrm>
-            <a:custGeom>
-              <a:rect b="b" l="l" r="r" t="t"/>
-              <a:pathLst>
-                <a:path extrusionOk="0" h="367" w="464">
-                  <a:moveTo>
-                    <a:pt x="385" y="0"/>
-                  </a:moveTo>
-                  <a:lnTo>
-                    <a:pt x="79" y="0"/>
-                  </a:lnTo>
-                  <a:lnTo>
-                    <a:pt x="64" y="1"/>
-                  </a:lnTo>
-                  <a:lnTo>
-                    <a:pt x="35" y="12"/>
-                  </a:lnTo>
-                  <a:lnTo>
-                    <a:pt x="14" y="34"/>
-                  </a:lnTo>
-                  <a:lnTo>
-                    <a:pt x="1" y="63"/>
-                  </a:lnTo>
-                  <a:lnTo>
-                    <a:pt x="0" y="79"/>
-                  </a:lnTo>
-                  <a:lnTo>
-                    <a:pt x="0" y="367"/>
-                  </a:lnTo>
-                  <a:lnTo>
-                    <a:pt x="464" y="367"/>
-                  </a:lnTo>
-                  <a:lnTo>
-                    <a:pt x="464" y="79"/>
-                  </a:lnTo>
-                  <a:lnTo>
-                    <a:pt x="463" y="63"/>
-                  </a:lnTo>
-                  <a:lnTo>
-                    <a:pt x="451" y="34"/>
-                  </a:lnTo>
-                  <a:lnTo>
-                    <a:pt x="430" y="12"/>
-                  </a:lnTo>
-                  <a:lnTo>
-                    <a:pt x="401" y="1"/>
-                  </a:lnTo>
-                  <a:lnTo>
-                    <a:pt x="385" y="0"/>
-                  </a:lnTo>
-                  <a:close/>
-                </a:path>
-              </a:pathLst>
-            </a:custGeom>
-            <a:solidFill>
-              <a:srgbClr val="69EBFC"/>
-            </a:solidFill>
-            <a:ln>
-              <a:noFill/>
-            </a:ln>
-          </p:spPr>
-          <p:txBody>
-            <a:bodyPr anchorCtr="0" anchor="t" bIns="45700" lIns="91425" spcFirstLastPara="1" rIns="91425" wrap="square" tIns="45700">
-              <a:noAutofit/>
-            </a:bodyPr>
-            <a:lstStyle/>
-            <a:p>
-              <a:pPr indent="0" lvl="0" marL="0" marR="0" rtl="0" algn="l">
-                <a:spcBef>
-                  <a:spcPts val="0"/>
-                </a:spcBef>
-                <a:spcAft>
-                  <a:spcPts val="0"/>
-                </a:spcAft>
-                <a:buNone/>
-              </a:pPr>
-              <a:r>
-                <a:t/>
-              </a:r>
-              <a:endParaRPr sz="1800">
-                <a:solidFill>
-                  <a:schemeClr val="dk1"/>
-                </a:solidFill>
-                <a:latin typeface="Arial"/>
-                <a:ea typeface="Arial"/>
-                <a:cs typeface="Arial"/>
-                <a:sym typeface="Arial"/>
-              </a:endParaRPr>
-            </a:p>
-          </p:txBody>
-        </p:sp>
-        <p:sp>
-          <p:nvSpPr>
-            <p:cNvPr id="240" name="Google Shape;240;g75b7ceff41_0_0"/>
-            <p:cNvSpPr/>
-            <p:nvPr/>
-          </p:nvSpPr>
-          <p:spPr>
-            <a:xfrm>
-              <a:off x="2963991" y="6486525"/>
-              <a:ext cx="147638" cy="117475"/>
-            </a:xfrm>
-            <a:custGeom>
-              <a:rect b="b" l="l" r="r" t="t"/>
-              <a:pathLst>
-                <a:path extrusionOk="0" h="367" w="465">
-                  <a:moveTo>
-                    <a:pt x="385" y="0"/>
-                  </a:moveTo>
-                  <a:lnTo>
-                    <a:pt x="80" y="0"/>
-                  </a:lnTo>
-                  <a:lnTo>
-                    <a:pt x="63" y="1"/>
-                  </a:lnTo>
-                  <a:lnTo>
-                    <a:pt x="35" y="12"/>
-                  </a:lnTo>
-                  <a:lnTo>
-                    <a:pt x="13" y="34"/>
-                  </a:lnTo>
-                  <a:lnTo>
-                    <a:pt x="1" y="63"/>
-                  </a:lnTo>
-                  <a:lnTo>
-                    <a:pt x="0" y="79"/>
-                  </a:lnTo>
-                  <a:lnTo>
-                    <a:pt x="0" y="367"/>
-                  </a:lnTo>
-                  <a:lnTo>
-                    <a:pt x="465" y="367"/>
-                  </a:lnTo>
-                  <a:lnTo>
-                    <a:pt x="465" y="79"/>
-                  </a:lnTo>
-                  <a:lnTo>
-                    <a:pt x="464" y="63"/>
-                  </a:lnTo>
-                  <a:lnTo>
-                    <a:pt x="452" y="34"/>
                   </a:lnTo>
                   <a:lnTo>
                     <a:pt x="429" y="12"/>
@@ -35715,6 +35601,208 @@
           </p:nvSpPr>
           <p:spPr>
             <a:xfrm>
+              <a:off x="2751266" y="6486525"/>
+              <a:ext cx="147638" cy="117475"/>
+            </a:xfrm>
+            <a:custGeom>
+              <a:rect b="b" l="l" r="r" t="t"/>
+              <a:pathLst>
+                <a:path extrusionOk="0" h="367" w="464">
+                  <a:moveTo>
+                    <a:pt x="385" y="0"/>
+                  </a:moveTo>
+                  <a:lnTo>
+                    <a:pt x="79" y="0"/>
+                  </a:lnTo>
+                  <a:lnTo>
+                    <a:pt x="64" y="1"/>
+                  </a:lnTo>
+                  <a:lnTo>
+                    <a:pt x="35" y="12"/>
+                  </a:lnTo>
+                  <a:lnTo>
+                    <a:pt x="14" y="34"/>
+                  </a:lnTo>
+                  <a:lnTo>
+                    <a:pt x="1" y="63"/>
+                  </a:lnTo>
+                  <a:lnTo>
+                    <a:pt x="0" y="79"/>
+                  </a:lnTo>
+                  <a:lnTo>
+                    <a:pt x="0" y="367"/>
+                  </a:lnTo>
+                  <a:lnTo>
+                    <a:pt x="464" y="367"/>
+                  </a:lnTo>
+                  <a:lnTo>
+                    <a:pt x="464" y="79"/>
+                  </a:lnTo>
+                  <a:lnTo>
+                    <a:pt x="463" y="63"/>
+                  </a:lnTo>
+                  <a:lnTo>
+                    <a:pt x="451" y="34"/>
+                  </a:lnTo>
+                  <a:lnTo>
+                    <a:pt x="430" y="12"/>
+                  </a:lnTo>
+                  <a:lnTo>
+                    <a:pt x="401" y="1"/>
+                  </a:lnTo>
+                  <a:lnTo>
+                    <a:pt x="385" y="0"/>
+                  </a:lnTo>
+                  <a:close/>
+                </a:path>
+              </a:pathLst>
+            </a:custGeom>
+            <a:solidFill>
+              <a:srgbClr val="69EBFC"/>
+            </a:solidFill>
+            <a:ln>
+              <a:noFill/>
+            </a:ln>
+          </p:spPr>
+          <p:txBody>
+            <a:bodyPr anchorCtr="0" anchor="t" bIns="45700" lIns="91425" spcFirstLastPara="1" rIns="91425" wrap="square" tIns="45700">
+              <a:noAutofit/>
+            </a:bodyPr>
+            <a:lstStyle/>
+            <a:p>
+              <a:pPr indent="0" lvl="0" marL="0" marR="0" rtl="0" algn="l">
+                <a:spcBef>
+                  <a:spcPts val="0"/>
+                </a:spcBef>
+                <a:spcAft>
+                  <a:spcPts val="0"/>
+                </a:spcAft>
+                <a:buNone/>
+              </a:pPr>
+              <a:r>
+                <a:t/>
+              </a:r>
+              <a:endParaRPr sz="1800">
+                <a:solidFill>
+                  <a:schemeClr val="dk1"/>
+                </a:solidFill>
+                <a:latin typeface="Arial"/>
+                <a:ea typeface="Arial"/>
+                <a:cs typeface="Arial"/>
+                <a:sym typeface="Arial"/>
+              </a:endParaRPr>
+            </a:p>
+          </p:txBody>
+        </p:sp>
+        <p:sp>
+          <p:nvSpPr>
+            <p:cNvPr id="242" name="Google Shape;242;g75b7ceff41_0_0"/>
+            <p:cNvSpPr/>
+            <p:nvPr/>
+          </p:nvSpPr>
+          <p:spPr>
+            <a:xfrm>
+              <a:off x="2963991" y="6486525"/>
+              <a:ext cx="147638" cy="117475"/>
+            </a:xfrm>
+            <a:custGeom>
+              <a:rect b="b" l="l" r="r" t="t"/>
+              <a:pathLst>
+                <a:path extrusionOk="0" h="367" w="465">
+                  <a:moveTo>
+                    <a:pt x="385" y="0"/>
+                  </a:moveTo>
+                  <a:lnTo>
+                    <a:pt x="80" y="0"/>
+                  </a:lnTo>
+                  <a:lnTo>
+                    <a:pt x="63" y="1"/>
+                  </a:lnTo>
+                  <a:lnTo>
+                    <a:pt x="35" y="12"/>
+                  </a:lnTo>
+                  <a:lnTo>
+                    <a:pt x="13" y="34"/>
+                  </a:lnTo>
+                  <a:lnTo>
+                    <a:pt x="1" y="63"/>
+                  </a:lnTo>
+                  <a:lnTo>
+                    <a:pt x="0" y="79"/>
+                  </a:lnTo>
+                  <a:lnTo>
+                    <a:pt x="0" y="367"/>
+                  </a:lnTo>
+                  <a:lnTo>
+                    <a:pt x="465" y="367"/>
+                  </a:lnTo>
+                  <a:lnTo>
+                    <a:pt x="465" y="79"/>
+                  </a:lnTo>
+                  <a:lnTo>
+                    <a:pt x="464" y="63"/>
+                  </a:lnTo>
+                  <a:lnTo>
+                    <a:pt x="452" y="34"/>
+                  </a:lnTo>
+                  <a:lnTo>
+                    <a:pt x="429" y="12"/>
+                  </a:lnTo>
+                  <a:lnTo>
+                    <a:pt x="401" y="1"/>
+                  </a:lnTo>
+                  <a:lnTo>
+                    <a:pt x="385" y="0"/>
+                  </a:lnTo>
+                  <a:close/>
+                </a:path>
+              </a:pathLst>
+            </a:custGeom>
+            <a:solidFill>
+              <a:srgbClr val="69EBFC"/>
+            </a:solidFill>
+            <a:ln>
+              <a:noFill/>
+            </a:ln>
+          </p:spPr>
+          <p:txBody>
+            <a:bodyPr anchorCtr="0" anchor="t" bIns="45700" lIns="91425" spcFirstLastPara="1" rIns="91425" wrap="square" tIns="45700">
+              <a:noAutofit/>
+            </a:bodyPr>
+            <a:lstStyle/>
+            <a:p>
+              <a:pPr indent="0" lvl="0" marL="0" marR="0" rtl="0" algn="l">
+                <a:spcBef>
+                  <a:spcPts val="0"/>
+                </a:spcBef>
+                <a:spcAft>
+                  <a:spcPts val="0"/>
+                </a:spcAft>
+                <a:buNone/>
+              </a:pPr>
+              <a:r>
+                <a:t/>
+              </a:r>
+              <a:endParaRPr sz="1800">
+                <a:solidFill>
+                  <a:schemeClr val="dk1"/>
+                </a:solidFill>
+                <a:latin typeface="Arial"/>
+                <a:ea typeface="Arial"/>
+                <a:cs typeface="Arial"/>
+                <a:sym typeface="Arial"/>
+              </a:endParaRPr>
+            </a:p>
+          </p:txBody>
+        </p:sp>
+        <p:sp>
+          <p:nvSpPr>
+            <p:cNvPr id="243" name="Google Shape;243;g75b7ceff41_0_0"/>
+            <p:cNvSpPr/>
+            <p:nvPr/>
+          </p:nvSpPr>
+          <p:spPr>
+            <a:xfrm>
               <a:off x="1997204" y="6781800"/>
               <a:ext cx="176213" cy="57150"/>
             </a:xfrm>
@@ -35810,7 +35898,7 @@
         </p:sp>
         <p:sp>
           <p:nvSpPr>
-            <p:cNvPr id="242" name="Google Shape;242;g75b7ceff41_0_0"/>
+            <p:cNvPr id="244" name="Google Shape;244;g75b7ceff41_0_0"/>
             <p:cNvSpPr/>
             <p:nvPr/>
           </p:nvSpPr>
@@ -35912,7 +36000,7 @@
       </p:grpSp>
       <p:grpSp>
         <p:nvGrpSpPr>
-          <p:cNvPr id="243" name="Google Shape;243;g75b7ceff41_0_0"/>
+          <p:cNvPr id="245" name="Google Shape;245;g75b7ceff41_0_0"/>
           <p:cNvGrpSpPr/>
           <p:nvPr/>
         </p:nvGrpSpPr>
@@ -35926,7 +36014,7 @@
         </p:grpSpPr>
         <p:sp>
           <p:nvSpPr>
-            <p:cNvPr id="244" name="Google Shape;244;g75b7ceff41_0_0"/>
+            <p:cNvPr id="246" name="Google Shape;246;g75b7ceff41_0_0"/>
             <p:cNvSpPr/>
             <p:nvPr/>
           </p:nvSpPr>
@@ -36187,616 +36275,6 @@
                   </a:lnTo>
                   <a:lnTo>
                     <a:pt x="2677" y="2617"/>
-                  </a:lnTo>
-                  <a:close/>
-                </a:path>
-              </a:pathLst>
-            </a:custGeom>
-            <a:solidFill>
-              <a:srgbClr val="69EBFC"/>
-            </a:solidFill>
-            <a:ln>
-              <a:noFill/>
-            </a:ln>
-          </p:spPr>
-          <p:txBody>
-            <a:bodyPr anchorCtr="0" anchor="t" bIns="45700" lIns="91425" spcFirstLastPara="1" rIns="91425" wrap="square" tIns="45700">
-              <a:noAutofit/>
-            </a:bodyPr>
-            <a:lstStyle/>
-            <a:p>
-              <a:pPr indent="0" lvl="0" marL="0" marR="0" rtl="0" algn="l">
-                <a:spcBef>
-                  <a:spcPts val="0"/>
-                </a:spcBef>
-                <a:spcAft>
-                  <a:spcPts val="0"/>
-                </a:spcAft>
-                <a:buNone/>
-              </a:pPr>
-              <a:r>
-                <a:t/>
-              </a:r>
-              <a:endParaRPr sz="1800">
-                <a:solidFill>
-                  <a:schemeClr val="dk1"/>
-                </a:solidFill>
-                <a:latin typeface="Arial"/>
-                <a:ea typeface="Arial"/>
-                <a:cs typeface="Arial"/>
-                <a:sym typeface="Arial"/>
-              </a:endParaRPr>
-            </a:p>
-          </p:txBody>
-        </p:sp>
-        <p:sp>
-          <p:nvSpPr>
-            <p:cNvPr id="245" name="Google Shape;245;g75b7ceff41_0_0"/>
-            <p:cNvSpPr/>
-            <p:nvPr/>
-          </p:nvSpPr>
-          <p:spPr>
-            <a:xfrm>
-              <a:off x="962363" y="3039269"/>
-              <a:ext cx="1062037" cy="901698"/>
-            </a:xfrm>
-            <a:custGeom>
-              <a:rect b="b" l="l" r="r" t="t"/>
-              <a:pathLst>
-                <a:path extrusionOk="0" h="2837" w="3345">
-                  <a:moveTo>
-                    <a:pt x="2189" y="0"/>
-                  </a:moveTo>
-                  <a:lnTo>
-                    <a:pt x="2169" y="27"/>
-                  </a:lnTo>
-                  <a:lnTo>
-                    <a:pt x="2012" y="204"/>
-                  </a:lnTo>
-                  <a:lnTo>
-                    <a:pt x="1892" y="314"/>
-                  </a:lnTo>
-                  <a:lnTo>
-                    <a:pt x="1799" y="391"/>
-                  </a:lnTo>
-                  <a:lnTo>
-                    <a:pt x="1694" y="467"/>
-                  </a:lnTo>
-                  <a:lnTo>
-                    <a:pt x="1579" y="538"/>
-                  </a:lnTo>
-                  <a:lnTo>
-                    <a:pt x="1453" y="603"/>
-                  </a:lnTo>
-                  <a:lnTo>
-                    <a:pt x="1318" y="658"/>
-                  </a:lnTo>
-                  <a:lnTo>
-                    <a:pt x="1173" y="699"/>
-                  </a:lnTo>
-                  <a:lnTo>
-                    <a:pt x="1020" y="726"/>
-                  </a:lnTo>
-                  <a:lnTo>
-                    <a:pt x="899" y="732"/>
-                  </a:lnTo>
-                  <a:lnTo>
-                    <a:pt x="817" y="730"/>
-                  </a:lnTo>
-                  <a:lnTo>
-                    <a:pt x="733" y="723"/>
-                  </a:lnTo>
-                  <a:lnTo>
-                    <a:pt x="647" y="709"/>
-                  </a:lnTo>
-                  <a:lnTo>
-                    <a:pt x="602" y="699"/>
-                  </a:lnTo>
-                  <a:lnTo>
-                    <a:pt x="559" y="690"/>
-                  </a:lnTo>
-                  <a:lnTo>
-                    <a:pt x="477" y="680"/>
-                  </a:lnTo>
-                  <a:lnTo>
-                    <a:pt x="403" y="680"/>
-                  </a:lnTo>
-                  <a:lnTo>
-                    <a:pt x="333" y="689"/>
-                  </a:lnTo>
-                  <a:lnTo>
-                    <a:pt x="271" y="706"/>
-                  </a:lnTo>
-                  <a:lnTo>
-                    <a:pt x="214" y="732"/>
-                  </a:lnTo>
-                  <a:lnTo>
-                    <a:pt x="164" y="764"/>
-                  </a:lnTo>
-                  <a:lnTo>
-                    <a:pt x="121" y="804"/>
-                  </a:lnTo>
-                  <a:lnTo>
-                    <a:pt x="85" y="850"/>
-                  </a:lnTo>
-                  <a:lnTo>
-                    <a:pt x="53" y="902"/>
-                  </a:lnTo>
-                  <a:lnTo>
-                    <a:pt x="30" y="960"/>
-                  </a:lnTo>
-                  <a:lnTo>
-                    <a:pt x="13" y="1024"/>
-                  </a:lnTo>
-                  <a:lnTo>
-                    <a:pt x="3" y="1092"/>
-                  </a:lnTo>
-                  <a:lnTo>
-                    <a:pt x="0" y="1163"/>
-                  </a:lnTo>
-                  <a:lnTo>
-                    <a:pt x="4" y="1239"/>
-                  </a:lnTo>
-                  <a:lnTo>
-                    <a:pt x="14" y="1317"/>
-                  </a:lnTo>
-                  <a:lnTo>
-                    <a:pt x="32" y="1399"/>
-                  </a:lnTo>
-                  <a:lnTo>
-                    <a:pt x="57" y="1481"/>
-                  </a:lnTo>
-                  <a:lnTo>
-                    <a:pt x="88" y="1567"/>
-                  </a:lnTo>
-                  <a:lnTo>
-                    <a:pt x="127" y="1653"/>
-                  </a:lnTo>
-                  <a:lnTo>
-                    <a:pt x="173" y="1739"/>
-                  </a:lnTo>
-                  <a:lnTo>
-                    <a:pt x="225" y="1826"/>
-                  </a:lnTo>
-                  <a:lnTo>
-                    <a:pt x="287" y="1913"/>
-                  </a:lnTo>
-                  <a:lnTo>
-                    <a:pt x="354" y="1999"/>
-                  </a:lnTo>
-                  <a:lnTo>
-                    <a:pt x="428" y="2083"/>
-                  </a:lnTo>
-                  <a:lnTo>
-                    <a:pt x="511" y="2165"/>
-                  </a:lnTo>
-                  <a:lnTo>
-                    <a:pt x="601" y="2246"/>
-                  </a:lnTo>
-                  <a:lnTo>
-                    <a:pt x="698" y="2324"/>
-                  </a:lnTo>
-                  <a:lnTo>
-                    <a:pt x="803" y="2397"/>
-                  </a:lnTo>
-                  <a:lnTo>
-                    <a:pt x="916" y="2469"/>
-                  </a:lnTo>
-                  <a:lnTo>
-                    <a:pt x="1036" y="2535"/>
-                  </a:lnTo>
-                  <a:lnTo>
-                    <a:pt x="1165" y="2596"/>
-                  </a:lnTo>
-                  <a:lnTo>
-                    <a:pt x="1232" y="2624"/>
-                  </a:lnTo>
-                  <a:lnTo>
-                    <a:pt x="1304" y="2654"/>
-                  </a:lnTo>
-                  <a:lnTo>
-                    <a:pt x="1448" y="2705"/>
-                  </a:lnTo>
-                  <a:lnTo>
-                    <a:pt x="1591" y="2748"/>
-                  </a:lnTo>
-                  <a:lnTo>
-                    <a:pt x="1732" y="2782"/>
-                  </a:lnTo>
-                  <a:lnTo>
-                    <a:pt x="1870" y="2809"/>
-                  </a:lnTo>
-                  <a:lnTo>
-                    <a:pt x="2006" y="2827"/>
-                  </a:lnTo>
-                  <a:lnTo>
-                    <a:pt x="2138" y="2836"/>
-                  </a:lnTo>
-                  <a:lnTo>
-                    <a:pt x="2266" y="2837"/>
-                  </a:lnTo>
-                  <a:lnTo>
-                    <a:pt x="2390" y="2830"/>
-                  </a:lnTo>
-                  <a:lnTo>
-                    <a:pt x="2508" y="2814"/>
-                  </a:lnTo>
-                  <a:lnTo>
-                    <a:pt x="2622" y="2790"/>
-                  </a:lnTo>
-                  <a:lnTo>
-                    <a:pt x="2728" y="2758"/>
-                  </a:lnTo>
-                  <a:lnTo>
-                    <a:pt x="2828" y="2717"/>
-                  </a:lnTo>
-                  <a:lnTo>
-                    <a:pt x="2922" y="2667"/>
-                  </a:lnTo>
-                  <a:lnTo>
-                    <a:pt x="3007" y="2609"/>
-                  </a:lnTo>
-                  <a:lnTo>
-                    <a:pt x="3084" y="2544"/>
-                  </a:lnTo>
-                  <a:lnTo>
-                    <a:pt x="3152" y="2470"/>
-                  </a:lnTo>
-                  <a:lnTo>
-                    <a:pt x="3211" y="2386"/>
-                  </a:lnTo>
-                  <a:lnTo>
-                    <a:pt x="3259" y="2296"/>
-                  </a:lnTo>
-                  <a:lnTo>
-                    <a:pt x="3298" y="2197"/>
-                  </a:lnTo>
-                  <a:lnTo>
-                    <a:pt x="3325" y="2089"/>
-                  </a:lnTo>
-                  <a:lnTo>
-                    <a:pt x="3342" y="1973"/>
-                  </a:lnTo>
-                  <a:lnTo>
-                    <a:pt x="3345" y="1848"/>
-                  </a:lnTo>
-                  <a:lnTo>
-                    <a:pt x="3337" y="1716"/>
-                  </a:lnTo>
-                  <a:lnTo>
-                    <a:pt x="3315" y="1575"/>
-                  </a:lnTo>
-                  <a:lnTo>
-                    <a:pt x="3279" y="1427"/>
-                  </a:lnTo>
-                  <a:lnTo>
-                    <a:pt x="3230" y="1269"/>
-                  </a:lnTo>
-                  <a:lnTo>
-                    <a:pt x="3165" y="1103"/>
-                  </a:lnTo>
-                  <a:lnTo>
-                    <a:pt x="3086" y="929"/>
-                  </a:lnTo>
-                  <a:lnTo>
-                    <a:pt x="2990" y="747"/>
-                  </a:lnTo>
-                  <a:lnTo>
-                    <a:pt x="2879" y="556"/>
-                  </a:lnTo>
-                  <a:lnTo>
-                    <a:pt x="2750" y="358"/>
-                  </a:lnTo>
-                  <a:lnTo>
-                    <a:pt x="2679" y="255"/>
-                  </a:lnTo>
-                  <a:lnTo>
-                    <a:pt x="2189" y="0"/>
-                  </a:lnTo>
-                  <a:close/>
-                </a:path>
-              </a:pathLst>
-            </a:custGeom>
-            <a:solidFill>
-              <a:srgbClr val="69EBFC"/>
-            </a:solidFill>
-            <a:ln>
-              <a:noFill/>
-            </a:ln>
-          </p:spPr>
-          <p:txBody>
-            <a:bodyPr anchorCtr="0" anchor="t" bIns="45700" lIns="91425" spcFirstLastPara="1" rIns="91425" wrap="square" tIns="45700">
-              <a:noAutofit/>
-            </a:bodyPr>
-            <a:lstStyle/>
-            <a:p>
-              <a:pPr indent="0" lvl="0" marL="0" marR="0" rtl="0" algn="l">
-                <a:spcBef>
-                  <a:spcPts val="0"/>
-                </a:spcBef>
-                <a:spcAft>
-                  <a:spcPts val="0"/>
-                </a:spcAft>
-                <a:buNone/>
-              </a:pPr>
-              <a:r>
-                <a:t/>
-              </a:r>
-              <a:endParaRPr sz="1800">
-                <a:solidFill>
-                  <a:schemeClr val="dk1"/>
-                </a:solidFill>
-                <a:latin typeface="Arial"/>
-                <a:ea typeface="Arial"/>
-                <a:cs typeface="Arial"/>
-                <a:sym typeface="Arial"/>
-              </a:endParaRPr>
-            </a:p>
-          </p:txBody>
-        </p:sp>
-        <p:sp>
-          <p:nvSpPr>
-            <p:cNvPr id="246" name="Google Shape;246;g75b7ceff41_0_0"/>
-            <p:cNvSpPr/>
-            <p:nvPr/>
-          </p:nvSpPr>
-          <p:spPr>
-            <a:xfrm>
-              <a:off x="1795801" y="2399506"/>
-              <a:ext cx="888997" cy="1103317"/>
-            </a:xfrm>
-            <a:custGeom>
-              <a:rect b="b" l="l" r="r" t="t"/>
-              <a:pathLst>
-                <a:path extrusionOk="0" h="3476" w="2799">
-                  <a:moveTo>
-                    <a:pt x="23" y="2079"/>
-                  </a:moveTo>
-                  <a:lnTo>
-                    <a:pt x="58" y="2082"/>
-                  </a:lnTo>
-                  <a:lnTo>
-                    <a:pt x="289" y="2129"/>
-                  </a:lnTo>
-                  <a:lnTo>
-                    <a:pt x="445" y="2177"/>
-                  </a:lnTo>
-                  <a:lnTo>
-                    <a:pt x="558" y="2221"/>
-                  </a:lnTo>
-                  <a:lnTo>
-                    <a:pt x="676" y="2273"/>
-                  </a:lnTo>
-                  <a:lnTo>
-                    <a:pt x="796" y="2338"/>
-                  </a:lnTo>
-                  <a:lnTo>
-                    <a:pt x="915" y="2414"/>
-                  </a:lnTo>
-                  <a:lnTo>
-                    <a:pt x="1030" y="2504"/>
-                  </a:lnTo>
-                  <a:lnTo>
-                    <a:pt x="1138" y="2608"/>
-                  </a:lnTo>
-                  <a:lnTo>
-                    <a:pt x="1237" y="2727"/>
-                  </a:lnTo>
-                  <a:lnTo>
-                    <a:pt x="1303" y="2829"/>
-                  </a:lnTo>
-                  <a:lnTo>
-                    <a:pt x="1342" y="2901"/>
-                  </a:lnTo>
-                  <a:lnTo>
-                    <a:pt x="1378" y="2978"/>
-                  </a:lnTo>
-                  <a:lnTo>
-                    <a:pt x="1409" y="3058"/>
-                  </a:lnTo>
-                  <a:lnTo>
-                    <a:pt x="1424" y="3102"/>
-                  </a:lnTo>
-                  <a:lnTo>
-                    <a:pt x="1437" y="3143"/>
-                  </a:lnTo>
-                  <a:lnTo>
-                    <a:pt x="1470" y="3219"/>
-                  </a:lnTo>
-                  <a:lnTo>
-                    <a:pt x="1506" y="3285"/>
-                  </a:lnTo>
-                  <a:lnTo>
-                    <a:pt x="1549" y="3341"/>
-                  </a:lnTo>
-                  <a:lnTo>
-                    <a:pt x="1596" y="3387"/>
-                  </a:lnTo>
-                  <a:lnTo>
-                    <a:pt x="1645" y="3422"/>
-                  </a:lnTo>
-                  <a:lnTo>
-                    <a:pt x="1698" y="3449"/>
-                  </a:lnTo>
-                  <a:lnTo>
-                    <a:pt x="1754" y="3467"/>
-                  </a:lnTo>
-                  <a:lnTo>
-                    <a:pt x="1813" y="3476"/>
-                  </a:lnTo>
-                  <a:lnTo>
-                    <a:pt x="1874" y="3476"/>
-                  </a:lnTo>
-                  <a:lnTo>
-                    <a:pt x="1936" y="3467"/>
-                  </a:lnTo>
-                  <a:lnTo>
-                    <a:pt x="1998" y="3450"/>
-                  </a:lnTo>
-                  <a:lnTo>
-                    <a:pt x="2062" y="3424"/>
-                  </a:lnTo>
-                  <a:lnTo>
-                    <a:pt x="2127" y="3391"/>
-                  </a:lnTo>
-                  <a:lnTo>
-                    <a:pt x="2189" y="3351"/>
-                  </a:lnTo>
-                  <a:lnTo>
-                    <a:pt x="2253" y="3302"/>
-                  </a:lnTo>
-                  <a:lnTo>
-                    <a:pt x="2314" y="3246"/>
-                  </a:lnTo>
-                  <a:lnTo>
-                    <a:pt x="2375" y="3183"/>
-                  </a:lnTo>
-                  <a:lnTo>
-                    <a:pt x="2431" y="3114"/>
-                  </a:lnTo>
-                  <a:lnTo>
-                    <a:pt x="2487" y="3037"/>
-                  </a:lnTo>
-                  <a:lnTo>
-                    <a:pt x="2540" y="2954"/>
-                  </a:lnTo>
-                  <a:lnTo>
-                    <a:pt x="2588" y="2864"/>
-                  </a:lnTo>
-                  <a:lnTo>
-                    <a:pt x="2632" y="2769"/>
-                  </a:lnTo>
-                  <a:lnTo>
-                    <a:pt x="2674" y="2668"/>
-                  </a:lnTo>
-                  <a:lnTo>
-                    <a:pt x="2709" y="2561"/>
-                  </a:lnTo>
-                  <a:lnTo>
-                    <a:pt x="2739" y="2448"/>
-                  </a:lnTo>
-                  <a:lnTo>
-                    <a:pt x="2764" y="2330"/>
-                  </a:lnTo>
-                  <a:lnTo>
-                    <a:pt x="2782" y="2207"/>
-                  </a:lnTo>
-                  <a:lnTo>
-                    <a:pt x="2794" y="2079"/>
-                  </a:lnTo>
-                  <a:lnTo>
-                    <a:pt x="2799" y="1946"/>
-                  </a:lnTo>
-                  <a:lnTo>
-                    <a:pt x="2796" y="1809"/>
-                  </a:lnTo>
-                  <a:lnTo>
-                    <a:pt x="2785" y="1667"/>
-                  </a:lnTo>
-                  <a:lnTo>
-                    <a:pt x="2776" y="1595"/>
-                  </a:lnTo>
-                  <a:lnTo>
-                    <a:pt x="2765" y="1518"/>
-                  </a:lnTo>
-                  <a:lnTo>
-                    <a:pt x="2738" y="1367"/>
-                  </a:lnTo>
-                  <a:lnTo>
-                    <a:pt x="2704" y="1222"/>
-                  </a:lnTo>
-                  <a:lnTo>
-                    <a:pt x="2664" y="1082"/>
-                  </a:lnTo>
-                  <a:lnTo>
-                    <a:pt x="2617" y="950"/>
-                  </a:lnTo>
-                  <a:lnTo>
-                    <a:pt x="2564" y="822"/>
-                  </a:lnTo>
-                  <a:lnTo>
-                    <a:pt x="2506" y="704"/>
-                  </a:lnTo>
-                  <a:lnTo>
-                    <a:pt x="2443" y="593"/>
-                  </a:lnTo>
-                  <a:lnTo>
-                    <a:pt x="2375" y="489"/>
-                  </a:lnTo>
-                  <a:lnTo>
-                    <a:pt x="2302" y="394"/>
-                  </a:lnTo>
-                  <a:lnTo>
-                    <a:pt x="2224" y="308"/>
-                  </a:lnTo>
-                  <a:lnTo>
-                    <a:pt x="2142" y="232"/>
-                  </a:lnTo>
-                  <a:lnTo>
-                    <a:pt x="2058" y="165"/>
-                  </a:lnTo>
-                  <a:lnTo>
-                    <a:pt x="1968" y="109"/>
-                  </a:lnTo>
-                  <a:lnTo>
-                    <a:pt x="1876" y="65"/>
-                  </a:lnTo>
-                  <a:lnTo>
-                    <a:pt x="1780" y="31"/>
-                  </a:lnTo>
-                  <a:lnTo>
-                    <a:pt x="1682" y="9"/>
-                  </a:lnTo>
-                  <a:lnTo>
-                    <a:pt x="1581" y="0"/>
-                  </a:lnTo>
-                  <a:lnTo>
-                    <a:pt x="1477" y="2"/>
-                  </a:lnTo>
-                  <a:lnTo>
-                    <a:pt x="1372" y="19"/>
-                  </a:lnTo>
-                  <a:lnTo>
-                    <a:pt x="1265" y="49"/>
-                  </a:lnTo>
-                  <a:lnTo>
-                    <a:pt x="1157" y="93"/>
-                  </a:lnTo>
-                  <a:lnTo>
-                    <a:pt x="1048" y="152"/>
-                  </a:lnTo>
-                  <a:lnTo>
-                    <a:pt x="937" y="225"/>
-                  </a:lnTo>
-                  <a:lnTo>
-                    <a:pt x="826" y="315"/>
-                  </a:lnTo>
-                  <a:lnTo>
-                    <a:pt x="714" y="420"/>
-                  </a:lnTo>
-                  <a:lnTo>
-                    <a:pt x="603" y="542"/>
-                  </a:lnTo>
-                  <a:lnTo>
-                    <a:pt x="492" y="681"/>
-                  </a:lnTo>
-                  <a:lnTo>
-                    <a:pt x="381" y="836"/>
-                  </a:lnTo>
-                  <a:lnTo>
-                    <a:pt x="270" y="1010"/>
-                  </a:lnTo>
-                  <a:lnTo>
-                    <a:pt x="162" y="1202"/>
-                  </a:lnTo>
-                  <a:lnTo>
-                    <a:pt x="54" y="1413"/>
-                  </a:lnTo>
-                  <a:lnTo>
-                    <a:pt x="0" y="1525"/>
-                  </a:lnTo>
-                  <a:lnTo>
-                    <a:pt x="23" y="2079"/>
                   </a:lnTo>
                   <a:close/>
                 </a:path>
@@ -36847,6 +36325,616 @@
           </p:nvSpPr>
           <p:spPr>
             <a:xfrm>
+              <a:off x="962363" y="3039269"/>
+              <a:ext cx="1062037" cy="901698"/>
+            </a:xfrm>
+            <a:custGeom>
+              <a:rect b="b" l="l" r="r" t="t"/>
+              <a:pathLst>
+                <a:path extrusionOk="0" h="2837" w="3345">
+                  <a:moveTo>
+                    <a:pt x="2189" y="0"/>
+                  </a:moveTo>
+                  <a:lnTo>
+                    <a:pt x="2169" y="27"/>
+                  </a:lnTo>
+                  <a:lnTo>
+                    <a:pt x="2012" y="204"/>
+                  </a:lnTo>
+                  <a:lnTo>
+                    <a:pt x="1892" y="314"/>
+                  </a:lnTo>
+                  <a:lnTo>
+                    <a:pt x="1799" y="391"/>
+                  </a:lnTo>
+                  <a:lnTo>
+                    <a:pt x="1694" y="467"/>
+                  </a:lnTo>
+                  <a:lnTo>
+                    <a:pt x="1579" y="538"/>
+                  </a:lnTo>
+                  <a:lnTo>
+                    <a:pt x="1453" y="603"/>
+                  </a:lnTo>
+                  <a:lnTo>
+                    <a:pt x="1318" y="658"/>
+                  </a:lnTo>
+                  <a:lnTo>
+                    <a:pt x="1173" y="699"/>
+                  </a:lnTo>
+                  <a:lnTo>
+                    <a:pt x="1020" y="726"/>
+                  </a:lnTo>
+                  <a:lnTo>
+                    <a:pt x="899" y="732"/>
+                  </a:lnTo>
+                  <a:lnTo>
+                    <a:pt x="817" y="730"/>
+                  </a:lnTo>
+                  <a:lnTo>
+                    <a:pt x="733" y="723"/>
+                  </a:lnTo>
+                  <a:lnTo>
+                    <a:pt x="647" y="709"/>
+                  </a:lnTo>
+                  <a:lnTo>
+                    <a:pt x="602" y="699"/>
+                  </a:lnTo>
+                  <a:lnTo>
+                    <a:pt x="559" y="690"/>
+                  </a:lnTo>
+                  <a:lnTo>
+                    <a:pt x="477" y="680"/>
+                  </a:lnTo>
+                  <a:lnTo>
+                    <a:pt x="403" y="680"/>
+                  </a:lnTo>
+                  <a:lnTo>
+                    <a:pt x="333" y="689"/>
+                  </a:lnTo>
+                  <a:lnTo>
+                    <a:pt x="271" y="706"/>
+                  </a:lnTo>
+                  <a:lnTo>
+                    <a:pt x="214" y="732"/>
+                  </a:lnTo>
+                  <a:lnTo>
+                    <a:pt x="164" y="764"/>
+                  </a:lnTo>
+                  <a:lnTo>
+                    <a:pt x="121" y="804"/>
+                  </a:lnTo>
+                  <a:lnTo>
+                    <a:pt x="85" y="850"/>
+                  </a:lnTo>
+                  <a:lnTo>
+                    <a:pt x="53" y="902"/>
+                  </a:lnTo>
+                  <a:lnTo>
+                    <a:pt x="30" y="960"/>
+                  </a:lnTo>
+                  <a:lnTo>
+                    <a:pt x="13" y="1024"/>
+                  </a:lnTo>
+                  <a:lnTo>
+                    <a:pt x="3" y="1092"/>
+                  </a:lnTo>
+                  <a:lnTo>
+                    <a:pt x="0" y="1163"/>
+                  </a:lnTo>
+                  <a:lnTo>
+                    <a:pt x="4" y="1239"/>
+                  </a:lnTo>
+                  <a:lnTo>
+                    <a:pt x="14" y="1317"/>
+                  </a:lnTo>
+                  <a:lnTo>
+                    <a:pt x="32" y="1399"/>
+                  </a:lnTo>
+                  <a:lnTo>
+                    <a:pt x="57" y="1481"/>
+                  </a:lnTo>
+                  <a:lnTo>
+                    <a:pt x="88" y="1567"/>
+                  </a:lnTo>
+                  <a:lnTo>
+                    <a:pt x="127" y="1653"/>
+                  </a:lnTo>
+                  <a:lnTo>
+                    <a:pt x="173" y="1739"/>
+                  </a:lnTo>
+                  <a:lnTo>
+                    <a:pt x="225" y="1826"/>
+                  </a:lnTo>
+                  <a:lnTo>
+                    <a:pt x="287" y="1913"/>
+                  </a:lnTo>
+                  <a:lnTo>
+                    <a:pt x="354" y="1999"/>
+                  </a:lnTo>
+                  <a:lnTo>
+                    <a:pt x="428" y="2083"/>
+                  </a:lnTo>
+                  <a:lnTo>
+                    <a:pt x="511" y="2165"/>
+                  </a:lnTo>
+                  <a:lnTo>
+                    <a:pt x="601" y="2246"/>
+                  </a:lnTo>
+                  <a:lnTo>
+                    <a:pt x="698" y="2324"/>
+                  </a:lnTo>
+                  <a:lnTo>
+                    <a:pt x="803" y="2397"/>
+                  </a:lnTo>
+                  <a:lnTo>
+                    <a:pt x="916" y="2469"/>
+                  </a:lnTo>
+                  <a:lnTo>
+                    <a:pt x="1036" y="2535"/>
+                  </a:lnTo>
+                  <a:lnTo>
+                    <a:pt x="1165" y="2596"/>
+                  </a:lnTo>
+                  <a:lnTo>
+                    <a:pt x="1232" y="2624"/>
+                  </a:lnTo>
+                  <a:lnTo>
+                    <a:pt x="1304" y="2654"/>
+                  </a:lnTo>
+                  <a:lnTo>
+                    <a:pt x="1448" y="2705"/>
+                  </a:lnTo>
+                  <a:lnTo>
+                    <a:pt x="1591" y="2748"/>
+                  </a:lnTo>
+                  <a:lnTo>
+                    <a:pt x="1732" y="2782"/>
+                  </a:lnTo>
+                  <a:lnTo>
+                    <a:pt x="1870" y="2809"/>
+                  </a:lnTo>
+                  <a:lnTo>
+                    <a:pt x="2006" y="2827"/>
+                  </a:lnTo>
+                  <a:lnTo>
+                    <a:pt x="2138" y="2836"/>
+                  </a:lnTo>
+                  <a:lnTo>
+                    <a:pt x="2266" y="2837"/>
+                  </a:lnTo>
+                  <a:lnTo>
+                    <a:pt x="2390" y="2830"/>
+                  </a:lnTo>
+                  <a:lnTo>
+                    <a:pt x="2508" y="2814"/>
+                  </a:lnTo>
+                  <a:lnTo>
+                    <a:pt x="2622" y="2790"/>
+                  </a:lnTo>
+                  <a:lnTo>
+                    <a:pt x="2728" y="2758"/>
+                  </a:lnTo>
+                  <a:lnTo>
+                    <a:pt x="2828" y="2717"/>
+                  </a:lnTo>
+                  <a:lnTo>
+                    <a:pt x="2922" y="2667"/>
+                  </a:lnTo>
+                  <a:lnTo>
+                    <a:pt x="3007" y="2609"/>
+                  </a:lnTo>
+                  <a:lnTo>
+                    <a:pt x="3084" y="2544"/>
+                  </a:lnTo>
+                  <a:lnTo>
+                    <a:pt x="3152" y="2470"/>
+                  </a:lnTo>
+                  <a:lnTo>
+                    <a:pt x="3211" y="2386"/>
+                  </a:lnTo>
+                  <a:lnTo>
+                    <a:pt x="3259" y="2296"/>
+                  </a:lnTo>
+                  <a:lnTo>
+                    <a:pt x="3298" y="2197"/>
+                  </a:lnTo>
+                  <a:lnTo>
+                    <a:pt x="3325" y="2089"/>
+                  </a:lnTo>
+                  <a:lnTo>
+                    <a:pt x="3342" y="1973"/>
+                  </a:lnTo>
+                  <a:lnTo>
+                    <a:pt x="3345" y="1848"/>
+                  </a:lnTo>
+                  <a:lnTo>
+                    <a:pt x="3337" y="1716"/>
+                  </a:lnTo>
+                  <a:lnTo>
+                    <a:pt x="3315" y="1575"/>
+                  </a:lnTo>
+                  <a:lnTo>
+                    <a:pt x="3279" y="1427"/>
+                  </a:lnTo>
+                  <a:lnTo>
+                    <a:pt x="3230" y="1269"/>
+                  </a:lnTo>
+                  <a:lnTo>
+                    <a:pt x="3165" y="1103"/>
+                  </a:lnTo>
+                  <a:lnTo>
+                    <a:pt x="3086" y="929"/>
+                  </a:lnTo>
+                  <a:lnTo>
+                    <a:pt x="2990" y="747"/>
+                  </a:lnTo>
+                  <a:lnTo>
+                    <a:pt x="2879" y="556"/>
+                  </a:lnTo>
+                  <a:lnTo>
+                    <a:pt x="2750" y="358"/>
+                  </a:lnTo>
+                  <a:lnTo>
+                    <a:pt x="2679" y="255"/>
+                  </a:lnTo>
+                  <a:lnTo>
+                    <a:pt x="2189" y="0"/>
+                  </a:lnTo>
+                  <a:close/>
+                </a:path>
+              </a:pathLst>
+            </a:custGeom>
+            <a:solidFill>
+              <a:srgbClr val="69EBFC"/>
+            </a:solidFill>
+            <a:ln>
+              <a:noFill/>
+            </a:ln>
+          </p:spPr>
+          <p:txBody>
+            <a:bodyPr anchorCtr="0" anchor="t" bIns="45700" lIns="91425" spcFirstLastPara="1" rIns="91425" wrap="square" tIns="45700">
+              <a:noAutofit/>
+            </a:bodyPr>
+            <a:lstStyle/>
+            <a:p>
+              <a:pPr indent="0" lvl="0" marL="0" marR="0" rtl="0" algn="l">
+                <a:spcBef>
+                  <a:spcPts val="0"/>
+                </a:spcBef>
+                <a:spcAft>
+                  <a:spcPts val="0"/>
+                </a:spcAft>
+                <a:buNone/>
+              </a:pPr>
+              <a:r>
+                <a:t/>
+              </a:r>
+              <a:endParaRPr sz="1800">
+                <a:solidFill>
+                  <a:schemeClr val="dk1"/>
+                </a:solidFill>
+                <a:latin typeface="Arial"/>
+                <a:ea typeface="Arial"/>
+                <a:cs typeface="Arial"/>
+                <a:sym typeface="Arial"/>
+              </a:endParaRPr>
+            </a:p>
+          </p:txBody>
+        </p:sp>
+        <p:sp>
+          <p:nvSpPr>
+            <p:cNvPr id="248" name="Google Shape;248;g75b7ceff41_0_0"/>
+            <p:cNvSpPr/>
+            <p:nvPr/>
+          </p:nvSpPr>
+          <p:spPr>
+            <a:xfrm>
+              <a:off x="1795801" y="2399506"/>
+              <a:ext cx="888997" cy="1103317"/>
+            </a:xfrm>
+            <a:custGeom>
+              <a:rect b="b" l="l" r="r" t="t"/>
+              <a:pathLst>
+                <a:path extrusionOk="0" h="3476" w="2799">
+                  <a:moveTo>
+                    <a:pt x="23" y="2079"/>
+                  </a:moveTo>
+                  <a:lnTo>
+                    <a:pt x="58" y="2082"/>
+                  </a:lnTo>
+                  <a:lnTo>
+                    <a:pt x="289" y="2129"/>
+                  </a:lnTo>
+                  <a:lnTo>
+                    <a:pt x="445" y="2177"/>
+                  </a:lnTo>
+                  <a:lnTo>
+                    <a:pt x="558" y="2221"/>
+                  </a:lnTo>
+                  <a:lnTo>
+                    <a:pt x="676" y="2273"/>
+                  </a:lnTo>
+                  <a:lnTo>
+                    <a:pt x="796" y="2338"/>
+                  </a:lnTo>
+                  <a:lnTo>
+                    <a:pt x="915" y="2414"/>
+                  </a:lnTo>
+                  <a:lnTo>
+                    <a:pt x="1030" y="2504"/>
+                  </a:lnTo>
+                  <a:lnTo>
+                    <a:pt x="1138" y="2608"/>
+                  </a:lnTo>
+                  <a:lnTo>
+                    <a:pt x="1237" y="2727"/>
+                  </a:lnTo>
+                  <a:lnTo>
+                    <a:pt x="1303" y="2829"/>
+                  </a:lnTo>
+                  <a:lnTo>
+                    <a:pt x="1342" y="2901"/>
+                  </a:lnTo>
+                  <a:lnTo>
+                    <a:pt x="1378" y="2978"/>
+                  </a:lnTo>
+                  <a:lnTo>
+                    <a:pt x="1409" y="3058"/>
+                  </a:lnTo>
+                  <a:lnTo>
+                    <a:pt x="1424" y="3102"/>
+                  </a:lnTo>
+                  <a:lnTo>
+                    <a:pt x="1437" y="3143"/>
+                  </a:lnTo>
+                  <a:lnTo>
+                    <a:pt x="1470" y="3219"/>
+                  </a:lnTo>
+                  <a:lnTo>
+                    <a:pt x="1506" y="3285"/>
+                  </a:lnTo>
+                  <a:lnTo>
+                    <a:pt x="1549" y="3341"/>
+                  </a:lnTo>
+                  <a:lnTo>
+                    <a:pt x="1596" y="3387"/>
+                  </a:lnTo>
+                  <a:lnTo>
+                    <a:pt x="1645" y="3422"/>
+                  </a:lnTo>
+                  <a:lnTo>
+                    <a:pt x="1698" y="3449"/>
+                  </a:lnTo>
+                  <a:lnTo>
+                    <a:pt x="1754" y="3467"/>
+                  </a:lnTo>
+                  <a:lnTo>
+                    <a:pt x="1813" y="3476"/>
+                  </a:lnTo>
+                  <a:lnTo>
+                    <a:pt x="1874" y="3476"/>
+                  </a:lnTo>
+                  <a:lnTo>
+                    <a:pt x="1936" y="3467"/>
+                  </a:lnTo>
+                  <a:lnTo>
+                    <a:pt x="1998" y="3450"/>
+                  </a:lnTo>
+                  <a:lnTo>
+                    <a:pt x="2062" y="3424"/>
+                  </a:lnTo>
+                  <a:lnTo>
+                    <a:pt x="2127" y="3391"/>
+                  </a:lnTo>
+                  <a:lnTo>
+                    <a:pt x="2189" y="3351"/>
+                  </a:lnTo>
+                  <a:lnTo>
+                    <a:pt x="2253" y="3302"/>
+                  </a:lnTo>
+                  <a:lnTo>
+                    <a:pt x="2314" y="3246"/>
+                  </a:lnTo>
+                  <a:lnTo>
+                    <a:pt x="2375" y="3183"/>
+                  </a:lnTo>
+                  <a:lnTo>
+                    <a:pt x="2431" y="3114"/>
+                  </a:lnTo>
+                  <a:lnTo>
+                    <a:pt x="2487" y="3037"/>
+                  </a:lnTo>
+                  <a:lnTo>
+                    <a:pt x="2540" y="2954"/>
+                  </a:lnTo>
+                  <a:lnTo>
+                    <a:pt x="2588" y="2864"/>
+                  </a:lnTo>
+                  <a:lnTo>
+                    <a:pt x="2632" y="2769"/>
+                  </a:lnTo>
+                  <a:lnTo>
+                    <a:pt x="2674" y="2668"/>
+                  </a:lnTo>
+                  <a:lnTo>
+                    <a:pt x="2709" y="2561"/>
+                  </a:lnTo>
+                  <a:lnTo>
+                    <a:pt x="2739" y="2448"/>
+                  </a:lnTo>
+                  <a:lnTo>
+                    <a:pt x="2764" y="2330"/>
+                  </a:lnTo>
+                  <a:lnTo>
+                    <a:pt x="2782" y="2207"/>
+                  </a:lnTo>
+                  <a:lnTo>
+                    <a:pt x="2794" y="2079"/>
+                  </a:lnTo>
+                  <a:lnTo>
+                    <a:pt x="2799" y="1946"/>
+                  </a:lnTo>
+                  <a:lnTo>
+                    <a:pt x="2796" y="1809"/>
+                  </a:lnTo>
+                  <a:lnTo>
+                    <a:pt x="2785" y="1667"/>
+                  </a:lnTo>
+                  <a:lnTo>
+                    <a:pt x="2776" y="1595"/>
+                  </a:lnTo>
+                  <a:lnTo>
+                    <a:pt x="2765" y="1518"/>
+                  </a:lnTo>
+                  <a:lnTo>
+                    <a:pt x="2738" y="1367"/>
+                  </a:lnTo>
+                  <a:lnTo>
+                    <a:pt x="2704" y="1222"/>
+                  </a:lnTo>
+                  <a:lnTo>
+                    <a:pt x="2664" y="1082"/>
+                  </a:lnTo>
+                  <a:lnTo>
+                    <a:pt x="2617" y="950"/>
+                  </a:lnTo>
+                  <a:lnTo>
+                    <a:pt x="2564" y="822"/>
+                  </a:lnTo>
+                  <a:lnTo>
+                    <a:pt x="2506" y="704"/>
+                  </a:lnTo>
+                  <a:lnTo>
+                    <a:pt x="2443" y="593"/>
+                  </a:lnTo>
+                  <a:lnTo>
+                    <a:pt x="2375" y="489"/>
+                  </a:lnTo>
+                  <a:lnTo>
+                    <a:pt x="2302" y="394"/>
+                  </a:lnTo>
+                  <a:lnTo>
+                    <a:pt x="2224" y="308"/>
+                  </a:lnTo>
+                  <a:lnTo>
+                    <a:pt x="2142" y="232"/>
+                  </a:lnTo>
+                  <a:lnTo>
+                    <a:pt x="2058" y="165"/>
+                  </a:lnTo>
+                  <a:lnTo>
+                    <a:pt x="1968" y="109"/>
+                  </a:lnTo>
+                  <a:lnTo>
+                    <a:pt x="1876" y="65"/>
+                  </a:lnTo>
+                  <a:lnTo>
+                    <a:pt x="1780" y="31"/>
+                  </a:lnTo>
+                  <a:lnTo>
+                    <a:pt x="1682" y="9"/>
+                  </a:lnTo>
+                  <a:lnTo>
+                    <a:pt x="1581" y="0"/>
+                  </a:lnTo>
+                  <a:lnTo>
+                    <a:pt x="1477" y="2"/>
+                  </a:lnTo>
+                  <a:lnTo>
+                    <a:pt x="1372" y="19"/>
+                  </a:lnTo>
+                  <a:lnTo>
+                    <a:pt x="1265" y="49"/>
+                  </a:lnTo>
+                  <a:lnTo>
+                    <a:pt x="1157" y="93"/>
+                  </a:lnTo>
+                  <a:lnTo>
+                    <a:pt x="1048" y="152"/>
+                  </a:lnTo>
+                  <a:lnTo>
+                    <a:pt x="937" y="225"/>
+                  </a:lnTo>
+                  <a:lnTo>
+                    <a:pt x="826" y="315"/>
+                  </a:lnTo>
+                  <a:lnTo>
+                    <a:pt x="714" y="420"/>
+                  </a:lnTo>
+                  <a:lnTo>
+                    <a:pt x="603" y="542"/>
+                  </a:lnTo>
+                  <a:lnTo>
+                    <a:pt x="492" y="681"/>
+                  </a:lnTo>
+                  <a:lnTo>
+                    <a:pt x="381" y="836"/>
+                  </a:lnTo>
+                  <a:lnTo>
+                    <a:pt x="270" y="1010"/>
+                  </a:lnTo>
+                  <a:lnTo>
+                    <a:pt x="162" y="1202"/>
+                  </a:lnTo>
+                  <a:lnTo>
+                    <a:pt x="54" y="1413"/>
+                  </a:lnTo>
+                  <a:lnTo>
+                    <a:pt x="0" y="1525"/>
+                  </a:lnTo>
+                  <a:lnTo>
+                    <a:pt x="23" y="2079"/>
+                  </a:lnTo>
+                  <a:close/>
+                </a:path>
+              </a:pathLst>
+            </a:custGeom>
+            <a:solidFill>
+              <a:srgbClr val="69EBFC"/>
+            </a:solidFill>
+            <a:ln>
+              <a:noFill/>
+            </a:ln>
+          </p:spPr>
+          <p:txBody>
+            <a:bodyPr anchorCtr="0" anchor="t" bIns="45700" lIns="91425" spcFirstLastPara="1" rIns="91425" wrap="square" tIns="45700">
+              <a:noAutofit/>
+            </a:bodyPr>
+            <a:lstStyle/>
+            <a:p>
+              <a:pPr indent="0" lvl="0" marL="0" marR="0" rtl="0" algn="l">
+                <a:spcBef>
+                  <a:spcPts val="0"/>
+                </a:spcBef>
+                <a:spcAft>
+                  <a:spcPts val="0"/>
+                </a:spcAft>
+                <a:buNone/>
+              </a:pPr>
+              <a:r>
+                <a:t/>
+              </a:r>
+              <a:endParaRPr sz="1800">
+                <a:solidFill>
+                  <a:schemeClr val="dk1"/>
+                </a:solidFill>
+                <a:latin typeface="Arial"/>
+                <a:ea typeface="Arial"/>
+                <a:cs typeface="Arial"/>
+                <a:sym typeface="Arial"/>
+              </a:endParaRPr>
+            </a:p>
+          </p:txBody>
+        </p:sp>
+        <p:sp>
+          <p:nvSpPr>
+            <p:cNvPr id="249" name="Google Shape;249;g75b7ceff41_0_0"/>
+            <p:cNvSpPr/>
+            <p:nvPr/>
+          </p:nvSpPr>
+          <p:spPr>
+            <a:xfrm>
               <a:off x="1440201" y="2734469"/>
               <a:ext cx="566738" cy="566738"/>
             </a:xfrm>
@@ -37104,7 +37192,7 @@
         </p:sp>
         <p:sp>
           <p:nvSpPr>
-            <p:cNvPr id="248" name="Google Shape;248;g75b7ceff41_0_0"/>
+            <p:cNvPr id="250" name="Google Shape;250;g75b7ceff41_0_0"/>
             <p:cNvSpPr/>
             <p:nvPr/>
           </p:nvSpPr>
@@ -37575,7 +37663,7 @@
         </p:sp>
         <p:sp>
           <p:nvSpPr>
-            <p:cNvPr id="249" name="Google Shape;249;g75b7ceff41_0_0"/>
+            <p:cNvPr id="251" name="Google Shape;251;g75b7ceff41_0_0"/>
             <p:cNvSpPr/>
             <p:nvPr/>
           </p:nvSpPr>
@@ -37837,7 +37925,7 @@
       </p:grpSp>
       <p:grpSp>
         <p:nvGrpSpPr>
-          <p:cNvPr id="250" name="Google Shape;250;g75b7ceff41_0_0"/>
+          <p:cNvPr id="252" name="Google Shape;252;g75b7ceff41_0_0"/>
           <p:cNvGrpSpPr/>
           <p:nvPr/>
         </p:nvGrpSpPr>
@@ -37851,7 +37939,7 @@
         </p:grpSpPr>
         <p:sp>
           <p:nvSpPr>
-            <p:cNvPr id="251" name="Google Shape;251;g75b7ceff41_0_0"/>
+            <p:cNvPr id="253" name="Google Shape;253;g75b7ceff41_0_0"/>
             <p:cNvSpPr/>
             <p:nvPr/>
           </p:nvSpPr>
@@ -38706,7 +38794,7 @@
         </p:sp>
         <p:sp>
           <p:nvSpPr>
-            <p:cNvPr id="252" name="Google Shape;252;g75b7ceff41_0_0"/>
+            <p:cNvPr id="254" name="Google Shape;254;g75b7ceff41_0_0"/>
             <p:cNvSpPr/>
             <p:nvPr/>
           </p:nvSpPr>
@@ -39990,7 +40078,7 @@
       </p:grpSp>
       <p:pic>
         <p:nvPicPr>
-          <p:cNvPr id="253" name="Google Shape;253;g75b7ceff41_0_0"/>
+          <p:cNvPr id="255" name="Google Shape;255;g75b7ceff41_0_0"/>
           <p:cNvPicPr preferRelativeResize="0"/>
           <p:nvPr/>
         </p:nvPicPr>
@@ -40017,7 +40105,7 @@
       </p:pic>
       <p:pic>
         <p:nvPicPr>
-          <p:cNvPr id="254" name="Google Shape;254;g75b7ceff41_0_0"/>
+          <p:cNvPr id="256" name="Google Shape;256;g75b7ceff41_0_0"/>
           <p:cNvPicPr preferRelativeResize="0"/>
           <p:nvPr/>
         </p:nvPicPr>
@@ -40044,7 +40132,7 @@
       </p:pic>
       <p:pic>
         <p:nvPicPr>
-          <p:cNvPr id="255" name="Google Shape;255;g75b7ceff41_0_0"/>
+          <p:cNvPr id="257" name="Google Shape;257;g75b7ceff41_0_0"/>
           <p:cNvPicPr preferRelativeResize="0"/>
           <p:nvPr/>
         </p:nvPicPr>
@@ -40071,7 +40159,7 @@
       </p:pic>
       <p:pic>
         <p:nvPicPr>
-          <p:cNvPr id="256" name="Google Shape;256;g75b7ceff41_0_0"/>
+          <p:cNvPr id="258" name="Google Shape;258;g75b7ceff41_0_0"/>
           <p:cNvPicPr preferRelativeResize="0"/>
           <p:nvPr/>
         </p:nvPicPr>
@@ -40098,7 +40186,7 @@
       </p:pic>
       <p:pic>
         <p:nvPicPr>
-          <p:cNvPr id="257" name="Google Shape;257;g75b7ceff41_0_0"/>
+          <p:cNvPr id="259" name="Google Shape;259;g75b7ceff41_0_0"/>
           <p:cNvPicPr preferRelativeResize="0"/>
           <p:nvPr/>
         </p:nvPicPr>
@@ -40125,7 +40213,7 @@
       </p:pic>
       <p:sp>
         <p:nvSpPr>
-          <p:cNvPr id="258" name="Google Shape;258;g75b7ceff41_0_0"/>
+          <p:cNvPr id="260" name="Google Shape;260;g75b7ceff41_0_0"/>
           <p:cNvSpPr/>
           <p:nvPr/>
         </p:nvSpPr>
@@ -40271,7 +40359,7 @@
       </p:sp>
       <p:sp>
         <p:nvSpPr>
-          <p:cNvPr id="259" name="Google Shape;259;g75b7ceff41_0_0"/>
+          <p:cNvPr id="261" name="Google Shape;261;g75b7ceff41_0_0"/>
           <p:cNvSpPr/>
           <p:nvPr/>
         </p:nvSpPr>
@@ -40381,7 +40469,7 @@
       </p:sp>
       <p:sp>
         <p:nvSpPr>
-          <p:cNvPr id="260" name="Google Shape;260;g75b7ceff41_0_0"/>
+          <p:cNvPr id="262" name="Google Shape;262;g75b7ceff41_0_0"/>
           <p:cNvSpPr/>
           <p:nvPr/>
         </p:nvSpPr>
@@ -40433,7 +40521,7 @@
       </p:sp>
       <p:sp>
         <p:nvSpPr>
-          <p:cNvPr id="261" name="Google Shape;261;g75b7ceff41_0_0"/>
+          <p:cNvPr id="263" name="Google Shape;263;g75b7ceff41_0_0"/>
           <p:cNvSpPr/>
           <p:nvPr/>
         </p:nvSpPr>
@@ -40485,7 +40573,7 @@
       </p:sp>
       <p:pic>
         <p:nvPicPr>
-          <p:cNvPr id="262" name="Google Shape;262;g75b7ceff41_0_0"/>
+          <p:cNvPr id="264" name="Google Shape;264;g75b7ceff41_0_0"/>
           <p:cNvPicPr preferRelativeResize="0"/>
           <p:nvPr/>
         </p:nvPicPr>
@@ -40513,7 +40601,7 @@
       </p:pic>
       <p:pic>
         <p:nvPicPr>
-          <p:cNvPr id="263" name="Google Shape;263;g75b7ceff41_0_0"/>
+          <p:cNvPr id="265" name="Google Shape;265;g75b7ceff41_0_0"/>
           <p:cNvPicPr preferRelativeResize="0"/>
           <p:nvPr/>
         </p:nvPicPr>
@@ -40541,7 +40629,7 @@
       </p:pic>
       <p:sp>
         <p:nvSpPr>
-          <p:cNvPr id="264" name="Google Shape;264;g75b7ceff41_0_0"/>
+          <p:cNvPr id="266" name="Google Shape;266;g75b7ceff41_0_0"/>
           <p:cNvSpPr/>
           <p:nvPr/>
         </p:nvSpPr>
@@ -40593,7 +40681,7 @@
       </p:sp>
       <p:sp>
         <p:nvSpPr>
-          <p:cNvPr id="265" name="Google Shape;265;g75b7ceff41_0_0"/>
+          <p:cNvPr id="267" name="Google Shape;267;g75b7ceff41_0_0"/>
           <p:cNvSpPr/>
           <p:nvPr/>
         </p:nvSpPr>
@@ -40656,7 +40744,7 @@
   <p:cSld>
     <p:spTree>
       <p:nvGrpSpPr>
-        <p:cNvPr id="269" name="Shape 269"/>
+        <p:cNvPr id="271" name="Shape 271"/>
         <p:cNvGrpSpPr/>
         <p:nvPr/>
       </p:nvGrpSpPr>
@@ -40670,7 +40758,7 @@
       </p:grpSpPr>
       <p:sp>
         <p:nvSpPr>
-          <p:cNvPr id="270" name="Google Shape;270;p6"/>
+          <p:cNvPr id="272" name="Google Shape;272;p6"/>
           <p:cNvSpPr/>
           <p:nvPr/>
         </p:nvSpPr>
@@ -40724,7 +40812,7 @@
       </p:sp>
       <p:sp>
         <p:nvSpPr>
-          <p:cNvPr id="271" name="Google Shape;271;p6"/>
+          <p:cNvPr id="273" name="Google Shape;273;p6"/>
           <p:cNvSpPr/>
           <p:nvPr/>
         </p:nvSpPr>
@@ -40774,7 +40862,7 @@
       </p:sp>
       <p:sp>
         <p:nvSpPr>
-          <p:cNvPr id="272" name="Google Shape;272;p6"/>
+          <p:cNvPr id="274" name="Google Shape;274;p6"/>
           <p:cNvSpPr txBox="1"/>
           <p:nvPr/>
         </p:nvSpPr>
@@ -41019,7 +41107,7 @@
       </p:sp>
       <p:pic>
         <p:nvPicPr>
-          <p:cNvPr id="273" name="Google Shape;273;p6"/>
+          <p:cNvPr id="275" name="Google Shape;275;p6"/>
           <p:cNvPicPr preferRelativeResize="0"/>
           <p:nvPr/>
         </p:nvPicPr>
@@ -41060,7 +41148,7 @@
   <p:cSld>
     <p:spTree>
       <p:nvGrpSpPr>
-        <p:cNvPr id="277" name="Shape 277"/>
+        <p:cNvPr id="279" name="Shape 279"/>
         <p:cNvGrpSpPr/>
         <p:nvPr/>
       </p:nvGrpSpPr>
@@ -41074,7 +41162,7 @@
       </p:grpSpPr>
       <p:sp>
         <p:nvSpPr>
-          <p:cNvPr id="278" name="Google Shape;278;g75b57b0b16_0_147"/>
+          <p:cNvPr id="280" name="Google Shape;280;g75b57b0b16_0_147"/>
           <p:cNvSpPr/>
           <p:nvPr/>
         </p:nvSpPr>
@@ -41124,7 +41212,7 @@
       </p:sp>
       <p:sp>
         <p:nvSpPr>
-          <p:cNvPr id="279" name="Google Shape;279;g75b57b0b16_0_147"/>
+          <p:cNvPr id="281" name="Google Shape;281;g75b57b0b16_0_147"/>
           <p:cNvSpPr/>
           <p:nvPr/>
         </p:nvSpPr>
@@ -41174,7 +41262,7 @@
       </p:sp>
       <p:pic>
         <p:nvPicPr>
-          <p:cNvPr id="280" name="Google Shape;280;g75b57b0b16_0_147"/>
+          <p:cNvPr id="282" name="Google Shape;282;g75b57b0b16_0_147"/>
           <p:cNvPicPr preferRelativeResize="0"/>
           <p:nvPr/>
         </p:nvPicPr>
@@ -41201,7 +41289,7 @@
       </p:pic>
       <p:pic>
         <p:nvPicPr>
-          <p:cNvPr id="281" name="Google Shape;281;g75b57b0b16_0_147"/>
+          <p:cNvPr id="283" name="Google Shape;283;g75b57b0b16_0_147"/>
           <p:cNvPicPr preferRelativeResize="0"/>
           <p:nvPr/>
         </p:nvPicPr>
@@ -41228,7 +41316,7 @@
       </p:pic>
       <p:pic>
         <p:nvPicPr>
-          <p:cNvPr id="282" name="Google Shape;282;g75b57b0b16_0_147"/>
+          <p:cNvPr id="284" name="Google Shape;284;g75b57b0b16_0_147"/>
           <p:cNvPicPr preferRelativeResize="0"/>
           <p:nvPr/>
         </p:nvPicPr>
@@ -41255,7 +41343,7 @@
       </p:pic>
       <p:pic>
         <p:nvPicPr>
-          <p:cNvPr id="283" name="Google Shape;283;g75b57b0b16_0_147"/>
+          <p:cNvPr id="285" name="Google Shape;285;g75b57b0b16_0_147"/>
           <p:cNvPicPr preferRelativeResize="0"/>
           <p:nvPr/>
         </p:nvPicPr>
@@ -41282,7 +41370,7 @@
       </p:pic>
       <p:sp>
         <p:nvSpPr>
-          <p:cNvPr id="284" name="Google Shape;284;g75b57b0b16_0_147"/>
+          <p:cNvPr id="286" name="Google Shape;286;g75b57b0b16_0_147"/>
           <p:cNvSpPr txBox="1"/>
           <p:nvPr/>
         </p:nvSpPr>
@@ -41350,6 +41438,285 @@
 </file>
 
 <file path=ppt/theme/theme1.xml><?xml version="1.0" encoding="utf-8"?>
+<a:theme xmlns:a="http://schemas.openxmlformats.org/drawingml/2006/main" xmlns:r="http://schemas.openxmlformats.org/officeDocument/2006/relationships">
+  <a:themeElements>
+    <a:clrScheme name="Default">
+      <a:dk1>
+        <a:srgbClr val="000000"/>
+      </a:dk1>
+      <a:lt1>
+        <a:srgbClr val="FFFFFF"/>
+      </a:lt1>
+      <a:dk2>
+        <a:srgbClr val="158158"/>
+      </a:dk2>
+      <a:lt2>
+        <a:srgbClr val="F3F3F3"/>
+      </a:lt2>
+      <a:accent1>
+        <a:srgbClr val="058DC7"/>
+      </a:accent1>
+      <a:accent2>
+        <a:srgbClr val="50B432"/>
+      </a:accent2>
+      <a:accent3>
+        <a:srgbClr val="ED561B"/>
+      </a:accent3>
+      <a:accent4>
+        <a:srgbClr val="EDEF00"/>
+      </a:accent4>
+      <a:accent5>
+        <a:srgbClr val="24CBE5"/>
+      </a:accent5>
+      <a:accent6>
+        <a:srgbClr val="64E572"/>
+      </a:accent6>
+      <a:hlink>
+        <a:srgbClr val="2200CC"/>
+      </a:hlink>
+      <a:folHlink>
+        <a:srgbClr val="551A8B"/>
+      </a:folHlink>
+    </a:clrScheme>
+    <a:fontScheme name="Office">
+      <a:majorFont>
+        <a:latin typeface="Arial"/>
+        <a:ea typeface=""/>
+        <a:cs typeface=""/>
+        <a:font script="Jpan" typeface="ＭＳ Ｐゴシック"/>
+        <a:font script="Hang" typeface="맑은 고딕"/>
+        <a:font script="Hans" typeface="宋体"/>
+        <a:font script="Hant" typeface="新細明體"/>
+        <a:font script="Arab" typeface="Times New Roman"/>
+        <a:font script="Hebr" typeface="Times New Roman"/>
+        <a:font script="Thai" typeface="Angsana New"/>
+        <a:font script="Ethi" typeface="Nyala"/>
+        <a:font script="Beng" typeface="Vrinda"/>
+        <a:font script="Gujr" typeface="Shruti"/>
+        <a:font script="Khmr" typeface="MoolBoran"/>
+        <a:font script="Knda" typeface="Tunga"/>
+        <a:font script="Guru" typeface="Raavi"/>
+        <a:font script="Cans" typeface="Euphemia"/>
+        <a:font script="Cher" typeface="Plantagenet Cherokee"/>
+        <a:font script="Yiii" typeface="Microsoft Yi Baiti"/>
+        <a:font script="Tibt" typeface="Microsoft Himalaya"/>
+        <a:font script="Thaa" typeface="MV Boli"/>
+        <a:font script="Deva" typeface="Mangal"/>
+        <a:font script="Telu" typeface="Gautami"/>
+        <a:font script="Taml" typeface="Latha"/>
+        <a:font script="Syrc" typeface="Estrangelo Edessa"/>
+        <a:font script="Orya" typeface="Kalinga"/>
+        <a:font script="Mlym" typeface="Kartika"/>
+        <a:font script="Laoo" typeface="DokChampa"/>
+        <a:font script="Sinh" typeface="Iskoola Pota"/>
+        <a:font script="Mong" typeface="Mongolian Baiti"/>
+        <a:font script="Viet" typeface="Times New Roman"/>
+        <a:font script="Uigh" typeface="Microsoft Uighur"/>
+        <a:font script="Geor" typeface="Sylfaen"/>
+      </a:majorFont>
+      <a:minorFont>
+        <a:latin typeface="Arial"/>
+        <a:ea typeface=""/>
+        <a:cs typeface=""/>
+        <a:font script="Jpan" typeface="ＭＳ Ｐゴシック"/>
+        <a:font script="Hang" typeface="맑은 고딕"/>
+        <a:font script="Hans" typeface="宋体"/>
+        <a:font script="Hant" typeface="新細明體"/>
+        <a:font script="Arab" typeface="Arial"/>
+        <a:font script="Hebr" typeface="Arial"/>
+        <a:font script="Thai" typeface="Cordia New"/>
+        <a:font script="Ethi" typeface="Nyala"/>
+        <a:font script="Beng" typeface="Vrinda"/>
+        <a:font script="Gujr" typeface="Shruti"/>
+        <a:font script="Khmr" typeface="DaunPenh"/>
+        <a:font script="Knda" typeface="Tunga"/>
+        <a:font script="Guru" typeface="Raavi"/>
+        <a:font script="Cans" typeface="Euphemia"/>
+        <a:font script="Cher" typeface="Plantagenet Cherokee"/>
+        <a:font script="Yiii" typeface="Microsoft Yi Baiti"/>
+        <a:font script="Tibt" typeface="Microsoft Himalaya"/>
+        <a:font script="Thaa" typeface="MV Boli"/>
+        <a:font script="Deva" typeface="Mangal"/>
+        <a:font script="Telu" typeface="Gautami"/>
+        <a:font script="Taml" typeface="Latha"/>
+        <a:font script="Syrc" typeface="Estrangelo Edessa"/>
+        <a:font script="Orya" typeface="Kalinga"/>
+        <a:font script="Mlym" typeface="Kartika"/>
+        <a:font script="Laoo" typeface="DokChampa"/>
+        <a:font script="Sinh" typeface="Iskoola Pota"/>
+        <a:font script="Mong" typeface="Mongolian Baiti"/>
+        <a:font script="Viet" typeface="Arial"/>
+        <a:font script="Uigh" typeface="Microsoft Uighur"/>
+        <a:font script="Geor" typeface="Sylfaen"/>
+      </a:minorFont>
+    </a:fontScheme>
+    <a:fmtScheme name="Office">
+      <a:fillStyleLst>
+        <a:solidFill>
+          <a:schemeClr val="phClr"/>
+        </a:solidFill>
+        <a:gradFill rotWithShape="1">
+          <a:gsLst>
+            <a:gs pos="0">
+              <a:schemeClr val="phClr">
+                <a:tint val="50000"/>
+                <a:satMod val="300000"/>
+              </a:schemeClr>
+            </a:gs>
+            <a:gs pos="35000">
+              <a:schemeClr val="phClr">
+                <a:tint val="37000"/>
+                <a:satMod val="300000"/>
+              </a:schemeClr>
+            </a:gs>
+            <a:gs pos="100000">
+              <a:schemeClr val="phClr">
+                <a:tint val="15000"/>
+                <a:satMod val="350000"/>
+              </a:schemeClr>
+            </a:gs>
+          </a:gsLst>
+          <a:lin ang="16200000" scaled="1"/>
+        </a:gradFill>
+        <a:gradFill rotWithShape="1">
+          <a:gsLst>
+            <a:gs pos="0">
+              <a:schemeClr val="phClr">
+                <a:tint val="100000"/>
+                <a:shade val="100000"/>
+                <a:satMod val="130000"/>
+              </a:schemeClr>
+            </a:gs>
+            <a:gs pos="100000">
+              <a:schemeClr val="phClr">
+                <a:tint val="50000"/>
+                <a:shade val="100000"/>
+                <a:satMod val="350000"/>
+              </a:schemeClr>
+            </a:gs>
+          </a:gsLst>
+          <a:lin ang="16200000" scaled="0"/>
+        </a:gradFill>
+      </a:fillStyleLst>
+      <a:lnStyleLst>
+        <a:ln w="9525" cap="flat" cmpd="sng" algn="ctr">
+          <a:solidFill>
+            <a:schemeClr val="phClr">
+              <a:shade val="95000"/>
+              <a:satMod val="105000"/>
+            </a:schemeClr>
+          </a:solidFill>
+          <a:prstDash val="solid"/>
+        </a:ln>
+        <a:ln w="25400" cap="flat" cmpd="sng" algn="ctr">
+          <a:solidFill>
+            <a:schemeClr val="phClr"/>
+          </a:solidFill>
+          <a:prstDash val="solid"/>
+        </a:ln>
+        <a:ln w="38100" cap="flat" cmpd="sng" algn="ctr">
+          <a:solidFill>
+            <a:schemeClr val="phClr"/>
+          </a:solidFill>
+          <a:prstDash val="solid"/>
+        </a:ln>
+      </a:lnStyleLst>
+      <a:effectStyleLst>
+        <a:effectStyle>
+          <a:effectLst>
+            <a:outerShdw blurRad="40000" dist="20000" dir="5400000" rotWithShape="0">
+              <a:srgbClr val="000000">
+                <a:alpha val="38000"/>
+              </a:srgbClr>
+            </a:outerShdw>
+          </a:effectLst>
+        </a:effectStyle>
+        <a:effectStyle>
+          <a:effectLst>
+            <a:outerShdw blurRad="40000" dist="23000" dir="5400000" rotWithShape="0">
+              <a:srgbClr val="000000">
+                <a:alpha val="35000"/>
+              </a:srgbClr>
+            </a:outerShdw>
+          </a:effectLst>
+        </a:effectStyle>
+        <a:effectStyle>
+          <a:effectLst>
+            <a:outerShdw blurRad="40000" dist="23000" dir="5400000" rotWithShape="0">
+              <a:srgbClr val="000000">
+                <a:alpha val="35000"/>
+              </a:srgbClr>
+            </a:outerShdw>
+          </a:effectLst>
+          <a:scene3d>
+            <a:camera prst="orthographicFront">
+              <a:rot lat="0" lon="0" rev="0"/>
+            </a:camera>
+            <a:lightRig rig="threePt" dir="t">
+              <a:rot lat="0" lon="0" rev="1200000"/>
+            </a:lightRig>
+          </a:scene3d>
+          <a:sp3d>
+            <a:bevelT w="63500" h="25400"/>
+          </a:sp3d>
+        </a:effectStyle>
+      </a:effectStyleLst>
+      <a:bgFillStyleLst>
+        <a:solidFill>
+          <a:schemeClr val="phClr"/>
+        </a:solidFill>
+        <a:gradFill rotWithShape="1">
+          <a:gsLst>
+            <a:gs pos="0">
+              <a:schemeClr val="phClr">
+                <a:tint val="40000"/>
+                <a:satMod val="350000"/>
+              </a:schemeClr>
+            </a:gs>
+            <a:gs pos="40000">
+              <a:schemeClr val="phClr">
+                <a:tint val="45000"/>
+                <a:shade val="99000"/>
+                <a:satMod val="350000"/>
+              </a:schemeClr>
+            </a:gs>
+            <a:gs pos="100000">
+              <a:schemeClr val="phClr">
+                <a:shade val="20000"/>
+                <a:satMod val="255000"/>
+              </a:schemeClr>
+            </a:gs>
+          </a:gsLst>
+          <a:path path="circle">
+            <a:fillToRect l="50000" t="-80000" r="50000" b="180000"/>
+          </a:path>
+        </a:gradFill>
+        <a:gradFill rotWithShape="1">
+          <a:gsLst>
+            <a:gs pos="0">
+              <a:schemeClr val="phClr">
+                <a:tint val="80000"/>
+                <a:satMod val="300000"/>
+              </a:schemeClr>
+            </a:gs>
+            <a:gs pos="100000">
+              <a:schemeClr val="phClr">
+                <a:shade val="30000"/>
+                <a:satMod val="200000"/>
+              </a:schemeClr>
+            </a:gs>
+          </a:gsLst>
+          <a:path path="circle">
+            <a:fillToRect l="50000" t="50000" r="50000" b="50000"/>
+          </a:path>
+        </a:gradFill>
+      </a:bgFillStyleLst>
+    </a:fmtScheme>
+  </a:themeElements>
+</a:theme>
+</file>
+
+<file path=ppt/theme/theme2.xml><?xml version="1.0" encoding="utf-8"?>
 <a:theme xmlns:a="http://schemas.openxmlformats.org/drawingml/2006/main" xmlns:r="http://schemas.openxmlformats.org/officeDocument/2006/relationships" name="Office 테마">
   <a:themeElements>
     <a:clrScheme name="Office">
@@ -41626,283 +41993,4 @@
     </a:fmtScheme>
   </a:themeElements>
 </a:theme>
-</file>
-
-<file path=ppt/theme/theme2.xml><?xml version="1.0" encoding="utf-8"?>
-<a:theme xmlns:a="http://schemas.openxmlformats.org/drawingml/2006/main" xmlns:r="http://schemas.openxmlformats.org/officeDocument/2006/relationships">
-  <a:themeElements>
-    <a:clrScheme name="Default">
-      <a:dk1>
-        <a:srgbClr val="000000"/>
-      </a:dk1>
-      <a:lt1>
-        <a:srgbClr val="FFFFFF"/>
-      </a:lt1>
-      <a:dk2>
-        <a:srgbClr val="158158"/>
-      </a:dk2>
-      <a:lt2>
-        <a:srgbClr val="F3F3F3"/>
-      </a:lt2>
-      <a:accent1>
-        <a:srgbClr val="058DC7"/>
-      </a:accent1>
-      <a:accent2>
-        <a:srgbClr val="50B432"/>
-      </a:accent2>
-      <a:accent3>
-        <a:srgbClr val="ED561B"/>
-      </a:accent3>
-      <a:accent4>
-        <a:srgbClr val="EDEF00"/>
-      </a:accent4>
-      <a:accent5>
-        <a:srgbClr val="24CBE5"/>
-      </a:accent5>
-      <a:accent6>
-        <a:srgbClr val="64E572"/>
-      </a:accent6>
-      <a:hlink>
-        <a:srgbClr val="2200CC"/>
-      </a:hlink>
-      <a:folHlink>
-        <a:srgbClr val="551A8B"/>
-      </a:folHlink>
-    </a:clrScheme>
-    <a:fontScheme name="Office">
-      <a:majorFont>
-        <a:latin typeface="Arial"/>
-        <a:ea typeface=""/>
-        <a:cs typeface=""/>
-        <a:font script="Jpan" typeface="ＭＳ Ｐゴシック"/>
-        <a:font script="Hang" typeface="맑은 고딕"/>
-        <a:font script="Hans" typeface="宋体"/>
-        <a:font script="Hant" typeface="新細明體"/>
-        <a:font script="Arab" typeface="Times New Roman"/>
-        <a:font script="Hebr" typeface="Times New Roman"/>
-        <a:font script="Thai" typeface="Angsana New"/>
-        <a:font script="Ethi" typeface="Nyala"/>
-        <a:font script="Beng" typeface="Vrinda"/>
-        <a:font script="Gujr" typeface="Shruti"/>
-        <a:font script="Khmr" typeface="MoolBoran"/>
-        <a:font script="Knda" typeface="Tunga"/>
-        <a:font script="Guru" typeface="Raavi"/>
-        <a:font script="Cans" typeface="Euphemia"/>
-        <a:font script="Cher" typeface="Plantagenet Cherokee"/>
-        <a:font script="Yiii" typeface="Microsoft Yi Baiti"/>
-        <a:font script="Tibt" typeface="Microsoft Himalaya"/>
-        <a:font script="Thaa" typeface="MV Boli"/>
-        <a:font script="Deva" typeface="Mangal"/>
-        <a:font script="Telu" typeface="Gautami"/>
-        <a:font script="Taml" typeface="Latha"/>
-        <a:font script="Syrc" typeface="Estrangelo Edessa"/>
-        <a:font script="Orya" typeface="Kalinga"/>
-        <a:font script="Mlym" typeface="Kartika"/>
-        <a:font script="Laoo" typeface="DokChampa"/>
-        <a:font script="Sinh" typeface="Iskoola Pota"/>
-        <a:font script="Mong" typeface="Mongolian Baiti"/>
-        <a:font script="Viet" typeface="Times New Roman"/>
-        <a:font script="Uigh" typeface="Microsoft Uighur"/>
-        <a:font script="Geor" typeface="Sylfaen"/>
-      </a:majorFont>
-      <a:minorFont>
-        <a:latin typeface="Arial"/>
-        <a:ea typeface=""/>
-        <a:cs typeface=""/>
-        <a:font script="Jpan" typeface="ＭＳ Ｐゴシック"/>
-        <a:font script="Hang" typeface="맑은 고딕"/>
-        <a:font script="Hans" typeface="宋体"/>
-        <a:font script="Hant" typeface="新細明體"/>
-        <a:font script="Arab" typeface="Arial"/>
-        <a:font script="Hebr" typeface="Arial"/>
-        <a:font script="Thai" typeface="Cordia New"/>
-        <a:font script="Ethi" typeface="Nyala"/>
-        <a:font script="Beng" typeface="Vrinda"/>
-        <a:font script="Gujr" typeface="Shruti"/>
-        <a:font script="Khmr" typeface="DaunPenh"/>
-        <a:font script="Knda" typeface="Tunga"/>
-        <a:font script="Guru" typeface="Raavi"/>
-        <a:font script="Cans" typeface="Euphemia"/>
-        <a:font script="Cher" typeface="Plantagenet Cherokee"/>
-        <a:font script="Yiii" typeface="Microsoft Yi Baiti"/>
-        <a:font script="Tibt" typeface="Microsoft Himalaya"/>
-        <a:font script="Thaa" typeface="MV Boli"/>
-        <a:font script="Deva" typeface="Mangal"/>
-        <a:font script="Telu" typeface="Gautami"/>
-        <a:font script="Taml" typeface="Latha"/>
-        <a:font script="Syrc" typeface="Estrangelo Edessa"/>
-        <a:font script="Orya" typeface="Kalinga"/>
-        <a:font script="Mlym" typeface="Kartika"/>
-        <a:font script="Laoo" typeface="DokChampa"/>
-        <a:font script="Sinh" typeface="Iskoola Pota"/>
-        <a:font script="Mong" typeface="Mongolian Baiti"/>
-        <a:font script="Viet" typeface="Arial"/>
-        <a:font script="Uigh" typeface="Microsoft Uighur"/>
-        <a:font script="Geor" typeface="Sylfaen"/>
-      </a:minorFont>
-    </a:fontScheme>
-    <a:fmtScheme name="Office">
-      <a:fillStyleLst>
-        <a:solidFill>
-          <a:schemeClr val="phClr"/>
-        </a:solidFill>
-        <a:gradFill rotWithShape="1">
-          <a:gsLst>
-            <a:gs pos="0">
-              <a:schemeClr val="phClr">
-                <a:tint val="50000"/>
-                <a:satMod val="300000"/>
-              </a:schemeClr>
-            </a:gs>
-            <a:gs pos="35000">
-              <a:schemeClr val="phClr">
-                <a:tint val="37000"/>
-                <a:satMod val="300000"/>
-              </a:schemeClr>
-            </a:gs>
-            <a:gs pos="100000">
-              <a:schemeClr val="phClr">
-                <a:tint val="15000"/>
-                <a:satMod val="350000"/>
-              </a:schemeClr>
-            </a:gs>
-          </a:gsLst>
-          <a:lin ang="16200000" scaled="1"/>
-        </a:gradFill>
-        <a:gradFill rotWithShape="1">
-          <a:gsLst>
-            <a:gs pos="0">
-              <a:schemeClr val="phClr">
-                <a:tint val="100000"/>
-                <a:shade val="100000"/>
-                <a:satMod val="130000"/>
-              </a:schemeClr>
-            </a:gs>
-            <a:gs pos="100000">
-              <a:schemeClr val="phClr">
-                <a:tint val="50000"/>
-                <a:shade val="100000"/>
-                <a:satMod val="350000"/>
-              </a:schemeClr>
-            </a:gs>
-          </a:gsLst>
-          <a:lin ang="16200000" scaled="0"/>
-        </a:gradFill>
-      </a:fillStyleLst>
-      <a:lnStyleLst>
-        <a:ln w="9525" cap="flat" cmpd="sng" algn="ctr">
-          <a:solidFill>
-            <a:schemeClr val="phClr">
-              <a:shade val="95000"/>
-              <a:satMod val="105000"/>
-            </a:schemeClr>
-          </a:solidFill>
-          <a:prstDash val="solid"/>
-        </a:ln>
-        <a:ln w="25400" cap="flat" cmpd="sng" algn="ctr">
-          <a:solidFill>
-            <a:schemeClr val="phClr"/>
-          </a:solidFill>
-          <a:prstDash val="solid"/>
-        </a:ln>
-        <a:ln w="38100" cap="flat" cmpd="sng" algn="ctr">
-          <a:solidFill>
-            <a:schemeClr val="phClr"/>
-          </a:solidFill>
-          <a:prstDash val="solid"/>
-        </a:ln>
-      </a:lnStyleLst>
-      <a:effectStyleLst>
-        <a:effectStyle>
-          <a:effectLst>
-            <a:outerShdw blurRad="40000" dist="20000" dir="5400000" rotWithShape="0">
-              <a:srgbClr val="000000">
-                <a:alpha val="38000"/>
-              </a:srgbClr>
-            </a:outerShdw>
-          </a:effectLst>
-        </a:effectStyle>
-        <a:effectStyle>
-          <a:effectLst>
-            <a:outerShdw blurRad="40000" dist="23000" dir="5400000" rotWithShape="0">
-              <a:srgbClr val="000000">
-                <a:alpha val="35000"/>
-              </a:srgbClr>
-            </a:outerShdw>
-          </a:effectLst>
-        </a:effectStyle>
-        <a:effectStyle>
-          <a:effectLst>
-            <a:outerShdw blurRad="40000" dist="23000" dir="5400000" rotWithShape="0">
-              <a:srgbClr val="000000">
-                <a:alpha val="35000"/>
-              </a:srgbClr>
-            </a:outerShdw>
-          </a:effectLst>
-          <a:scene3d>
-            <a:camera prst="orthographicFront">
-              <a:rot lat="0" lon="0" rev="0"/>
-            </a:camera>
-            <a:lightRig rig="threePt" dir="t">
-              <a:rot lat="0" lon="0" rev="1200000"/>
-            </a:lightRig>
-          </a:scene3d>
-          <a:sp3d>
-            <a:bevelT w="63500" h="25400"/>
-          </a:sp3d>
-        </a:effectStyle>
-      </a:effectStyleLst>
-      <a:bgFillStyleLst>
-        <a:solidFill>
-          <a:schemeClr val="phClr"/>
-        </a:solidFill>
-        <a:gradFill rotWithShape="1">
-          <a:gsLst>
-            <a:gs pos="0">
-              <a:schemeClr val="phClr">
-                <a:tint val="40000"/>
-                <a:satMod val="350000"/>
-              </a:schemeClr>
-            </a:gs>
-            <a:gs pos="40000">
-              <a:schemeClr val="phClr">
-                <a:tint val="45000"/>
-                <a:shade val="99000"/>
-                <a:satMod val="350000"/>
-              </a:schemeClr>
-            </a:gs>
-            <a:gs pos="100000">
-              <a:schemeClr val="phClr">
-                <a:shade val="20000"/>
-                <a:satMod val="255000"/>
-              </a:schemeClr>
-            </a:gs>
-          </a:gsLst>
-          <a:path path="circle">
-            <a:fillToRect l="50000" t="-80000" r="50000" b="180000"/>
-          </a:path>
-        </a:gradFill>
-        <a:gradFill rotWithShape="1">
-          <a:gsLst>
-            <a:gs pos="0">
-              <a:schemeClr val="phClr">
-                <a:tint val="80000"/>
-                <a:satMod val="300000"/>
-              </a:schemeClr>
-            </a:gs>
-            <a:gs pos="100000">
-              <a:schemeClr val="phClr">
-                <a:shade val="30000"/>
-                <a:satMod val="200000"/>
-              </a:schemeClr>
-            </a:gs>
-          </a:gsLst>
-          <a:path path="circle">
-            <a:fillToRect l="50000" t="50000" r="50000" b="50000"/>
-          </a:path>
-        </a:gradFill>
-      </a:bgFillStyleLst>
-    </a:fmtScheme>
-  </a:themeElements>
-</a:theme>
 </file>